--- a/Capstone/Refugee_Immigrants overtime.pptx
+++ b/Capstone/Refugee_Immigrants overtime.pptx
@@ -16,9 +16,9 @@
     <p:sldId id="268" r:id="rId4"/>
     <p:sldId id="266" r:id="rId5"/>
     <p:sldId id="258" r:id="rId6"/>
-    <p:sldId id="269" r:id="rId7"/>
-    <p:sldId id="270" r:id="rId8"/>
-    <p:sldId id="267" r:id="rId9"/>
+    <p:sldId id="270" r:id="rId7"/>
+    <p:sldId id="267" r:id="rId8"/>
+    <p:sldId id="269" r:id="rId9"/>
     <p:sldId id="260" r:id="rId10"/>
     <p:sldId id="272" r:id="rId11"/>
     <p:sldId id="271" r:id="rId12"/>
@@ -2547,1290 +2547,6 @@
 </file>
 
 <file path=ppt/charts/chart2.xml><?xml version="1.0" encoding="utf-8"?>
-<c:chartSpace xmlns:c="http://schemas.openxmlformats.org/drawingml/2006/chart" xmlns:a="http://schemas.openxmlformats.org/drawingml/2006/main" xmlns:r="http://schemas.openxmlformats.org/officeDocument/2006/relationships" xmlns:c16r2="http://schemas.microsoft.com/office/drawing/2015/06/chart">
-  <c:date1904 val="0"/>
-  <c:lang val="en-US"/>
-  <c:roundedCorners val="0"/>
-  <mc:AlternateContent xmlns:mc="http://schemas.openxmlformats.org/markup-compatibility/2006">
-    <mc:Choice xmlns:c14="http://schemas.microsoft.com/office/drawing/2007/8/2/chart" Requires="c14">
-      <c14:style val="102"/>
-    </mc:Choice>
-    <mc:Fallback>
-      <c:style val="2"/>
-    </mc:Fallback>
-  </mc:AlternateContent>
-  <c:chart>
-    <c:title>
-      <c:tx>
-        <c:rich>
-          <a:bodyPr rot="0" spcFirstLastPara="1" vertOverflow="ellipsis" vert="horz" wrap="square" anchor="ctr" anchorCtr="1"/>
-          <a:lstStyle/>
-          <a:p>
-            <a:pPr>
-              <a:defRPr sz="2000" b="0" i="0" u="none" strike="noStrike" kern="1200" baseline="0">
-                <a:solidFill>
-                  <a:schemeClr val="bg1">
-                    <a:lumMod val="50000"/>
-                  </a:schemeClr>
-                </a:solidFill>
-                <a:effectLst>
-                  <a:outerShdw blurRad="38100" dist="38100" dir="2700000" algn="tl">
-                    <a:srgbClr val="000000">
-                      <a:alpha val="43137"/>
-                    </a:srgbClr>
-                  </a:outerShdw>
-                </a:effectLst>
-                <a:latin typeface="+mn-lt"/>
-                <a:ea typeface="+mn-ea"/>
-                <a:cs typeface="+mn-cs"/>
-              </a:defRPr>
-            </a:pPr>
-            <a:r>
-              <a:rPr lang="en-US" sz="2400" b="1" dirty="0">
-                <a:solidFill>
-                  <a:schemeClr val="accent2">
-                    <a:lumMod val="50000"/>
-                  </a:schemeClr>
-                </a:solidFill>
-                <a:effectLst>
-                  <a:outerShdw blurRad="38100" dist="38100" dir="2700000" algn="tl">
-                    <a:srgbClr val="000000">
-                      <a:alpha val="43137"/>
-                    </a:srgbClr>
-                  </a:outerShdw>
-                </a:effectLst>
-                <a:latin typeface="+mj-lt"/>
-              </a:rPr>
-              <a:t>Gender</a:t>
-            </a:r>
-            <a:r>
-              <a:rPr lang="en-US" sz="2000" b="0" dirty="0">
-                <a:solidFill>
-                  <a:schemeClr val="bg1">
-                    <a:lumMod val="50000"/>
-                  </a:schemeClr>
-                </a:solidFill>
-                <a:effectLst>
-                  <a:outerShdw blurRad="38100" dist="38100" dir="2700000" algn="tl">
-                    <a:srgbClr val="000000">
-                      <a:alpha val="43137"/>
-                    </a:srgbClr>
-                  </a:outerShdw>
-                </a:effectLst>
-              </a:rPr>
-              <a:t> </a:t>
-            </a:r>
-          </a:p>
-        </c:rich>
-      </c:tx>
-      <c:layout>
-        <c:manualLayout>
-          <c:xMode val="edge"/>
-          <c:yMode val="edge"/>
-          <c:x val="0.38706933508311459"/>
-          <c:y val="3.2407407407407406E-2"/>
-        </c:manualLayout>
-      </c:layout>
-      <c:overlay val="0"/>
-      <c:spPr>
-        <a:noFill/>
-        <a:ln>
-          <a:noFill/>
-        </a:ln>
-        <a:effectLst/>
-      </c:spPr>
-      <c:txPr>
-        <a:bodyPr rot="0" spcFirstLastPara="1" vertOverflow="ellipsis" vert="horz" wrap="square" anchor="ctr" anchorCtr="1"/>
-        <a:lstStyle/>
-        <a:p>
-          <a:pPr>
-            <a:defRPr sz="2000" b="0" i="0" u="none" strike="noStrike" kern="1200" baseline="0">
-              <a:solidFill>
-                <a:schemeClr val="bg1">
-                  <a:lumMod val="50000"/>
-                </a:schemeClr>
-              </a:solidFill>
-              <a:effectLst>
-                <a:outerShdw blurRad="38100" dist="38100" dir="2700000" algn="tl">
-                  <a:srgbClr val="000000">
-                    <a:alpha val="43137"/>
-                  </a:srgbClr>
-                </a:outerShdw>
-              </a:effectLst>
-              <a:latin typeface="+mn-lt"/>
-              <a:ea typeface="+mn-ea"/>
-              <a:cs typeface="+mn-cs"/>
-            </a:defRPr>
-          </a:pPr>
-          <a:endParaRPr lang="en-US"/>
-        </a:p>
-      </c:txPr>
-    </c:title>
-    <c:autoTitleDeleted val="0"/>
-    <c:plotArea>
-      <c:layout/>
-      <c:pieChart>
-        <c:varyColors val="1"/>
-        <c:ser>
-          <c:idx val="0"/>
-          <c:order val="0"/>
-          <c:dPt>
-            <c:idx val="0"/>
-            <c:bubble3D val="0"/>
-            <c:spPr>
-              <a:gradFill rotWithShape="1">
-                <a:gsLst>
-                  <a:gs pos="0">
-                    <a:schemeClr val="accent1">
-                      <a:satMod val="103000"/>
-                      <a:lumMod val="102000"/>
-                      <a:tint val="94000"/>
-                    </a:schemeClr>
-                  </a:gs>
-                  <a:gs pos="50000">
-                    <a:schemeClr val="accent1">
-                      <a:satMod val="110000"/>
-                      <a:lumMod val="100000"/>
-                      <a:shade val="100000"/>
-                    </a:schemeClr>
-                  </a:gs>
-                  <a:gs pos="100000">
-                    <a:schemeClr val="accent1">
-                      <a:lumMod val="99000"/>
-                      <a:satMod val="120000"/>
-                      <a:shade val="78000"/>
-                    </a:schemeClr>
-                  </a:gs>
-                </a:gsLst>
-                <a:lin ang="5400000" scaled="0"/>
-              </a:gradFill>
-              <a:ln>
-                <a:noFill/>
-              </a:ln>
-              <a:effectLst/>
-            </c:spPr>
-            <c:extLst>
-              <c:ext xmlns:c16="http://schemas.microsoft.com/office/drawing/2014/chart" uri="{C3380CC4-5D6E-409C-BE32-E72D297353CC}">
-                <c16:uniqueId val="{00000001-E41C-4CB6-A4B7-4E35A04E68FA}"/>
-              </c:ext>
-            </c:extLst>
-          </c:dPt>
-          <c:dPt>
-            <c:idx val="1"/>
-            <c:bubble3D val="0"/>
-            <c:spPr>
-              <a:gradFill rotWithShape="1">
-                <a:gsLst>
-                  <a:gs pos="0">
-                    <a:schemeClr val="accent2">
-                      <a:satMod val="103000"/>
-                      <a:lumMod val="102000"/>
-                      <a:tint val="94000"/>
-                    </a:schemeClr>
-                  </a:gs>
-                  <a:gs pos="50000">
-                    <a:schemeClr val="accent2">
-                      <a:satMod val="110000"/>
-                      <a:lumMod val="100000"/>
-                      <a:shade val="100000"/>
-                    </a:schemeClr>
-                  </a:gs>
-                  <a:gs pos="100000">
-                    <a:schemeClr val="accent2">
-                      <a:lumMod val="99000"/>
-                      <a:satMod val="120000"/>
-                      <a:shade val="78000"/>
-                    </a:schemeClr>
-                  </a:gs>
-                </a:gsLst>
-                <a:lin ang="5400000" scaled="0"/>
-              </a:gradFill>
-              <a:ln>
-                <a:noFill/>
-              </a:ln>
-              <a:effectLst/>
-            </c:spPr>
-            <c:extLst>
-              <c:ext xmlns:c16="http://schemas.microsoft.com/office/drawing/2014/chart" uri="{C3380CC4-5D6E-409C-BE32-E72D297353CC}">
-                <c16:uniqueId val="{00000003-E41C-4CB6-A4B7-4E35A04E68FA}"/>
-              </c:ext>
-            </c:extLst>
-          </c:dPt>
-          <c:dLbls>
-            <c:spPr>
-              <a:noFill/>
-              <a:ln>
-                <a:noFill/>
-              </a:ln>
-              <a:effectLst/>
-            </c:spPr>
-            <c:txPr>
-              <a:bodyPr rot="0" spcFirstLastPara="1" vertOverflow="ellipsis" vert="horz" wrap="square" lIns="38100" tIns="19050" rIns="38100" bIns="19050" anchor="ctr" anchorCtr="1">
-                <a:spAutoFit/>
-              </a:bodyPr>
-              <a:lstStyle/>
-              <a:p>
-                <a:pPr>
-                  <a:defRPr sz="1197" b="0" i="0" u="none" strike="noStrike" kern="1200" baseline="0">
-                    <a:solidFill>
-                      <a:schemeClr val="tx2"/>
-                    </a:solidFill>
-                    <a:latin typeface="+mn-lt"/>
-                    <a:ea typeface="+mn-ea"/>
-                    <a:cs typeface="+mn-cs"/>
-                  </a:defRPr>
-                </a:pPr>
-                <a:endParaRPr lang="en-US"/>
-              </a:p>
-            </c:txPr>
-            <c:dLblPos val="ctr"/>
-            <c:showLegendKey val="0"/>
-            <c:showVal val="0"/>
-            <c:showCatName val="0"/>
-            <c:showSerName val="0"/>
-            <c:showPercent val="1"/>
-            <c:showBubbleSize val="0"/>
-            <c:showLeaderLines val="1"/>
-            <c:leaderLines>
-              <c:spPr>
-                <a:ln w="9525">
-                  <a:solidFill>
-                    <a:schemeClr val="tx2">
-                      <a:lumMod val="35000"/>
-                      <a:lumOff val="65000"/>
-                    </a:schemeClr>
-                  </a:solidFill>
-                </a:ln>
-                <a:effectLst/>
-              </c:spPr>
-            </c:leaderLines>
-            <c:extLst>
-              <c:ext xmlns:c15="http://schemas.microsoft.com/office/drawing/2012/chart" uri="{CE6537A1-D6FC-4f65-9D91-7224C49458BB}"/>
-            </c:extLst>
-          </c:dLbls>
-          <c:cat>
-            <c:strRef>
-              <c:f>'Table 15'!$A$8:$A$9</c:f>
-              <c:strCache>
-                <c:ptCount val="2"/>
-                <c:pt idx="0">
-                  <c:v>Female</c:v>
-                </c:pt>
-                <c:pt idx="1">
-                  <c:v>Male</c:v>
-                </c:pt>
-              </c:strCache>
-            </c:strRef>
-          </c:cat>
-          <c:val>
-            <c:numRef>
-              <c:f>'Table 15'!$B$8:$B$9</c:f>
-              <c:numCache>
-                <c:formatCode>#,##0</c:formatCode>
-                <c:ptCount val="2"/>
-                <c:pt idx="0">
-                  <c:v>14651</c:v>
-                </c:pt>
-                <c:pt idx="1">
-                  <c:v>15265</c:v>
-                </c:pt>
-              </c:numCache>
-            </c:numRef>
-          </c:val>
-          <c:extLst>
-            <c:ext xmlns:c16="http://schemas.microsoft.com/office/drawing/2014/chart" uri="{C3380CC4-5D6E-409C-BE32-E72D297353CC}">
-              <c16:uniqueId val="{00000004-E41C-4CB6-A4B7-4E35A04E68FA}"/>
-            </c:ext>
-          </c:extLst>
-        </c:ser>
-        <c:dLbls>
-          <c:dLblPos val="ctr"/>
-          <c:showLegendKey val="0"/>
-          <c:showVal val="0"/>
-          <c:showCatName val="0"/>
-          <c:showSerName val="0"/>
-          <c:showPercent val="1"/>
-          <c:showBubbleSize val="0"/>
-          <c:showLeaderLines val="1"/>
-        </c:dLbls>
-        <c:firstSliceAng val="0"/>
-      </c:pieChart>
-      <c:spPr>
-        <a:noFill/>
-        <a:ln>
-          <a:noFill/>
-        </a:ln>
-        <a:effectLst/>
-      </c:spPr>
-    </c:plotArea>
-    <c:legend>
-      <c:legendPos val="b"/>
-      <c:overlay val="0"/>
-      <c:spPr>
-        <a:noFill/>
-        <a:ln>
-          <a:noFill/>
-        </a:ln>
-        <a:effectLst/>
-      </c:spPr>
-      <c:txPr>
-        <a:bodyPr rot="0" spcFirstLastPara="1" vertOverflow="ellipsis" vert="horz" wrap="square" anchor="ctr" anchorCtr="1"/>
-        <a:lstStyle/>
-        <a:p>
-          <a:pPr>
-            <a:defRPr sz="1197" b="0" i="0" u="none" strike="noStrike" kern="1200" baseline="0">
-              <a:solidFill>
-                <a:schemeClr val="tx2"/>
-              </a:solidFill>
-              <a:latin typeface="+mn-lt"/>
-              <a:ea typeface="+mn-ea"/>
-              <a:cs typeface="+mn-cs"/>
-            </a:defRPr>
-          </a:pPr>
-          <a:endParaRPr lang="en-US"/>
-        </a:p>
-      </c:txPr>
-    </c:legend>
-    <c:plotVisOnly val="1"/>
-    <c:dispBlanksAs val="gap"/>
-    <c:extLst>
-      <c:ext xmlns:c16r3="http://schemas.microsoft.com/office/drawing/2017/03/chart" uri="{56B9EC1D-385E-4148-901F-78D8002777C0}">
-        <c16r3:dataDisplayOptions16>
-          <c16r3:dispNaAsBlank val="1"/>
-        </c16r3:dataDisplayOptions16>
-      </c:ext>
-    </c:extLst>
-    <c:showDLblsOverMax val="0"/>
-  </c:chart>
-  <c:spPr>
-    <a:noFill/>
-    <a:ln>
-      <a:noFill/>
-    </a:ln>
-    <a:effectLst/>
-  </c:spPr>
-  <c:txPr>
-    <a:bodyPr/>
-    <a:lstStyle/>
-    <a:p>
-      <a:pPr>
-        <a:defRPr/>
-      </a:pPr>
-      <a:endParaRPr lang="en-US"/>
-    </a:p>
-  </c:txPr>
-  <c:externalData r:id="rId3">
-    <c:autoUpdate val="0"/>
-  </c:externalData>
-</c:chartSpace>
-</file>
-
-<file path=ppt/charts/chart3.xml><?xml version="1.0" encoding="utf-8"?>
-<c:chartSpace xmlns:c="http://schemas.openxmlformats.org/drawingml/2006/chart" xmlns:a="http://schemas.openxmlformats.org/drawingml/2006/main" xmlns:r="http://schemas.openxmlformats.org/officeDocument/2006/relationships" xmlns:c16r2="http://schemas.microsoft.com/office/drawing/2015/06/chart">
-  <c:date1904 val="0"/>
-  <c:lang val="en-US"/>
-  <c:roundedCorners val="0"/>
-  <mc:AlternateContent xmlns:mc="http://schemas.openxmlformats.org/markup-compatibility/2006">
-    <mc:Choice xmlns:c14="http://schemas.microsoft.com/office/drawing/2007/8/2/chart" Requires="c14">
-      <c14:style val="102"/>
-    </mc:Choice>
-    <mc:Fallback>
-      <c:style val="2"/>
-    </mc:Fallback>
-  </mc:AlternateContent>
-  <c:chart>
-    <c:title>
-      <c:tx>
-        <c:rich>
-          <a:bodyPr rot="0" spcFirstLastPara="1" vertOverflow="ellipsis" vert="horz" wrap="square" anchor="ctr" anchorCtr="1"/>
-          <a:lstStyle/>
-          <a:p>
-            <a:pPr>
-              <a:defRPr sz="2000" b="1" i="0" u="none" strike="noStrike" kern="1200" cap="all" spc="50" baseline="0">
-                <a:solidFill>
-                  <a:schemeClr val="tx1">
-                    <a:lumMod val="65000"/>
-                    <a:lumOff val="35000"/>
-                  </a:schemeClr>
-                </a:solidFill>
-                <a:latin typeface="+mn-lt"/>
-                <a:ea typeface="+mn-ea"/>
-                <a:cs typeface="+mn-cs"/>
-              </a:defRPr>
-            </a:pPr>
-            <a:r>
-              <a:rPr lang="en-US" sz="2000" dirty="0">
-                <a:solidFill>
-                  <a:schemeClr val="accent2">
-                    <a:lumMod val="50000"/>
-                  </a:schemeClr>
-                </a:solidFill>
-                <a:effectLst>
-                  <a:outerShdw blurRad="38100" dist="38100" dir="2700000" algn="tl">
-                    <a:srgbClr val="000000">
-                      <a:alpha val="43137"/>
-                    </a:srgbClr>
-                  </a:outerShdw>
-                </a:effectLst>
-              </a:rPr>
-              <a:t>AGE</a:t>
-            </a:r>
-            <a:r>
-              <a:rPr lang="en-US" sz="2000" baseline="0" dirty="0">
-                <a:solidFill>
-                  <a:schemeClr val="accent2">
-                    <a:lumMod val="50000"/>
-                  </a:schemeClr>
-                </a:solidFill>
-                <a:effectLst>
-                  <a:outerShdw blurRad="38100" dist="38100" dir="2700000" algn="tl">
-                    <a:srgbClr val="000000">
-                      <a:alpha val="43137"/>
-                    </a:srgbClr>
-                  </a:outerShdw>
-                </a:effectLst>
-              </a:rPr>
-              <a:t> OF REFUGEES-2019</a:t>
-            </a:r>
-            <a:r>
-              <a:rPr lang="en-US" sz="2000" dirty="0">
-                <a:solidFill>
-                  <a:schemeClr val="accent2">
-                    <a:lumMod val="50000"/>
-                  </a:schemeClr>
-                </a:solidFill>
-                <a:effectLst>
-                  <a:outerShdw blurRad="38100" dist="38100" dir="2700000" algn="tl">
-                    <a:srgbClr val="000000">
-                      <a:alpha val="43137"/>
-                    </a:srgbClr>
-                  </a:outerShdw>
-                </a:effectLst>
-              </a:rPr>
-              <a:t> </a:t>
-            </a:r>
-            <a:r>
-              <a:rPr lang="en-US" sz="2000" baseline="0" dirty="0">
-                <a:solidFill>
-                  <a:schemeClr val="accent2">
-                    <a:lumMod val="50000"/>
-                  </a:schemeClr>
-                </a:solidFill>
-                <a:effectLst>
-                  <a:outerShdw blurRad="38100" dist="38100" dir="2700000" algn="tl">
-                    <a:srgbClr val="000000">
-                      <a:alpha val="43137"/>
-                    </a:srgbClr>
-                  </a:outerShdw>
-                </a:effectLst>
-              </a:rPr>
-              <a:t> </a:t>
-            </a:r>
-            <a:endParaRPr lang="en-US" sz="2000" dirty="0">
-              <a:solidFill>
-                <a:schemeClr val="accent2">
-                  <a:lumMod val="50000"/>
-                </a:schemeClr>
-              </a:solidFill>
-              <a:effectLst>
-                <a:outerShdw blurRad="38100" dist="38100" dir="2700000" algn="tl">
-                  <a:srgbClr val="000000">
-                    <a:alpha val="43137"/>
-                  </a:srgbClr>
-                </a:outerShdw>
-              </a:effectLst>
-            </a:endParaRPr>
-          </a:p>
-        </c:rich>
-      </c:tx>
-      <c:overlay val="0"/>
-      <c:spPr>
-        <a:noFill/>
-        <a:ln>
-          <a:noFill/>
-        </a:ln>
-        <a:effectLst/>
-      </c:spPr>
-      <c:txPr>
-        <a:bodyPr rot="0" spcFirstLastPara="1" vertOverflow="ellipsis" vert="horz" wrap="square" anchor="ctr" anchorCtr="1"/>
-        <a:lstStyle/>
-        <a:p>
-          <a:pPr>
-            <a:defRPr sz="2000" b="1" i="0" u="none" strike="noStrike" kern="1200" cap="all" spc="50" baseline="0">
-              <a:solidFill>
-                <a:schemeClr val="tx1">
-                  <a:lumMod val="65000"/>
-                  <a:lumOff val="35000"/>
-                </a:schemeClr>
-              </a:solidFill>
-              <a:latin typeface="+mn-lt"/>
-              <a:ea typeface="+mn-ea"/>
-              <a:cs typeface="+mn-cs"/>
-            </a:defRPr>
-          </a:pPr>
-          <a:endParaRPr lang="en-US"/>
-        </a:p>
-      </c:txPr>
-    </c:title>
-    <c:autoTitleDeleted val="0"/>
-    <c:plotArea>
-      <c:layout>
-        <c:manualLayout>
-          <c:layoutTarget val="inner"/>
-          <c:xMode val="edge"/>
-          <c:yMode val="edge"/>
-          <c:x val="0.21372448484979048"/>
-          <c:y val="0.17374149659863947"/>
-          <c:w val="0.73492788435645262"/>
-          <c:h val="0.58525106067315369"/>
-        </c:manualLayout>
-      </c:layout>
-      <c:areaChart>
-        <c:grouping val="standard"/>
-        <c:varyColors val="0"/>
-        <c:ser>
-          <c:idx val="0"/>
-          <c:order val="0"/>
-          <c:spPr>
-            <a:solidFill>
-              <a:schemeClr val="accent1">
-                <a:alpha val="74000"/>
-              </a:schemeClr>
-            </a:solidFill>
-            <a:ln w="0">
-              <a:solidFill>
-                <a:schemeClr val="accent1"/>
-              </a:solidFill>
-            </a:ln>
-            <a:effectLst>
-              <a:innerShdw blurRad="114300">
-                <a:schemeClr val="accent1">
-                  <a:lumMod val="75000"/>
-                </a:schemeClr>
-              </a:innerShdw>
-            </a:effectLst>
-          </c:spPr>
-          <c:cat>
-            <c:strRef>
-              <c:f>'Age, Gender and Marital Status'!$A$12:$A$27</c:f>
-              <c:strCache>
-                <c:ptCount val="16"/>
-                <c:pt idx="0">
-                  <c:v>Under 1 year                        </c:v>
-                </c:pt>
-                <c:pt idx="1">
-                  <c:v>1 to 4 years                          </c:v>
-                </c:pt>
-                <c:pt idx="2">
-                  <c:v>5 to 9 years                      </c:v>
-                </c:pt>
-                <c:pt idx="3">
-                  <c:v>10 to 14 years                     </c:v>
-                </c:pt>
-                <c:pt idx="4">
-                  <c:v>15 to 19 years                      </c:v>
-                </c:pt>
-                <c:pt idx="5">
-                  <c:v>20 to 24 years                       </c:v>
-                </c:pt>
-                <c:pt idx="6">
-                  <c:v>25 to 29 years                    </c:v>
-                </c:pt>
-                <c:pt idx="7">
-                  <c:v>30 to 34 years                 </c:v>
-                </c:pt>
-                <c:pt idx="8">
-                  <c:v>35 to 39 years                    </c:v>
-                </c:pt>
-                <c:pt idx="9">
-                  <c:v>40 to 44 years                   </c:v>
-                </c:pt>
-                <c:pt idx="10">
-                  <c:v>45 to 49 years                   </c:v>
-                </c:pt>
-                <c:pt idx="11">
-                  <c:v>50 to 54 years                    </c:v>
-                </c:pt>
-                <c:pt idx="12">
-                  <c:v>55 to 59 years                 </c:v>
-                </c:pt>
-                <c:pt idx="13">
-                  <c:v>60 to 64 years                   </c:v>
-                </c:pt>
-                <c:pt idx="14">
-                  <c:v>65 to 74 years           </c:v>
-                </c:pt>
-                <c:pt idx="15">
-                  <c:v>75 years and over                     </c:v>
-                </c:pt>
-              </c:strCache>
-            </c:strRef>
-          </c:cat>
-          <c:val>
-            <c:numRef>
-              <c:f>'Age, Gender and Marital Status'!$B$12:$B$27</c:f>
-              <c:numCache>
-                <c:formatCode>#,##0</c:formatCode>
-                <c:ptCount val="16"/>
-                <c:pt idx="0">
-                  <c:v>72</c:v>
-                </c:pt>
-                <c:pt idx="1">
-                  <c:v>3406</c:v>
-                </c:pt>
-                <c:pt idx="2">
-                  <c:v>4105</c:v>
-                </c:pt>
-                <c:pt idx="3">
-                  <c:v>3499</c:v>
-                </c:pt>
-                <c:pt idx="4">
-                  <c:v>3106</c:v>
-                </c:pt>
-                <c:pt idx="5">
-                  <c:v>3036</c:v>
-                </c:pt>
-                <c:pt idx="6">
-                  <c:v>3109</c:v>
-                </c:pt>
-                <c:pt idx="7">
-                  <c:v>2710</c:v>
-                </c:pt>
-                <c:pt idx="8">
-                  <c:v>1988</c:v>
-                </c:pt>
-                <c:pt idx="9">
-                  <c:v>1289</c:v>
-                </c:pt>
-                <c:pt idx="10">
-                  <c:v>1002</c:v>
-                </c:pt>
-                <c:pt idx="11">
-                  <c:v>724</c:v>
-                </c:pt>
-                <c:pt idx="12">
-                  <c:v>626</c:v>
-                </c:pt>
-                <c:pt idx="13">
-                  <c:v>512</c:v>
-                </c:pt>
-                <c:pt idx="14">
-                  <c:v>549</c:v>
-                </c:pt>
-                <c:pt idx="15">
-                  <c:v>183</c:v>
-                </c:pt>
-              </c:numCache>
-            </c:numRef>
-          </c:val>
-          <c:extLst>
-            <c:ext xmlns:c16="http://schemas.microsoft.com/office/drawing/2014/chart" uri="{C3380CC4-5D6E-409C-BE32-E72D297353CC}">
-              <c16:uniqueId val="{00000000-AF89-413B-8781-EA5A9D37B9B7}"/>
-            </c:ext>
-          </c:extLst>
-        </c:ser>
-        <c:dLbls>
-          <c:showLegendKey val="0"/>
-          <c:showVal val="0"/>
-          <c:showCatName val="0"/>
-          <c:showSerName val="0"/>
-          <c:showPercent val="0"/>
-          <c:showBubbleSize val="0"/>
-        </c:dLbls>
-        <c:dropLines>
-          <c:spPr>
-            <a:ln w="9525">
-              <a:solidFill>
-                <a:schemeClr val="tx1">
-                  <a:lumMod val="35000"/>
-                  <a:lumOff val="65000"/>
-                </a:schemeClr>
-              </a:solidFill>
-              <a:round/>
-            </a:ln>
-            <a:effectLst/>
-          </c:spPr>
-        </c:dropLines>
-        <c:axId val="516778760"/>
-        <c:axId val="516789912"/>
-      </c:areaChart>
-      <c:catAx>
-        <c:axId val="516778760"/>
-        <c:scaling>
-          <c:orientation val="minMax"/>
-        </c:scaling>
-        <c:delete val="0"/>
-        <c:axPos val="b"/>
-        <c:numFmt formatCode="General" sourceLinked="1"/>
-        <c:majorTickMark val="none"/>
-        <c:minorTickMark val="none"/>
-        <c:tickLblPos val="nextTo"/>
-        <c:spPr>
-          <a:noFill/>
-          <a:ln w="9525" cap="rnd" cmpd="sng" algn="ctr">
-            <a:solidFill>
-              <a:schemeClr val="tx1">
-                <a:lumMod val="15000"/>
-                <a:lumOff val="85000"/>
-              </a:schemeClr>
-            </a:solidFill>
-            <a:round/>
-          </a:ln>
-          <a:effectLst/>
-        </c:spPr>
-        <c:txPr>
-          <a:bodyPr rot="0" spcFirstLastPara="1" vertOverflow="ellipsis" wrap="square" anchor="ctr" anchorCtr="1"/>
-          <a:lstStyle/>
-          <a:p>
-            <a:pPr>
-              <a:defRPr sz="900" b="0" i="0" u="none" strike="noStrike" kern="1200" cap="none" spc="20" normalizeH="0" baseline="0">
-                <a:solidFill>
-                  <a:schemeClr val="tx1">
-                    <a:lumMod val="65000"/>
-                    <a:lumOff val="35000"/>
-                  </a:schemeClr>
-                </a:solidFill>
-                <a:latin typeface="+mn-lt"/>
-                <a:ea typeface="+mn-ea"/>
-                <a:cs typeface="+mn-cs"/>
-              </a:defRPr>
-            </a:pPr>
-            <a:endParaRPr lang="en-US"/>
-          </a:p>
-        </c:txPr>
-        <c:crossAx val="516789912"/>
-        <c:crosses val="autoZero"/>
-        <c:auto val="1"/>
-        <c:lblAlgn val="ctr"/>
-        <c:lblOffset val="100"/>
-        <c:noMultiLvlLbl val="0"/>
-      </c:catAx>
-      <c:valAx>
-        <c:axId val="516789912"/>
-        <c:scaling>
-          <c:orientation val="minMax"/>
-        </c:scaling>
-        <c:delete val="0"/>
-        <c:axPos val="l"/>
-        <c:majorGridlines>
-          <c:spPr>
-            <a:ln w="9525" cap="flat" cmpd="sng" algn="ctr">
-              <a:solidFill>
-                <a:schemeClr val="tx1">
-                  <a:lumMod val="5000"/>
-                  <a:lumOff val="95000"/>
-                </a:schemeClr>
-              </a:solidFill>
-              <a:round/>
-            </a:ln>
-            <a:effectLst/>
-          </c:spPr>
-        </c:majorGridlines>
-        <c:numFmt formatCode="#,##0" sourceLinked="1"/>
-        <c:majorTickMark val="none"/>
-        <c:minorTickMark val="none"/>
-        <c:tickLblPos val="nextTo"/>
-        <c:spPr>
-          <a:noFill/>
-          <a:ln>
-            <a:noFill/>
-          </a:ln>
-          <a:effectLst/>
-        </c:spPr>
-        <c:txPr>
-          <a:bodyPr rot="-60000000" spcFirstLastPara="1" vertOverflow="ellipsis" vert="horz" wrap="square" anchor="ctr" anchorCtr="1"/>
-          <a:lstStyle/>
-          <a:p>
-            <a:pPr>
-              <a:defRPr sz="900" b="0" i="0" u="none" strike="noStrike" kern="1200" spc="20" baseline="0">
-                <a:solidFill>
-                  <a:schemeClr val="tx1">
-                    <a:lumMod val="65000"/>
-                    <a:lumOff val="35000"/>
-                  </a:schemeClr>
-                </a:solidFill>
-                <a:latin typeface="+mn-lt"/>
-                <a:ea typeface="+mn-ea"/>
-                <a:cs typeface="+mn-cs"/>
-              </a:defRPr>
-            </a:pPr>
-            <a:endParaRPr lang="en-US"/>
-          </a:p>
-        </c:txPr>
-        <c:crossAx val="516778760"/>
-        <c:crosses val="autoZero"/>
-        <c:crossBetween val="midCat"/>
-        <c:dispUnits>
-          <c:builtInUnit val="thousands"/>
-          <c:dispUnitsLbl>
-            <c:layout>
-              <c:manualLayout>
-                <c:xMode val="edge"/>
-                <c:yMode val="edge"/>
-                <c:x val="0.12083840372379774"/>
-                <c:y val="0.39003932344002512"/>
-              </c:manualLayout>
-            </c:layout>
-            <c:spPr>
-              <a:noFill/>
-              <a:ln>
-                <a:noFill/>
-              </a:ln>
-              <a:effectLst/>
-            </c:spPr>
-            <c:txPr>
-              <a:bodyPr rot="-5400000" spcFirstLastPara="1" vertOverflow="ellipsis" vert="horz" wrap="square" anchor="ctr" anchorCtr="1"/>
-              <a:lstStyle/>
-              <a:p>
-                <a:pPr>
-                  <a:defRPr sz="900" b="0" i="0" u="none" strike="noStrike" kern="1200" cap="all" baseline="0">
-                    <a:solidFill>
-                      <a:schemeClr val="tx1">
-                        <a:lumMod val="65000"/>
-                        <a:lumOff val="35000"/>
-                      </a:schemeClr>
-                    </a:solidFill>
-                    <a:latin typeface="+mn-lt"/>
-                    <a:ea typeface="+mn-ea"/>
-                    <a:cs typeface="+mn-cs"/>
-                  </a:defRPr>
-                </a:pPr>
-                <a:endParaRPr lang="en-US"/>
-              </a:p>
-            </c:txPr>
-          </c:dispUnitsLbl>
-        </c:dispUnits>
-      </c:valAx>
-      <c:spPr>
-        <a:noFill/>
-        <a:ln>
-          <a:noFill/>
-        </a:ln>
-        <a:effectLst/>
-      </c:spPr>
-    </c:plotArea>
-    <c:plotVisOnly val="1"/>
-    <c:dispBlanksAs val="zero"/>
-    <c:extLst>
-      <c:ext xmlns:c16r3="http://schemas.microsoft.com/office/drawing/2017/03/chart" uri="{56B9EC1D-385E-4148-901F-78D8002777C0}">
-        <c16r3:dataDisplayOptions16>
-          <c16r3:dispNaAsBlank val="1"/>
-        </c16r3:dataDisplayOptions16>
-      </c:ext>
-    </c:extLst>
-    <c:showDLblsOverMax val="0"/>
-  </c:chart>
-  <c:spPr>
-    <a:noFill/>
-    <a:ln>
-      <a:noFill/>
-    </a:ln>
-    <a:effectLst/>
-  </c:spPr>
-  <c:txPr>
-    <a:bodyPr/>
-    <a:lstStyle/>
-    <a:p>
-      <a:pPr>
-        <a:defRPr/>
-      </a:pPr>
-      <a:endParaRPr lang="en-US"/>
-    </a:p>
-  </c:txPr>
-  <c:externalData r:id="rId3">
-    <c:autoUpdate val="0"/>
-  </c:externalData>
-</c:chartSpace>
-</file>
-
-<file path=ppt/charts/chart4.xml><?xml version="1.0" encoding="utf-8"?>
-<c:chartSpace xmlns:c="http://schemas.openxmlformats.org/drawingml/2006/chart" xmlns:a="http://schemas.openxmlformats.org/drawingml/2006/main" xmlns:r="http://schemas.openxmlformats.org/officeDocument/2006/relationships" xmlns:c16r2="http://schemas.microsoft.com/office/drawing/2015/06/chart">
-  <c:date1904 val="0"/>
-  <c:lang val="en-US"/>
-  <c:roundedCorners val="0"/>
-  <mc:AlternateContent xmlns:mc="http://schemas.openxmlformats.org/markup-compatibility/2006">
-    <mc:Choice xmlns:c14="http://schemas.microsoft.com/office/drawing/2007/8/2/chart" Requires="c14">
-      <c14:style val="103"/>
-    </mc:Choice>
-    <mc:Fallback>
-      <c:style val="3"/>
-    </mc:Fallback>
-  </mc:AlternateContent>
-  <c:chart>
-    <c:title>
-      <c:tx>
-        <c:rich>
-          <a:bodyPr rot="0" spcFirstLastPara="1" vertOverflow="ellipsis" vert="horz" wrap="square" anchor="ctr" anchorCtr="1"/>
-          <a:lstStyle/>
-          <a:p>
-            <a:pPr>
-              <a:defRPr sz="2200" b="1" i="0" u="none" strike="noStrike" kern="1200" cap="all" spc="50" baseline="0">
-                <a:solidFill>
-                  <a:schemeClr val="tx1">
-                    <a:lumMod val="65000"/>
-                    <a:lumOff val="35000"/>
-                  </a:schemeClr>
-                </a:solidFill>
-                <a:effectLst>
-                  <a:outerShdw blurRad="38100" dist="38100" dir="2700000" algn="tl">
-                    <a:srgbClr val="000000">
-                      <a:alpha val="43137"/>
-                    </a:srgbClr>
-                  </a:outerShdw>
-                </a:effectLst>
-                <a:latin typeface="+mn-lt"/>
-                <a:ea typeface="+mn-ea"/>
-                <a:cs typeface="+mn-cs"/>
-              </a:defRPr>
-            </a:pPr>
-            <a:r>
-              <a:rPr lang="en-US" sz="2000" dirty="0">
-                <a:solidFill>
-                  <a:schemeClr val="accent2">
-                    <a:lumMod val="50000"/>
-                  </a:schemeClr>
-                </a:solidFill>
-                <a:effectLst>
-                  <a:outerShdw blurRad="38100" dist="38100" dir="2700000" algn="tl">
-                    <a:srgbClr val="000000">
-                      <a:alpha val="43137"/>
-                    </a:srgbClr>
-                  </a:outerShdw>
-                </a:effectLst>
-                <a:latin typeface="+mj-lt"/>
-              </a:rPr>
-              <a:t>MARITAL STATUS </a:t>
-            </a:r>
-          </a:p>
-        </c:rich>
-      </c:tx>
-      <c:overlay val="0"/>
-      <c:spPr>
-        <a:noFill/>
-        <a:ln>
-          <a:noFill/>
-        </a:ln>
-        <a:effectLst/>
-      </c:spPr>
-      <c:txPr>
-        <a:bodyPr rot="0" spcFirstLastPara="1" vertOverflow="ellipsis" vert="horz" wrap="square" anchor="ctr" anchorCtr="1"/>
-        <a:lstStyle/>
-        <a:p>
-          <a:pPr>
-            <a:defRPr sz="2200" b="1" i="0" u="none" strike="noStrike" kern="1200" cap="all" spc="50" baseline="0">
-              <a:solidFill>
-                <a:schemeClr val="tx1">
-                  <a:lumMod val="65000"/>
-                  <a:lumOff val="35000"/>
-                </a:schemeClr>
-              </a:solidFill>
-              <a:effectLst>
-                <a:outerShdw blurRad="38100" dist="38100" dir="2700000" algn="tl">
-                  <a:srgbClr val="000000">
-                    <a:alpha val="43137"/>
-                  </a:srgbClr>
-                </a:outerShdw>
-              </a:effectLst>
-              <a:latin typeface="+mn-lt"/>
-              <a:ea typeface="+mn-ea"/>
-              <a:cs typeface="+mn-cs"/>
-            </a:defRPr>
-          </a:pPr>
-          <a:endParaRPr lang="en-US"/>
-        </a:p>
-      </c:txPr>
-    </c:title>
-    <c:autoTitleDeleted val="0"/>
-    <c:plotArea>
-      <c:layout/>
-      <c:barChart>
-        <c:barDir val="bar"/>
-        <c:grouping val="clustered"/>
-        <c:varyColors val="0"/>
-        <c:ser>
-          <c:idx val="0"/>
-          <c:order val="0"/>
-          <c:spPr>
-            <a:gradFill flip="none" rotWithShape="1">
-              <a:gsLst>
-                <a:gs pos="0">
-                  <a:schemeClr val="accent1"/>
-                </a:gs>
-                <a:gs pos="75000">
-                  <a:schemeClr val="accent1">
-                    <a:lumMod val="60000"/>
-                    <a:lumOff val="40000"/>
-                  </a:schemeClr>
-                </a:gs>
-                <a:gs pos="51000">
-                  <a:schemeClr val="accent1">
-                    <a:alpha val="75000"/>
-                  </a:schemeClr>
-                </a:gs>
-                <a:gs pos="100000">
-                  <a:schemeClr val="accent1">
-                    <a:lumMod val="20000"/>
-                    <a:lumOff val="80000"/>
-                    <a:alpha val="15000"/>
-                  </a:schemeClr>
-                </a:gs>
-              </a:gsLst>
-              <a:lin ang="10800000" scaled="1"/>
-              <a:tileRect/>
-            </a:gradFill>
-            <a:ln>
-              <a:noFill/>
-            </a:ln>
-            <a:effectLst/>
-          </c:spPr>
-          <c:invertIfNegative val="0"/>
-          <c:dLbls>
-            <c:spPr>
-              <a:noFill/>
-              <a:ln>
-                <a:noFill/>
-              </a:ln>
-              <a:effectLst/>
-            </c:spPr>
-            <c:txPr>
-              <a:bodyPr rot="0" spcFirstLastPara="1" vertOverflow="ellipsis" vert="horz" wrap="square" lIns="38100" tIns="19050" rIns="38100" bIns="19050" anchor="ctr" anchorCtr="1">
-                <a:spAutoFit/>
-              </a:bodyPr>
-              <a:lstStyle/>
-              <a:p>
-                <a:pPr>
-                  <a:defRPr sz="1197" b="0" i="0" u="none" strike="noStrike" kern="1200" baseline="0">
-                    <a:solidFill>
-                      <a:schemeClr val="tx1">
-                        <a:lumMod val="75000"/>
-                        <a:lumOff val="25000"/>
-                      </a:schemeClr>
-                    </a:solidFill>
-                    <a:latin typeface="+mn-lt"/>
-                    <a:ea typeface="+mn-ea"/>
-                    <a:cs typeface="+mn-cs"/>
-                  </a:defRPr>
-                </a:pPr>
-                <a:endParaRPr lang="en-US"/>
-              </a:p>
-            </c:txPr>
-            <c:dLblPos val="outEnd"/>
-            <c:showLegendKey val="0"/>
-            <c:showVal val="1"/>
-            <c:showCatName val="0"/>
-            <c:showSerName val="0"/>
-            <c:showPercent val="0"/>
-            <c:showBubbleSize val="0"/>
-            <c:showLeaderLines val="0"/>
-            <c:extLst>
-              <c:ext xmlns:c15="http://schemas.microsoft.com/office/drawing/2012/chart" uri="{CE6537A1-D6FC-4f65-9D91-7224C49458BB}">
-                <c15:showLeaderLines val="1"/>
-                <c15:leaderLines>
-                  <c:spPr>
-                    <a:ln w="9525">
-                      <a:solidFill>
-                        <a:schemeClr val="tx1">
-                          <a:lumMod val="35000"/>
-                          <a:lumOff val="65000"/>
-                        </a:schemeClr>
-                      </a:solidFill>
-                    </a:ln>
-                    <a:effectLst/>
-                  </c:spPr>
-                </c15:leaderLines>
-              </c:ext>
-            </c:extLst>
-          </c:dLbls>
-          <c:cat>
-            <c:strRef>
-              <c:f>'Age, Gender and Marital Status'!$A$35:$A$38</c:f>
-              <c:strCache>
-                <c:ptCount val="4"/>
-                <c:pt idx="0">
-                  <c:v>Married</c:v>
-                </c:pt>
-                <c:pt idx="1">
-                  <c:v>Single</c:v>
-                </c:pt>
-                <c:pt idx="2">
-                  <c:v>Widowed</c:v>
-                </c:pt>
-                <c:pt idx="3">
-                  <c:v>Divorced/separated</c:v>
-                </c:pt>
-              </c:strCache>
-            </c:strRef>
-          </c:cat>
-          <c:val>
-            <c:numRef>
-              <c:f>'Age, Gender and Marital Status'!$B$35:$B$38</c:f>
-              <c:numCache>
-                <c:formatCode>#,##0</c:formatCode>
-                <c:ptCount val="4"/>
-                <c:pt idx="0">
-                  <c:v>7770</c:v>
-                </c:pt>
-                <c:pt idx="1">
-                  <c:v>20828</c:v>
-                </c:pt>
-                <c:pt idx="2">
-                  <c:v>899</c:v>
-                </c:pt>
-                <c:pt idx="3">
-                  <c:v>414</c:v>
-                </c:pt>
-              </c:numCache>
-            </c:numRef>
-          </c:val>
-          <c:extLst>
-            <c:ext xmlns:c16="http://schemas.microsoft.com/office/drawing/2014/chart" uri="{C3380CC4-5D6E-409C-BE32-E72D297353CC}">
-              <c16:uniqueId val="{00000000-4240-452B-90F1-61877CCDAA6A}"/>
-            </c:ext>
-          </c:extLst>
-        </c:ser>
-        <c:dLbls>
-          <c:dLblPos val="outEnd"/>
-          <c:showLegendKey val="0"/>
-          <c:showVal val="1"/>
-          <c:showCatName val="0"/>
-          <c:showSerName val="0"/>
-          <c:showPercent val="0"/>
-          <c:showBubbleSize val="0"/>
-        </c:dLbls>
-        <c:gapWidth val="326"/>
-        <c:overlap val="-58"/>
-        <c:axId val="550700552"/>
-        <c:axId val="550707112"/>
-      </c:barChart>
-      <c:catAx>
-        <c:axId val="550700552"/>
-        <c:scaling>
-          <c:orientation val="minMax"/>
-        </c:scaling>
-        <c:delete val="0"/>
-        <c:axPos val="l"/>
-        <c:numFmt formatCode="General" sourceLinked="1"/>
-        <c:majorTickMark val="none"/>
-        <c:minorTickMark val="none"/>
-        <c:tickLblPos val="nextTo"/>
-        <c:spPr>
-          <a:noFill/>
-          <a:ln w="19050" cap="flat" cmpd="sng" algn="ctr">
-            <a:solidFill>
-              <a:schemeClr val="tx1">
-                <a:lumMod val="15000"/>
-                <a:lumOff val="85000"/>
-              </a:schemeClr>
-            </a:solidFill>
-            <a:round/>
-            <a:headEnd type="none" w="sm" len="sm"/>
-            <a:tailEnd type="none" w="sm" len="sm"/>
-          </a:ln>
-          <a:effectLst/>
-        </c:spPr>
-        <c:txPr>
-          <a:bodyPr rot="-60000000" spcFirstLastPara="1" vertOverflow="ellipsis" vert="horz" wrap="square" anchor="ctr" anchorCtr="1"/>
-          <a:lstStyle/>
-          <a:p>
-            <a:pPr>
-              <a:defRPr sz="1197" b="0" i="0" u="none" strike="noStrike" kern="1200" baseline="0">
-                <a:solidFill>
-                  <a:schemeClr val="tx1">
-                    <a:lumMod val="65000"/>
-                    <a:lumOff val="35000"/>
-                  </a:schemeClr>
-                </a:solidFill>
-                <a:latin typeface="+mn-lt"/>
-                <a:ea typeface="+mn-ea"/>
-                <a:cs typeface="+mn-cs"/>
-              </a:defRPr>
-            </a:pPr>
-            <a:endParaRPr lang="en-US"/>
-          </a:p>
-        </c:txPr>
-        <c:crossAx val="550707112"/>
-        <c:crosses val="autoZero"/>
-        <c:auto val="1"/>
-        <c:lblAlgn val="ctr"/>
-        <c:lblOffset val="100"/>
-        <c:noMultiLvlLbl val="0"/>
-      </c:catAx>
-      <c:valAx>
-        <c:axId val="550707112"/>
-        <c:scaling>
-          <c:orientation val="minMax"/>
-        </c:scaling>
-        <c:delete val="1"/>
-        <c:axPos val="b"/>
-        <c:majorGridlines>
-          <c:spPr>
-            <a:ln w="9525" cap="flat" cmpd="sng" algn="ctr">
-              <a:gradFill>
-                <a:gsLst>
-                  <a:gs pos="99000">
-                    <a:schemeClr val="tx1">
-                      <a:lumMod val="25000"/>
-                      <a:lumOff val="75000"/>
-                    </a:schemeClr>
-                  </a:gs>
-                  <a:gs pos="0">
-                    <a:schemeClr val="tx1">
-                      <a:lumMod val="15000"/>
-                      <a:lumOff val="85000"/>
-                    </a:schemeClr>
-                  </a:gs>
-                </a:gsLst>
-                <a:lin ang="5400000" scaled="0"/>
-              </a:gradFill>
-              <a:round/>
-            </a:ln>
-            <a:effectLst/>
-          </c:spPr>
-        </c:majorGridlines>
-        <c:numFmt formatCode="#,##0" sourceLinked="1"/>
-        <c:majorTickMark val="none"/>
-        <c:minorTickMark val="none"/>
-        <c:tickLblPos val="nextTo"/>
-        <c:crossAx val="550700552"/>
-        <c:crosses val="autoZero"/>
-        <c:crossBetween val="between"/>
-      </c:valAx>
-      <c:spPr>
-        <a:noFill/>
-        <a:ln>
-          <a:noFill/>
-        </a:ln>
-        <a:effectLst/>
-      </c:spPr>
-    </c:plotArea>
-    <c:plotVisOnly val="1"/>
-    <c:dispBlanksAs val="gap"/>
-    <c:showDLblsOverMax val="0"/>
-  </c:chart>
-  <c:spPr>
-    <a:noFill/>
-    <a:ln>
-      <a:noFill/>
-    </a:ln>
-    <a:effectLst/>
-  </c:spPr>
-  <c:txPr>
-    <a:bodyPr/>
-    <a:lstStyle/>
-    <a:p>
-      <a:pPr>
-        <a:defRPr/>
-      </a:pPr>
-      <a:endParaRPr lang="en-US"/>
-    </a:p>
-  </c:txPr>
-  <c:externalData r:id="rId3">
-    <c:autoUpdate val="0"/>
-  </c:externalData>
-</c:chartSpace>
-</file>
-
-<file path=ppt/charts/chart5.xml><?xml version="1.0" encoding="utf-8"?>
 <c:chartSpace xmlns:c="http://schemas.openxmlformats.org/drawingml/2006/chart" xmlns:a="http://schemas.openxmlformats.org/drawingml/2006/main" xmlns:r="http://schemas.openxmlformats.org/officeDocument/2006/relationships" xmlns:c16r2="http://schemas.microsoft.com/office/drawing/2015/06/chart">
   <c:date1904 val="0"/>
   <c:lang val="en-US"/>
@@ -4749,6 +3465,1290 @@
 </c:chartSpace>
 </file>
 
+<file path=ppt/charts/chart3.xml><?xml version="1.0" encoding="utf-8"?>
+<c:chartSpace xmlns:c="http://schemas.openxmlformats.org/drawingml/2006/chart" xmlns:a="http://schemas.openxmlformats.org/drawingml/2006/main" xmlns:r="http://schemas.openxmlformats.org/officeDocument/2006/relationships" xmlns:c16r2="http://schemas.microsoft.com/office/drawing/2015/06/chart">
+  <c:date1904 val="0"/>
+  <c:lang val="en-US"/>
+  <c:roundedCorners val="0"/>
+  <mc:AlternateContent xmlns:mc="http://schemas.openxmlformats.org/markup-compatibility/2006">
+    <mc:Choice xmlns:c14="http://schemas.microsoft.com/office/drawing/2007/8/2/chart" Requires="c14">
+      <c14:style val="102"/>
+    </mc:Choice>
+    <mc:Fallback>
+      <c:style val="2"/>
+    </mc:Fallback>
+  </mc:AlternateContent>
+  <c:chart>
+    <c:title>
+      <c:tx>
+        <c:rich>
+          <a:bodyPr rot="0" spcFirstLastPara="1" vertOverflow="ellipsis" vert="horz" wrap="square" anchor="ctr" anchorCtr="1"/>
+          <a:lstStyle/>
+          <a:p>
+            <a:pPr>
+              <a:defRPr sz="2000" b="0" i="0" u="none" strike="noStrike" kern="1200" baseline="0">
+                <a:solidFill>
+                  <a:schemeClr val="bg1">
+                    <a:lumMod val="50000"/>
+                  </a:schemeClr>
+                </a:solidFill>
+                <a:effectLst>
+                  <a:outerShdw blurRad="38100" dist="38100" dir="2700000" algn="tl">
+                    <a:srgbClr val="000000">
+                      <a:alpha val="43137"/>
+                    </a:srgbClr>
+                  </a:outerShdw>
+                </a:effectLst>
+                <a:latin typeface="+mn-lt"/>
+                <a:ea typeface="+mn-ea"/>
+                <a:cs typeface="+mn-cs"/>
+              </a:defRPr>
+            </a:pPr>
+            <a:r>
+              <a:rPr lang="en-US" sz="2400" b="1" dirty="0">
+                <a:solidFill>
+                  <a:schemeClr val="accent2">
+                    <a:lumMod val="50000"/>
+                  </a:schemeClr>
+                </a:solidFill>
+                <a:effectLst>
+                  <a:outerShdw blurRad="38100" dist="38100" dir="2700000" algn="tl">
+                    <a:srgbClr val="000000">
+                      <a:alpha val="43137"/>
+                    </a:srgbClr>
+                  </a:outerShdw>
+                </a:effectLst>
+                <a:latin typeface="+mj-lt"/>
+              </a:rPr>
+              <a:t>Gender</a:t>
+            </a:r>
+            <a:r>
+              <a:rPr lang="en-US" sz="2000" b="0" dirty="0">
+                <a:solidFill>
+                  <a:schemeClr val="bg1">
+                    <a:lumMod val="50000"/>
+                  </a:schemeClr>
+                </a:solidFill>
+                <a:effectLst>
+                  <a:outerShdw blurRad="38100" dist="38100" dir="2700000" algn="tl">
+                    <a:srgbClr val="000000">
+                      <a:alpha val="43137"/>
+                    </a:srgbClr>
+                  </a:outerShdw>
+                </a:effectLst>
+              </a:rPr>
+              <a:t> </a:t>
+            </a:r>
+          </a:p>
+        </c:rich>
+      </c:tx>
+      <c:layout>
+        <c:manualLayout>
+          <c:xMode val="edge"/>
+          <c:yMode val="edge"/>
+          <c:x val="0.38706933508311459"/>
+          <c:y val="3.2407407407407406E-2"/>
+        </c:manualLayout>
+      </c:layout>
+      <c:overlay val="0"/>
+      <c:spPr>
+        <a:noFill/>
+        <a:ln>
+          <a:noFill/>
+        </a:ln>
+        <a:effectLst/>
+      </c:spPr>
+      <c:txPr>
+        <a:bodyPr rot="0" spcFirstLastPara="1" vertOverflow="ellipsis" vert="horz" wrap="square" anchor="ctr" anchorCtr="1"/>
+        <a:lstStyle/>
+        <a:p>
+          <a:pPr>
+            <a:defRPr sz="2000" b="0" i="0" u="none" strike="noStrike" kern="1200" baseline="0">
+              <a:solidFill>
+                <a:schemeClr val="bg1">
+                  <a:lumMod val="50000"/>
+                </a:schemeClr>
+              </a:solidFill>
+              <a:effectLst>
+                <a:outerShdw blurRad="38100" dist="38100" dir="2700000" algn="tl">
+                  <a:srgbClr val="000000">
+                    <a:alpha val="43137"/>
+                  </a:srgbClr>
+                </a:outerShdw>
+              </a:effectLst>
+              <a:latin typeface="+mn-lt"/>
+              <a:ea typeface="+mn-ea"/>
+              <a:cs typeface="+mn-cs"/>
+            </a:defRPr>
+          </a:pPr>
+          <a:endParaRPr lang="en-US"/>
+        </a:p>
+      </c:txPr>
+    </c:title>
+    <c:autoTitleDeleted val="0"/>
+    <c:plotArea>
+      <c:layout/>
+      <c:pieChart>
+        <c:varyColors val="1"/>
+        <c:ser>
+          <c:idx val="0"/>
+          <c:order val="0"/>
+          <c:dPt>
+            <c:idx val="0"/>
+            <c:bubble3D val="0"/>
+            <c:spPr>
+              <a:gradFill rotWithShape="1">
+                <a:gsLst>
+                  <a:gs pos="0">
+                    <a:schemeClr val="accent1">
+                      <a:satMod val="103000"/>
+                      <a:lumMod val="102000"/>
+                      <a:tint val="94000"/>
+                    </a:schemeClr>
+                  </a:gs>
+                  <a:gs pos="50000">
+                    <a:schemeClr val="accent1">
+                      <a:satMod val="110000"/>
+                      <a:lumMod val="100000"/>
+                      <a:shade val="100000"/>
+                    </a:schemeClr>
+                  </a:gs>
+                  <a:gs pos="100000">
+                    <a:schemeClr val="accent1">
+                      <a:lumMod val="99000"/>
+                      <a:satMod val="120000"/>
+                      <a:shade val="78000"/>
+                    </a:schemeClr>
+                  </a:gs>
+                </a:gsLst>
+                <a:lin ang="5400000" scaled="0"/>
+              </a:gradFill>
+              <a:ln>
+                <a:noFill/>
+              </a:ln>
+              <a:effectLst/>
+            </c:spPr>
+            <c:extLst>
+              <c:ext xmlns:c16="http://schemas.microsoft.com/office/drawing/2014/chart" uri="{C3380CC4-5D6E-409C-BE32-E72D297353CC}">
+                <c16:uniqueId val="{00000001-E41C-4CB6-A4B7-4E35A04E68FA}"/>
+              </c:ext>
+            </c:extLst>
+          </c:dPt>
+          <c:dPt>
+            <c:idx val="1"/>
+            <c:bubble3D val="0"/>
+            <c:spPr>
+              <a:gradFill rotWithShape="1">
+                <a:gsLst>
+                  <a:gs pos="0">
+                    <a:schemeClr val="accent2">
+                      <a:satMod val="103000"/>
+                      <a:lumMod val="102000"/>
+                      <a:tint val="94000"/>
+                    </a:schemeClr>
+                  </a:gs>
+                  <a:gs pos="50000">
+                    <a:schemeClr val="accent2">
+                      <a:satMod val="110000"/>
+                      <a:lumMod val="100000"/>
+                      <a:shade val="100000"/>
+                    </a:schemeClr>
+                  </a:gs>
+                  <a:gs pos="100000">
+                    <a:schemeClr val="accent2">
+                      <a:lumMod val="99000"/>
+                      <a:satMod val="120000"/>
+                      <a:shade val="78000"/>
+                    </a:schemeClr>
+                  </a:gs>
+                </a:gsLst>
+                <a:lin ang="5400000" scaled="0"/>
+              </a:gradFill>
+              <a:ln>
+                <a:noFill/>
+              </a:ln>
+              <a:effectLst/>
+            </c:spPr>
+            <c:extLst>
+              <c:ext xmlns:c16="http://schemas.microsoft.com/office/drawing/2014/chart" uri="{C3380CC4-5D6E-409C-BE32-E72D297353CC}">
+                <c16:uniqueId val="{00000003-E41C-4CB6-A4B7-4E35A04E68FA}"/>
+              </c:ext>
+            </c:extLst>
+          </c:dPt>
+          <c:dLbls>
+            <c:spPr>
+              <a:noFill/>
+              <a:ln>
+                <a:noFill/>
+              </a:ln>
+              <a:effectLst/>
+            </c:spPr>
+            <c:txPr>
+              <a:bodyPr rot="0" spcFirstLastPara="1" vertOverflow="ellipsis" vert="horz" wrap="square" lIns="38100" tIns="19050" rIns="38100" bIns="19050" anchor="ctr" anchorCtr="1">
+                <a:spAutoFit/>
+              </a:bodyPr>
+              <a:lstStyle/>
+              <a:p>
+                <a:pPr>
+                  <a:defRPr sz="1197" b="0" i="0" u="none" strike="noStrike" kern="1200" baseline="0">
+                    <a:solidFill>
+                      <a:schemeClr val="tx2"/>
+                    </a:solidFill>
+                    <a:latin typeface="+mn-lt"/>
+                    <a:ea typeface="+mn-ea"/>
+                    <a:cs typeface="+mn-cs"/>
+                  </a:defRPr>
+                </a:pPr>
+                <a:endParaRPr lang="en-US"/>
+              </a:p>
+            </c:txPr>
+            <c:dLblPos val="ctr"/>
+            <c:showLegendKey val="0"/>
+            <c:showVal val="0"/>
+            <c:showCatName val="0"/>
+            <c:showSerName val="0"/>
+            <c:showPercent val="1"/>
+            <c:showBubbleSize val="0"/>
+            <c:showLeaderLines val="1"/>
+            <c:leaderLines>
+              <c:spPr>
+                <a:ln w="9525">
+                  <a:solidFill>
+                    <a:schemeClr val="tx2">
+                      <a:lumMod val="35000"/>
+                      <a:lumOff val="65000"/>
+                    </a:schemeClr>
+                  </a:solidFill>
+                </a:ln>
+                <a:effectLst/>
+              </c:spPr>
+            </c:leaderLines>
+            <c:extLst>
+              <c:ext xmlns:c15="http://schemas.microsoft.com/office/drawing/2012/chart" uri="{CE6537A1-D6FC-4f65-9D91-7224C49458BB}"/>
+            </c:extLst>
+          </c:dLbls>
+          <c:cat>
+            <c:strRef>
+              <c:f>'Table 15'!$A$8:$A$9</c:f>
+              <c:strCache>
+                <c:ptCount val="2"/>
+                <c:pt idx="0">
+                  <c:v>Female</c:v>
+                </c:pt>
+                <c:pt idx="1">
+                  <c:v>Male</c:v>
+                </c:pt>
+              </c:strCache>
+            </c:strRef>
+          </c:cat>
+          <c:val>
+            <c:numRef>
+              <c:f>'Table 15'!$B$8:$B$9</c:f>
+              <c:numCache>
+                <c:formatCode>#,##0</c:formatCode>
+                <c:ptCount val="2"/>
+                <c:pt idx="0">
+                  <c:v>14651</c:v>
+                </c:pt>
+                <c:pt idx="1">
+                  <c:v>15265</c:v>
+                </c:pt>
+              </c:numCache>
+            </c:numRef>
+          </c:val>
+          <c:extLst>
+            <c:ext xmlns:c16="http://schemas.microsoft.com/office/drawing/2014/chart" uri="{C3380CC4-5D6E-409C-BE32-E72D297353CC}">
+              <c16:uniqueId val="{00000004-E41C-4CB6-A4B7-4E35A04E68FA}"/>
+            </c:ext>
+          </c:extLst>
+        </c:ser>
+        <c:dLbls>
+          <c:dLblPos val="ctr"/>
+          <c:showLegendKey val="0"/>
+          <c:showVal val="0"/>
+          <c:showCatName val="0"/>
+          <c:showSerName val="0"/>
+          <c:showPercent val="1"/>
+          <c:showBubbleSize val="0"/>
+          <c:showLeaderLines val="1"/>
+        </c:dLbls>
+        <c:firstSliceAng val="0"/>
+      </c:pieChart>
+      <c:spPr>
+        <a:noFill/>
+        <a:ln>
+          <a:noFill/>
+        </a:ln>
+        <a:effectLst/>
+      </c:spPr>
+    </c:plotArea>
+    <c:legend>
+      <c:legendPos val="b"/>
+      <c:overlay val="0"/>
+      <c:spPr>
+        <a:noFill/>
+        <a:ln>
+          <a:noFill/>
+        </a:ln>
+        <a:effectLst/>
+      </c:spPr>
+      <c:txPr>
+        <a:bodyPr rot="0" spcFirstLastPara="1" vertOverflow="ellipsis" vert="horz" wrap="square" anchor="ctr" anchorCtr="1"/>
+        <a:lstStyle/>
+        <a:p>
+          <a:pPr>
+            <a:defRPr sz="1197" b="0" i="0" u="none" strike="noStrike" kern="1200" baseline="0">
+              <a:solidFill>
+                <a:schemeClr val="tx2"/>
+              </a:solidFill>
+              <a:latin typeface="+mn-lt"/>
+              <a:ea typeface="+mn-ea"/>
+              <a:cs typeface="+mn-cs"/>
+            </a:defRPr>
+          </a:pPr>
+          <a:endParaRPr lang="en-US"/>
+        </a:p>
+      </c:txPr>
+    </c:legend>
+    <c:plotVisOnly val="1"/>
+    <c:dispBlanksAs val="gap"/>
+    <c:extLst>
+      <c:ext xmlns:c16r3="http://schemas.microsoft.com/office/drawing/2017/03/chart" uri="{56B9EC1D-385E-4148-901F-78D8002777C0}">
+        <c16r3:dataDisplayOptions16>
+          <c16r3:dispNaAsBlank val="1"/>
+        </c16r3:dataDisplayOptions16>
+      </c:ext>
+    </c:extLst>
+    <c:showDLblsOverMax val="0"/>
+  </c:chart>
+  <c:spPr>
+    <a:noFill/>
+    <a:ln>
+      <a:noFill/>
+    </a:ln>
+    <a:effectLst/>
+  </c:spPr>
+  <c:txPr>
+    <a:bodyPr/>
+    <a:lstStyle/>
+    <a:p>
+      <a:pPr>
+        <a:defRPr/>
+      </a:pPr>
+      <a:endParaRPr lang="en-US"/>
+    </a:p>
+  </c:txPr>
+  <c:externalData r:id="rId3">
+    <c:autoUpdate val="0"/>
+  </c:externalData>
+</c:chartSpace>
+</file>
+
+<file path=ppt/charts/chart4.xml><?xml version="1.0" encoding="utf-8"?>
+<c:chartSpace xmlns:c="http://schemas.openxmlformats.org/drawingml/2006/chart" xmlns:a="http://schemas.openxmlformats.org/drawingml/2006/main" xmlns:r="http://schemas.openxmlformats.org/officeDocument/2006/relationships" xmlns:c16r2="http://schemas.microsoft.com/office/drawing/2015/06/chart">
+  <c:date1904 val="0"/>
+  <c:lang val="en-US"/>
+  <c:roundedCorners val="0"/>
+  <mc:AlternateContent xmlns:mc="http://schemas.openxmlformats.org/markup-compatibility/2006">
+    <mc:Choice xmlns:c14="http://schemas.microsoft.com/office/drawing/2007/8/2/chart" Requires="c14">
+      <c14:style val="102"/>
+    </mc:Choice>
+    <mc:Fallback>
+      <c:style val="2"/>
+    </mc:Fallback>
+  </mc:AlternateContent>
+  <c:chart>
+    <c:title>
+      <c:tx>
+        <c:rich>
+          <a:bodyPr rot="0" spcFirstLastPara="1" vertOverflow="ellipsis" vert="horz" wrap="square" anchor="ctr" anchorCtr="1"/>
+          <a:lstStyle/>
+          <a:p>
+            <a:pPr>
+              <a:defRPr sz="2000" b="1" i="0" u="none" strike="noStrike" kern="1200" cap="all" spc="50" baseline="0">
+                <a:solidFill>
+                  <a:schemeClr val="tx1">
+                    <a:lumMod val="65000"/>
+                    <a:lumOff val="35000"/>
+                  </a:schemeClr>
+                </a:solidFill>
+                <a:latin typeface="+mn-lt"/>
+                <a:ea typeface="+mn-ea"/>
+                <a:cs typeface="+mn-cs"/>
+              </a:defRPr>
+            </a:pPr>
+            <a:r>
+              <a:rPr lang="en-US" sz="2000" dirty="0">
+                <a:solidFill>
+                  <a:schemeClr val="accent2">
+                    <a:lumMod val="50000"/>
+                  </a:schemeClr>
+                </a:solidFill>
+                <a:effectLst>
+                  <a:outerShdw blurRad="38100" dist="38100" dir="2700000" algn="tl">
+                    <a:srgbClr val="000000">
+                      <a:alpha val="43137"/>
+                    </a:srgbClr>
+                  </a:outerShdw>
+                </a:effectLst>
+              </a:rPr>
+              <a:t>AGE</a:t>
+            </a:r>
+            <a:r>
+              <a:rPr lang="en-US" sz="2000" baseline="0" dirty="0">
+                <a:solidFill>
+                  <a:schemeClr val="accent2">
+                    <a:lumMod val="50000"/>
+                  </a:schemeClr>
+                </a:solidFill>
+                <a:effectLst>
+                  <a:outerShdw blurRad="38100" dist="38100" dir="2700000" algn="tl">
+                    <a:srgbClr val="000000">
+                      <a:alpha val="43137"/>
+                    </a:srgbClr>
+                  </a:outerShdw>
+                </a:effectLst>
+              </a:rPr>
+              <a:t> OF REFUGEES-2019</a:t>
+            </a:r>
+            <a:r>
+              <a:rPr lang="en-US" sz="2000" dirty="0">
+                <a:solidFill>
+                  <a:schemeClr val="accent2">
+                    <a:lumMod val="50000"/>
+                  </a:schemeClr>
+                </a:solidFill>
+                <a:effectLst>
+                  <a:outerShdw blurRad="38100" dist="38100" dir="2700000" algn="tl">
+                    <a:srgbClr val="000000">
+                      <a:alpha val="43137"/>
+                    </a:srgbClr>
+                  </a:outerShdw>
+                </a:effectLst>
+              </a:rPr>
+              <a:t> </a:t>
+            </a:r>
+            <a:r>
+              <a:rPr lang="en-US" sz="2000" baseline="0" dirty="0">
+                <a:solidFill>
+                  <a:schemeClr val="accent2">
+                    <a:lumMod val="50000"/>
+                  </a:schemeClr>
+                </a:solidFill>
+                <a:effectLst>
+                  <a:outerShdw blurRad="38100" dist="38100" dir="2700000" algn="tl">
+                    <a:srgbClr val="000000">
+                      <a:alpha val="43137"/>
+                    </a:srgbClr>
+                  </a:outerShdw>
+                </a:effectLst>
+              </a:rPr>
+              <a:t> </a:t>
+            </a:r>
+            <a:endParaRPr lang="en-US" sz="2000" dirty="0">
+              <a:solidFill>
+                <a:schemeClr val="accent2">
+                  <a:lumMod val="50000"/>
+                </a:schemeClr>
+              </a:solidFill>
+              <a:effectLst>
+                <a:outerShdw blurRad="38100" dist="38100" dir="2700000" algn="tl">
+                  <a:srgbClr val="000000">
+                    <a:alpha val="43137"/>
+                  </a:srgbClr>
+                </a:outerShdw>
+              </a:effectLst>
+            </a:endParaRPr>
+          </a:p>
+        </c:rich>
+      </c:tx>
+      <c:overlay val="0"/>
+      <c:spPr>
+        <a:noFill/>
+        <a:ln>
+          <a:noFill/>
+        </a:ln>
+        <a:effectLst/>
+      </c:spPr>
+      <c:txPr>
+        <a:bodyPr rot="0" spcFirstLastPara="1" vertOverflow="ellipsis" vert="horz" wrap="square" anchor="ctr" anchorCtr="1"/>
+        <a:lstStyle/>
+        <a:p>
+          <a:pPr>
+            <a:defRPr sz="2000" b="1" i="0" u="none" strike="noStrike" kern="1200" cap="all" spc="50" baseline="0">
+              <a:solidFill>
+                <a:schemeClr val="tx1">
+                  <a:lumMod val="65000"/>
+                  <a:lumOff val="35000"/>
+                </a:schemeClr>
+              </a:solidFill>
+              <a:latin typeface="+mn-lt"/>
+              <a:ea typeface="+mn-ea"/>
+              <a:cs typeface="+mn-cs"/>
+            </a:defRPr>
+          </a:pPr>
+          <a:endParaRPr lang="en-US"/>
+        </a:p>
+      </c:txPr>
+    </c:title>
+    <c:autoTitleDeleted val="0"/>
+    <c:plotArea>
+      <c:layout>
+        <c:manualLayout>
+          <c:layoutTarget val="inner"/>
+          <c:xMode val="edge"/>
+          <c:yMode val="edge"/>
+          <c:x val="0.21372448484979048"/>
+          <c:y val="0.17374149659863947"/>
+          <c:w val="0.73492788435645262"/>
+          <c:h val="0.58525106067315369"/>
+        </c:manualLayout>
+      </c:layout>
+      <c:areaChart>
+        <c:grouping val="standard"/>
+        <c:varyColors val="0"/>
+        <c:ser>
+          <c:idx val="0"/>
+          <c:order val="0"/>
+          <c:spPr>
+            <a:solidFill>
+              <a:schemeClr val="accent1">
+                <a:alpha val="74000"/>
+              </a:schemeClr>
+            </a:solidFill>
+            <a:ln w="0">
+              <a:solidFill>
+                <a:schemeClr val="accent1"/>
+              </a:solidFill>
+            </a:ln>
+            <a:effectLst>
+              <a:innerShdw blurRad="114300">
+                <a:schemeClr val="accent1">
+                  <a:lumMod val="75000"/>
+                </a:schemeClr>
+              </a:innerShdw>
+            </a:effectLst>
+          </c:spPr>
+          <c:cat>
+            <c:strRef>
+              <c:f>'Age, Gender and Marital Status'!$A$12:$A$27</c:f>
+              <c:strCache>
+                <c:ptCount val="16"/>
+                <c:pt idx="0">
+                  <c:v>Under 1 year                        </c:v>
+                </c:pt>
+                <c:pt idx="1">
+                  <c:v>1 to 4 years                          </c:v>
+                </c:pt>
+                <c:pt idx="2">
+                  <c:v>5 to 9 years                      </c:v>
+                </c:pt>
+                <c:pt idx="3">
+                  <c:v>10 to 14 years                     </c:v>
+                </c:pt>
+                <c:pt idx="4">
+                  <c:v>15 to 19 years                      </c:v>
+                </c:pt>
+                <c:pt idx="5">
+                  <c:v>20 to 24 years                       </c:v>
+                </c:pt>
+                <c:pt idx="6">
+                  <c:v>25 to 29 years                    </c:v>
+                </c:pt>
+                <c:pt idx="7">
+                  <c:v>30 to 34 years                 </c:v>
+                </c:pt>
+                <c:pt idx="8">
+                  <c:v>35 to 39 years                    </c:v>
+                </c:pt>
+                <c:pt idx="9">
+                  <c:v>40 to 44 years                   </c:v>
+                </c:pt>
+                <c:pt idx="10">
+                  <c:v>45 to 49 years                   </c:v>
+                </c:pt>
+                <c:pt idx="11">
+                  <c:v>50 to 54 years                    </c:v>
+                </c:pt>
+                <c:pt idx="12">
+                  <c:v>55 to 59 years                 </c:v>
+                </c:pt>
+                <c:pt idx="13">
+                  <c:v>60 to 64 years                   </c:v>
+                </c:pt>
+                <c:pt idx="14">
+                  <c:v>65 to 74 years           </c:v>
+                </c:pt>
+                <c:pt idx="15">
+                  <c:v>75 years and over                     </c:v>
+                </c:pt>
+              </c:strCache>
+            </c:strRef>
+          </c:cat>
+          <c:val>
+            <c:numRef>
+              <c:f>'Age, Gender and Marital Status'!$B$12:$B$27</c:f>
+              <c:numCache>
+                <c:formatCode>#,##0</c:formatCode>
+                <c:ptCount val="16"/>
+                <c:pt idx="0">
+                  <c:v>72</c:v>
+                </c:pt>
+                <c:pt idx="1">
+                  <c:v>3406</c:v>
+                </c:pt>
+                <c:pt idx="2">
+                  <c:v>4105</c:v>
+                </c:pt>
+                <c:pt idx="3">
+                  <c:v>3499</c:v>
+                </c:pt>
+                <c:pt idx="4">
+                  <c:v>3106</c:v>
+                </c:pt>
+                <c:pt idx="5">
+                  <c:v>3036</c:v>
+                </c:pt>
+                <c:pt idx="6">
+                  <c:v>3109</c:v>
+                </c:pt>
+                <c:pt idx="7">
+                  <c:v>2710</c:v>
+                </c:pt>
+                <c:pt idx="8">
+                  <c:v>1988</c:v>
+                </c:pt>
+                <c:pt idx="9">
+                  <c:v>1289</c:v>
+                </c:pt>
+                <c:pt idx="10">
+                  <c:v>1002</c:v>
+                </c:pt>
+                <c:pt idx="11">
+                  <c:v>724</c:v>
+                </c:pt>
+                <c:pt idx="12">
+                  <c:v>626</c:v>
+                </c:pt>
+                <c:pt idx="13">
+                  <c:v>512</c:v>
+                </c:pt>
+                <c:pt idx="14">
+                  <c:v>549</c:v>
+                </c:pt>
+                <c:pt idx="15">
+                  <c:v>183</c:v>
+                </c:pt>
+              </c:numCache>
+            </c:numRef>
+          </c:val>
+          <c:extLst>
+            <c:ext xmlns:c16="http://schemas.microsoft.com/office/drawing/2014/chart" uri="{C3380CC4-5D6E-409C-BE32-E72D297353CC}">
+              <c16:uniqueId val="{00000000-AF89-413B-8781-EA5A9D37B9B7}"/>
+            </c:ext>
+          </c:extLst>
+        </c:ser>
+        <c:dLbls>
+          <c:showLegendKey val="0"/>
+          <c:showVal val="0"/>
+          <c:showCatName val="0"/>
+          <c:showSerName val="0"/>
+          <c:showPercent val="0"/>
+          <c:showBubbleSize val="0"/>
+        </c:dLbls>
+        <c:dropLines>
+          <c:spPr>
+            <a:ln w="9525">
+              <a:solidFill>
+                <a:schemeClr val="tx1">
+                  <a:lumMod val="35000"/>
+                  <a:lumOff val="65000"/>
+                </a:schemeClr>
+              </a:solidFill>
+              <a:round/>
+            </a:ln>
+            <a:effectLst/>
+          </c:spPr>
+        </c:dropLines>
+        <c:axId val="516778760"/>
+        <c:axId val="516789912"/>
+      </c:areaChart>
+      <c:catAx>
+        <c:axId val="516778760"/>
+        <c:scaling>
+          <c:orientation val="minMax"/>
+        </c:scaling>
+        <c:delete val="0"/>
+        <c:axPos val="b"/>
+        <c:numFmt formatCode="General" sourceLinked="1"/>
+        <c:majorTickMark val="none"/>
+        <c:minorTickMark val="none"/>
+        <c:tickLblPos val="nextTo"/>
+        <c:spPr>
+          <a:noFill/>
+          <a:ln w="9525" cap="rnd" cmpd="sng" algn="ctr">
+            <a:solidFill>
+              <a:schemeClr val="tx1">
+                <a:lumMod val="15000"/>
+                <a:lumOff val="85000"/>
+              </a:schemeClr>
+            </a:solidFill>
+            <a:round/>
+          </a:ln>
+          <a:effectLst/>
+        </c:spPr>
+        <c:txPr>
+          <a:bodyPr rot="0" spcFirstLastPara="1" vertOverflow="ellipsis" wrap="square" anchor="ctr" anchorCtr="1"/>
+          <a:lstStyle/>
+          <a:p>
+            <a:pPr>
+              <a:defRPr sz="900" b="0" i="0" u="none" strike="noStrike" kern="1200" cap="none" spc="20" normalizeH="0" baseline="0">
+                <a:solidFill>
+                  <a:schemeClr val="tx1">
+                    <a:lumMod val="65000"/>
+                    <a:lumOff val="35000"/>
+                  </a:schemeClr>
+                </a:solidFill>
+                <a:latin typeface="+mn-lt"/>
+                <a:ea typeface="+mn-ea"/>
+                <a:cs typeface="+mn-cs"/>
+              </a:defRPr>
+            </a:pPr>
+            <a:endParaRPr lang="en-US"/>
+          </a:p>
+        </c:txPr>
+        <c:crossAx val="516789912"/>
+        <c:crosses val="autoZero"/>
+        <c:auto val="1"/>
+        <c:lblAlgn val="ctr"/>
+        <c:lblOffset val="100"/>
+        <c:noMultiLvlLbl val="0"/>
+      </c:catAx>
+      <c:valAx>
+        <c:axId val="516789912"/>
+        <c:scaling>
+          <c:orientation val="minMax"/>
+        </c:scaling>
+        <c:delete val="0"/>
+        <c:axPos val="l"/>
+        <c:majorGridlines>
+          <c:spPr>
+            <a:ln w="9525" cap="flat" cmpd="sng" algn="ctr">
+              <a:solidFill>
+                <a:schemeClr val="tx1">
+                  <a:lumMod val="5000"/>
+                  <a:lumOff val="95000"/>
+                </a:schemeClr>
+              </a:solidFill>
+              <a:round/>
+            </a:ln>
+            <a:effectLst/>
+          </c:spPr>
+        </c:majorGridlines>
+        <c:numFmt formatCode="#,##0" sourceLinked="1"/>
+        <c:majorTickMark val="none"/>
+        <c:minorTickMark val="none"/>
+        <c:tickLblPos val="nextTo"/>
+        <c:spPr>
+          <a:noFill/>
+          <a:ln>
+            <a:noFill/>
+          </a:ln>
+          <a:effectLst/>
+        </c:spPr>
+        <c:txPr>
+          <a:bodyPr rot="-60000000" spcFirstLastPara="1" vertOverflow="ellipsis" vert="horz" wrap="square" anchor="ctr" anchorCtr="1"/>
+          <a:lstStyle/>
+          <a:p>
+            <a:pPr>
+              <a:defRPr sz="900" b="0" i="0" u="none" strike="noStrike" kern="1200" spc="20" baseline="0">
+                <a:solidFill>
+                  <a:schemeClr val="tx1">
+                    <a:lumMod val="65000"/>
+                    <a:lumOff val="35000"/>
+                  </a:schemeClr>
+                </a:solidFill>
+                <a:latin typeface="+mn-lt"/>
+                <a:ea typeface="+mn-ea"/>
+                <a:cs typeface="+mn-cs"/>
+              </a:defRPr>
+            </a:pPr>
+            <a:endParaRPr lang="en-US"/>
+          </a:p>
+        </c:txPr>
+        <c:crossAx val="516778760"/>
+        <c:crosses val="autoZero"/>
+        <c:crossBetween val="midCat"/>
+        <c:dispUnits>
+          <c:builtInUnit val="thousands"/>
+          <c:dispUnitsLbl>
+            <c:layout>
+              <c:manualLayout>
+                <c:xMode val="edge"/>
+                <c:yMode val="edge"/>
+                <c:x val="0.12083840372379774"/>
+                <c:y val="0.39003932344002512"/>
+              </c:manualLayout>
+            </c:layout>
+            <c:spPr>
+              <a:noFill/>
+              <a:ln>
+                <a:noFill/>
+              </a:ln>
+              <a:effectLst/>
+            </c:spPr>
+            <c:txPr>
+              <a:bodyPr rot="-5400000" spcFirstLastPara="1" vertOverflow="ellipsis" vert="horz" wrap="square" anchor="ctr" anchorCtr="1"/>
+              <a:lstStyle/>
+              <a:p>
+                <a:pPr>
+                  <a:defRPr sz="900" b="0" i="0" u="none" strike="noStrike" kern="1200" cap="all" baseline="0">
+                    <a:solidFill>
+                      <a:schemeClr val="tx1">
+                        <a:lumMod val="65000"/>
+                        <a:lumOff val="35000"/>
+                      </a:schemeClr>
+                    </a:solidFill>
+                    <a:latin typeface="+mn-lt"/>
+                    <a:ea typeface="+mn-ea"/>
+                    <a:cs typeface="+mn-cs"/>
+                  </a:defRPr>
+                </a:pPr>
+                <a:endParaRPr lang="en-US"/>
+              </a:p>
+            </c:txPr>
+          </c:dispUnitsLbl>
+        </c:dispUnits>
+      </c:valAx>
+      <c:spPr>
+        <a:noFill/>
+        <a:ln>
+          <a:noFill/>
+        </a:ln>
+        <a:effectLst/>
+      </c:spPr>
+    </c:plotArea>
+    <c:plotVisOnly val="1"/>
+    <c:dispBlanksAs val="zero"/>
+    <c:extLst>
+      <c:ext xmlns:c16r3="http://schemas.microsoft.com/office/drawing/2017/03/chart" uri="{56B9EC1D-385E-4148-901F-78D8002777C0}">
+        <c16r3:dataDisplayOptions16>
+          <c16r3:dispNaAsBlank val="1"/>
+        </c16r3:dataDisplayOptions16>
+      </c:ext>
+    </c:extLst>
+    <c:showDLblsOverMax val="0"/>
+  </c:chart>
+  <c:spPr>
+    <a:noFill/>
+    <a:ln>
+      <a:noFill/>
+    </a:ln>
+    <a:effectLst/>
+  </c:spPr>
+  <c:txPr>
+    <a:bodyPr/>
+    <a:lstStyle/>
+    <a:p>
+      <a:pPr>
+        <a:defRPr/>
+      </a:pPr>
+      <a:endParaRPr lang="en-US"/>
+    </a:p>
+  </c:txPr>
+  <c:externalData r:id="rId3">
+    <c:autoUpdate val="0"/>
+  </c:externalData>
+</c:chartSpace>
+</file>
+
+<file path=ppt/charts/chart5.xml><?xml version="1.0" encoding="utf-8"?>
+<c:chartSpace xmlns:c="http://schemas.openxmlformats.org/drawingml/2006/chart" xmlns:a="http://schemas.openxmlformats.org/drawingml/2006/main" xmlns:r="http://schemas.openxmlformats.org/officeDocument/2006/relationships" xmlns:c16r2="http://schemas.microsoft.com/office/drawing/2015/06/chart">
+  <c:date1904 val="0"/>
+  <c:lang val="en-US"/>
+  <c:roundedCorners val="0"/>
+  <mc:AlternateContent xmlns:mc="http://schemas.openxmlformats.org/markup-compatibility/2006">
+    <mc:Choice xmlns:c14="http://schemas.microsoft.com/office/drawing/2007/8/2/chart" Requires="c14">
+      <c14:style val="103"/>
+    </mc:Choice>
+    <mc:Fallback>
+      <c:style val="3"/>
+    </mc:Fallback>
+  </mc:AlternateContent>
+  <c:chart>
+    <c:title>
+      <c:tx>
+        <c:rich>
+          <a:bodyPr rot="0" spcFirstLastPara="1" vertOverflow="ellipsis" vert="horz" wrap="square" anchor="ctr" anchorCtr="1"/>
+          <a:lstStyle/>
+          <a:p>
+            <a:pPr>
+              <a:defRPr sz="2200" b="1" i="0" u="none" strike="noStrike" kern="1200" cap="all" spc="50" baseline="0">
+                <a:solidFill>
+                  <a:schemeClr val="tx1">
+                    <a:lumMod val="65000"/>
+                    <a:lumOff val="35000"/>
+                  </a:schemeClr>
+                </a:solidFill>
+                <a:effectLst>
+                  <a:outerShdw blurRad="38100" dist="38100" dir="2700000" algn="tl">
+                    <a:srgbClr val="000000">
+                      <a:alpha val="43137"/>
+                    </a:srgbClr>
+                  </a:outerShdw>
+                </a:effectLst>
+                <a:latin typeface="+mn-lt"/>
+                <a:ea typeface="+mn-ea"/>
+                <a:cs typeface="+mn-cs"/>
+              </a:defRPr>
+            </a:pPr>
+            <a:r>
+              <a:rPr lang="en-US" sz="2000" dirty="0">
+                <a:solidFill>
+                  <a:schemeClr val="accent2">
+                    <a:lumMod val="50000"/>
+                  </a:schemeClr>
+                </a:solidFill>
+                <a:effectLst>
+                  <a:outerShdw blurRad="38100" dist="38100" dir="2700000" algn="tl">
+                    <a:srgbClr val="000000">
+                      <a:alpha val="43137"/>
+                    </a:srgbClr>
+                  </a:outerShdw>
+                </a:effectLst>
+                <a:latin typeface="+mj-lt"/>
+              </a:rPr>
+              <a:t>MARITAL STATUS </a:t>
+            </a:r>
+          </a:p>
+        </c:rich>
+      </c:tx>
+      <c:overlay val="0"/>
+      <c:spPr>
+        <a:noFill/>
+        <a:ln>
+          <a:noFill/>
+        </a:ln>
+        <a:effectLst/>
+      </c:spPr>
+      <c:txPr>
+        <a:bodyPr rot="0" spcFirstLastPara="1" vertOverflow="ellipsis" vert="horz" wrap="square" anchor="ctr" anchorCtr="1"/>
+        <a:lstStyle/>
+        <a:p>
+          <a:pPr>
+            <a:defRPr sz="2200" b="1" i="0" u="none" strike="noStrike" kern="1200" cap="all" spc="50" baseline="0">
+              <a:solidFill>
+                <a:schemeClr val="tx1">
+                  <a:lumMod val="65000"/>
+                  <a:lumOff val="35000"/>
+                </a:schemeClr>
+              </a:solidFill>
+              <a:effectLst>
+                <a:outerShdw blurRad="38100" dist="38100" dir="2700000" algn="tl">
+                  <a:srgbClr val="000000">
+                    <a:alpha val="43137"/>
+                  </a:srgbClr>
+                </a:outerShdw>
+              </a:effectLst>
+              <a:latin typeface="+mn-lt"/>
+              <a:ea typeface="+mn-ea"/>
+              <a:cs typeface="+mn-cs"/>
+            </a:defRPr>
+          </a:pPr>
+          <a:endParaRPr lang="en-US"/>
+        </a:p>
+      </c:txPr>
+    </c:title>
+    <c:autoTitleDeleted val="0"/>
+    <c:plotArea>
+      <c:layout/>
+      <c:barChart>
+        <c:barDir val="bar"/>
+        <c:grouping val="clustered"/>
+        <c:varyColors val="0"/>
+        <c:ser>
+          <c:idx val="0"/>
+          <c:order val="0"/>
+          <c:spPr>
+            <a:gradFill flip="none" rotWithShape="1">
+              <a:gsLst>
+                <a:gs pos="0">
+                  <a:schemeClr val="accent1"/>
+                </a:gs>
+                <a:gs pos="75000">
+                  <a:schemeClr val="accent1">
+                    <a:lumMod val="60000"/>
+                    <a:lumOff val="40000"/>
+                  </a:schemeClr>
+                </a:gs>
+                <a:gs pos="51000">
+                  <a:schemeClr val="accent1">
+                    <a:alpha val="75000"/>
+                  </a:schemeClr>
+                </a:gs>
+                <a:gs pos="100000">
+                  <a:schemeClr val="accent1">
+                    <a:lumMod val="20000"/>
+                    <a:lumOff val="80000"/>
+                    <a:alpha val="15000"/>
+                  </a:schemeClr>
+                </a:gs>
+              </a:gsLst>
+              <a:lin ang="10800000" scaled="1"/>
+              <a:tileRect/>
+            </a:gradFill>
+            <a:ln>
+              <a:noFill/>
+            </a:ln>
+            <a:effectLst/>
+          </c:spPr>
+          <c:invertIfNegative val="0"/>
+          <c:dLbls>
+            <c:spPr>
+              <a:noFill/>
+              <a:ln>
+                <a:noFill/>
+              </a:ln>
+              <a:effectLst/>
+            </c:spPr>
+            <c:txPr>
+              <a:bodyPr rot="0" spcFirstLastPara="1" vertOverflow="ellipsis" vert="horz" wrap="square" lIns="38100" tIns="19050" rIns="38100" bIns="19050" anchor="ctr" anchorCtr="1">
+                <a:spAutoFit/>
+              </a:bodyPr>
+              <a:lstStyle/>
+              <a:p>
+                <a:pPr>
+                  <a:defRPr sz="1197" b="0" i="0" u="none" strike="noStrike" kern="1200" baseline="0">
+                    <a:solidFill>
+                      <a:schemeClr val="tx1">
+                        <a:lumMod val="75000"/>
+                        <a:lumOff val="25000"/>
+                      </a:schemeClr>
+                    </a:solidFill>
+                    <a:latin typeface="+mn-lt"/>
+                    <a:ea typeface="+mn-ea"/>
+                    <a:cs typeface="+mn-cs"/>
+                  </a:defRPr>
+                </a:pPr>
+                <a:endParaRPr lang="en-US"/>
+              </a:p>
+            </c:txPr>
+            <c:dLblPos val="outEnd"/>
+            <c:showLegendKey val="0"/>
+            <c:showVal val="1"/>
+            <c:showCatName val="0"/>
+            <c:showSerName val="0"/>
+            <c:showPercent val="0"/>
+            <c:showBubbleSize val="0"/>
+            <c:showLeaderLines val="0"/>
+            <c:extLst>
+              <c:ext xmlns:c15="http://schemas.microsoft.com/office/drawing/2012/chart" uri="{CE6537A1-D6FC-4f65-9D91-7224C49458BB}">
+                <c15:showLeaderLines val="1"/>
+                <c15:leaderLines>
+                  <c:spPr>
+                    <a:ln w="9525">
+                      <a:solidFill>
+                        <a:schemeClr val="tx1">
+                          <a:lumMod val="35000"/>
+                          <a:lumOff val="65000"/>
+                        </a:schemeClr>
+                      </a:solidFill>
+                    </a:ln>
+                    <a:effectLst/>
+                  </c:spPr>
+                </c15:leaderLines>
+              </c:ext>
+            </c:extLst>
+          </c:dLbls>
+          <c:cat>
+            <c:strRef>
+              <c:f>'Age, Gender and Marital Status'!$A$35:$A$38</c:f>
+              <c:strCache>
+                <c:ptCount val="4"/>
+                <c:pt idx="0">
+                  <c:v>Married</c:v>
+                </c:pt>
+                <c:pt idx="1">
+                  <c:v>Single</c:v>
+                </c:pt>
+                <c:pt idx="2">
+                  <c:v>Widowed</c:v>
+                </c:pt>
+                <c:pt idx="3">
+                  <c:v>Divorced/separated</c:v>
+                </c:pt>
+              </c:strCache>
+            </c:strRef>
+          </c:cat>
+          <c:val>
+            <c:numRef>
+              <c:f>'Age, Gender and Marital Status'!$B$35:$B$38</c:f>
+              <c:numCache>
+                <c:formatCode>#,##0</c:formatCode>
+                <c:ptCount val="4"/>
+                <c:pt idx="0">
+                  <c:v>7770</c:v>
+                </c:pt>
+                <c:pt idx="1">
+                  <c:v>20828</c:v>
+                </c:pt>
+                <c:pt idx="2">
+                  <c:v>899</c:v>
+                </c:pt>
+                <c:pt idx="3">
+                  <c:v>414</c:v>
+                </c:pt>
+              </c:numCache>
+            </c:numRef>
+          </c:val>
+          <c:extLst>
+            <c:ext xmlns:c16="http://schemas.microsoft.com/office/drawing/2014/chart" uri="{C3380CC4-5D6E-409C-BE32-E72D297353CC}">
+              <c16:uniqueId val="{00000000-4240-452B-90F1-61877CCDAA6A}"/>
+            </c:ext>
+          </c:extLst>
+        </c:ser>
+        <c:dLbls>
+          <c:dLblPos val="outEnd"/>
+          <c:showLegendKey val="0"/>
+          <c:showVal val="1"/>
+          <c:showCatName val="0"/>
+          <c:showSerName val="0"/>
+          <c:showPercent val="0"/>
+          <c:showBubbleSize val="0"/>
+        </c:dLbls>
+        <c:gapWidth val="326"/>
+        <c:overlap val="-58"/>
+        <c:axId val="550700552"/>
+        <c:axId val="550707112"/>
+      </c:barChart>
+      <c:catAx>
+        <c:axId val="550700552"/>
+        <c:scaling>
+          <c:orientation val="minMax"/>
+        </c:scaling>
+        <c:delete val="0"/>
+        <c:axPos val="l"/>
+        <c:numFmt formatCode="General" sourceLinked="1"/>
+        <c:majorTickMark val="none"/>
+        <c:minorTickMark val="none"/>
+        <c:tickLblPos val="nextTo"/>
+        <c:spPr>
+          <a:noFill/>
+          <a:ln w="19050" cap="flat" cmpd="sng" algn="ctr">
+            <a:solidFill>
+              <a:schemeClr val="tx1">
+                <a:lumMod val="15000"/>
+                <a:lumOff val="85000"/>
+              </a:schemeClr>
+            </a:solidFill>
+            <a:round/>
+            <a:headEnd type="none" w="sm" len="sm"/>
+            <a:tailEnd type="none" w="sm" len="sm"/>
+          </a:ln>
+          <a:effectLst/>
+        </c:spPr>
+        <c:txPr>
+          <a:bodyPr rot="-60000000" spcFirstLastPara="1" vertOverflow="ellipsis" vert="horz" wrap="square" anchor="ctr" anchorCtr="1"/>
+          <a:lstStyle/>
+          <a:p>
+            <a:pPr>
+              <a:defRPr sz="1197" b="0" i="0" u="none" strike="noStrike" kern="1200" baseline="0">
+                <a:solidFill>
+                  <a:schemeClr val="tx1">
+                    <a:lumMod val="65000"/>
+                    <a:lumOff val="35000"/>
+                  </a:schemeClr>
+                </a:solidFill>
+                <a:latin typeface="+mn-lt"/>
+                <a:ea typeface="+mn-ea"/>
+                <a:cs typeface="+mn-cs"/>
+              </a:defRPr>
+            </a:pPr>
+            <a:endParaRPr lang="en-US"/>
+          </a:p>
+        </c:txPr>
+        <c:crossAx val="550707112"/>
+        <c:crosses val="autoZero"/>
+        <c:auto val="1"/>
+        <c:lblAlgn val="ctr"/>
+        <c:lblOffset val="100"/>
+        <c:noMultiLvlLbl val="0"/>
+      </c:catAx>
+      <c:valAx>
+        <c:axId val="550707112"/>
+        <c:scaling>
+          <c:orientation val="minMax"/>
+        </c:scaling>
+        <c:delete val="1"/>
+        <c:axPos val="b"/>
+        <c:majorGridlines>
+          <c:spPr>
+            <a:ln w="9525" cap="flat" cmpd="sng" algn="ctr">
+              <a:gradFill>
+                <a:gsLst>
+                  <a:gs pos="99000">
+                    <a:schemeClr val="tx1">
+                      <a:lumMod val="25000"/>
+                      <a:lumOff val="75000"/>
+                    </a:schemeClr>
+                  </a:gs>
+                  <a:gs pos="0">
+                    <a:schemeClr val="tx1">
+                      <a:lumMod val="15000"/>
+                      <a:lumOff val="85000"/>
+                    </a:schemeClr>
+                  </a:gs>
+                </a:gsLst>
+                <a:lin ang="5400000" scaled="0"/>
+              </a:gradFill>
+              <a:round/>
+            </a:ln>
+            <a:effectLst/>
+          </c:spPr>
+        </c:majorGridlines>
+        <c:numFmt formatCode="#,##0" sourceLinked="1"/>
+        <c:majorTickMark val="none"/>
+        <c:minorTickMark val="none"/>
+        <c:tickLblPos val="nextTo"/>
+        <c:crossAx val="550700552"/>
+        <c:crosses val="autoZero"/>
+        <c:crossBetween val="between"/>
+      </c:valAx>
+      <c:spPr>
+        <a:noFill/>
+        <a:ln>
+          <a:noFill/>
+        </a:ln>
+        <a:effectLst/>
+      </c:spPr>
+    </c:plotArea>
+    <c:plotVisOnly val="1"/>
+    <c:dispBlanksAs val="gap"/>
+    <c:showDLblsOverMax val="0"/>
+  </c:chart>
+  <c:spPr>
+    <a:noFill/>
+    <a:ln>
+      <a:noFill/>
+    </a:ln>
+    <a:effectLst/>
+  </c:spPr>
+  <c:txPr>
+    <a:bodyPr/>
+    <a:lstStyle/>
+    <a:p>
+      <a:pPr>
+        <a:defRPr/>
+      </a:pPr>
+      <a:endParaRPr lang="en-US"/>
+    </a:p>
+  </c:txPr>
+  <c:externalData r:id="rId3">
+    <c:autoUpdate val="0"/>
+  </c:externalData>
+</c:chartSpace>
+</file>
+
 <file path=ppt/charts/chart6.xml><?xml version="1.0" encoding="utf-8"?>
 <c:chartSpace xmlns:c="http://schemas.openxmlformats.org/drawingml/2006/chart" xmlns:a="http://schemas.openxmlformats.org/drawingml/2006/main" xmlns:r="http://schemas.openxmlformats.org/officeDocument/2006/relationships" xmlns:c16r2="http://schemas.microsoft.com/office/drawing/2015/06/chart">
   <c:date1904 val="0"/>
@@ -5151,7 +5151,7 @@
                 </a:effectLst>
                 <a:latin typeface="+mj-lt"/>
               </a:rPr>
-              <a:t> 10 Overtime</a:t>
+              <a:t> 10 countries Overtime</a:t>
             </a:r>
             <a:endParaRPr lang="en-US" sz="2400" b="1" dirty="0">
               <a:solidFill>
@@ -5175,8 +5175,8 @@
         <c:manualLayout>
           <c:xMode val="edge"/>
           <c:yMode val="edge"/>
-          <c:x val="0.40339398577620889"/>
-          <c:y val="2.3633041727474501E-2"/>
+          <c:x val="0.29147658414773725"/>
+          <c:y val="3.102898316093607E-2"/>
         </c:manualLayout>
       </c:layout>
       <c:overlay val="0"/>
@@ -7642,12 +7642,9 @@
 </file>
 
 <file path=ppt/charts/colors2.xml><?xml version="1.0" encoding="utf-8"?>
-<cs:colorStyle xmlns:cs="http://schemas.microsoft.com/office/drawing/2012/chartStyle" xmlns:a="http://schemas.openxmlformats.org/drawingml/2006/main" meth="cycle" id="10">
-  <a:schemeClr val="accent1"/>
+<cs:colorStyle xmlns:cs="http://schemas.microsoft.com/office/drawing/2012/chartStyle" xmlns:a="http://schemas.openxmlformats.org/drawingml/2006/main" meth="cycle" id="12">
   <a:schemeClr val="accent2"/>
-  <a:schemeClr val="accent3"/>
   <a:schemeClr val="accent4"/>
-  <a:schemeClr val="accent5"/>
   <a:schemeClr val="accent6"/>
   <cs:variation/>
   <cs:variation>
@@ -7722,15 +7719,12 @@
 </file>
 
 <file path=ppt/charts/colors4.xml><?xml version="1.0" encoding="utf-8"?>
-<cs:colorStyle xmlns:cs="http://schemas.microsoft.com/office/drawing/2012/chartStyle" xmlns:a="http://schemas.openxmlformats.org/drawingml/2006/main" meth="withinLinearReversed" id="21">
+<cs:colorStyle xmlns:cs="http://schemas.microsoft.com/office/drawing/2012/chartStyle" xmlns:a="http://schemas.openxmlformats.org/drawingml/2006/main" meth="cycle" id="10">
   <a:schemeClr val="accent1"/>
-</cs:colorStyle>
-</file>
-
-<file path=ppt/charts/colors5.xml><?xml version="1.0" encoding="utf-8"?>
-<cs:colorStyle xmlns:cs="http://schemas.microsoft.com/office/drawing/2012/chartStyle" xmlns:a="http://schemas.openxmlformats.org/drawingml/2006/main" meth="cycle" id="12">
   <a:schemeClr val="accent2"/>
+  <a:schemeClr val="accent3"/>
   <a:schemeClr val="accent4"/>
+  <a:schemeClr val="accent5"/>
   <a:schemeClr val="accent6"/>
   <cs:variation/>
   <cs:variation>
@@ -7761,6 +7755,12 @@
     <a:lumMod val="50000"/>
     <a:lumOff val="50000"/>
   </cs:variation>
+</cs:colorStyle>
+</file>
+
+<file path=ppt/charts/colors5.xml><?xml version="1.0" encoding="utf-8"?>
+<cs:colorStyle xmlns:cs="http://schemas.microsoft.com/office/drawing/2012/chartStyle" xmlns:a="http://schemas.openxmlformats.org/drawingml/2006/main" meth="withinLinearReversed" id="21">
+  <a:schemeClr val="accent1"/>
 </cs:colorStyle>
 </file>
 
@@ -8330,27 +8330,33 @@
 </file>
 
 <file path=ppt/charts/style2.xml><?xml version="1.0" encoding="utf-8"?>
-<cs:chartStyle xmlns:cs="http://schemas.microsoft.com/office/drawing/2012/chartStyle" xmlns:a="http://schemas.openxmlformats.org/drawingml/2006/main" id="255">
+<cs:chartStyle xmlns:cs="http://schemas.microsoft.com/office/drawing/2012/chartStyle" xmlns:a="http://schemas.openxmlformats.org/drawingml/2006/main" id="332">
   <cs:axisTitle>
     <cs:lnRef idx="0"/>
     <cs:fillRef idx="0"/>
     <cs:effectRef idx="0"/>
     <cs:fontRef idx="minor">
-      <a:schemeClr val="tx2"/>
-    </cs:fontRef>
-    <cs:defRPr sz="1197" b="1" kern="1200"/>
+      <a:schemeClr val="tx1">
+        <a:lumMod val="65000"/>
+        <a:lumOff val="35000"/>
+      </a:schemeClr>
+    </cs:fontRef>
+    <cs:defRPr sz="1330" kern="1200"/>
   </cs:axisTitle>
   <cs:categoryAxis>
     <cs:lnRef idx="0"/>
     <cs:fillRef idx="0"/>
     <cs:effectRef idx="0"/>
     <cs:fontRef idx="minor">
-      <a:schemeClr val="tx2"/>
+      <a:schemeClr val="tx1">
+        <a:lumMod val="65000"/>
+        <a:lumOff val="35000"/>
+      </a:schemeClr>
     </cs:fontRef>
     <cs:spPr>
       <a:ln w="9525" cap="flat" cmpd="sng" algn="ctr">
         <a:solidFill>
-          <a:schemeClr val="tx2">
+          <a:schemeClr val="tx1">
             <a:lumMod val="15000"/>
             <a:lumOff val="85000"/>
           </a:schemeClr>
@@ -8365,7 +8371,7 @@
     <cs:fillRef idx="0"/>
     <cs:effectRef idx="0"/>
     <cs:fontRef idx="minor">
-      <a:schemeClr val="tx2"/>
+      <a:schemeClr val="tx1"/>
     </cs:fontRef>
     <cs:spPr>
       <a:solidFill>
@@ -8373,7 +8379,7 @@
       </a:solidFill>
       <a:ln w="9525" cap="flat" cmpd="sng" algn="ctr">
         <a:solidFill>
-          <a:schemeClr val="tx2">
+          <a:schemeClr val="tx1">
             <a:lumMod val="15000"/>
             <a:lumOff val="85000"/>
           </a:schemeClr>
@@ -8381,14 +8387,17 @@
         <a:round/>
       </a:ln>
     </cs:spPr>
-    <cs:defRPr sz="1197" kern="1200"/>
+    <cs:defRPr sz="1330" kern="1200"/>
   </cs:chartArea>
   <cs:dataLabel>
     <cs:lnRef idx="0"/>
     <cs:fillRef idx="0"/>
     <cs:effectRef idx="0"/>
     <cs:fontRef idx="minor">
-      <a:schemeClr val="tx2"/>
+      <a:schemeClr val="tx1">
+        <a:lumMod val="75000"/>
+        <a:lumOff val="25000"/>
+      </a:schemeClr>
     </cs:fontRef>
     <cs:defRPr sz="1197" kern="1200"/>
   </cs:dataLabel>
@@ -8397,8 +8406,9 @@
     <cs:fillRef idx="0"/>
     <cs:effectRef idx="0"/>
     <cs:fontRef idx="minor">
-      <a:schemeClr val="dk2">
-        <a:lumMod val="75000"/>
+      <a:schemeClr val="dk1">
+        <a:lumMod val="65000"/>
+        <a:lumOff val="35000"/>
       </a:schemeClr>
     </cs:fontRef>
     <cs:spPr>
@@ -8421,35 +8431,35 @@
   </cs:dataLabelCallout>
   <cs:dataPoint>
     <cs:lnRef idx="0"/>
-    <cs:fillRef idx="3">
+    <cs:fillRef idx="1">
       <cs:styleClr val="auto"/>
     </cs:fillRef>
-    <cs:effectRef idx="2"/>
-    <cs:fontRef idx="minor">
-      <a:schemeClr val="tx2"/>
+    <cs:effectRef idx="0"/>
+    <cs:fontRef idx="minor">
+      <a:schemeClr val="tx1"/>
     </cs:fontRef>
   </cs:dataPoint>
   <cs:dataPoint3D>
     <cs:lnRef idx="0"/>
-    <cs:fillRef idx="3">
+    <cs:fillRef idx="1">
       <cs:styleClr val="auto"/>
     </cs:fillRef>
-    <cs:effectRef idx="2"/>
-    <cs:fontRef idx="minor">
-      <a:schemeClr val="tx2"/>
+    <cs:effectRef idx="0"/>
+    <cs:fontRef idx="minor">
+      <a:schemeClr val="tx1"/>
     </cs:fontRef>
   </cs:dataPoint3D>
   <cs:dataPointLine>
     <cs:lnRef idx="0">
       <cs:styleClr val="auto"/>
     </cs:lnRef>
-    <cs:fillRef idx="3"/>
-    <cs:effectRef idx="2"/>
-    <cs:fontRef idx="minor">
-      <a:schemeClr val="tx2"/>
+    <cs:fillRef idx="1"/>
+    <cs:effectRef idx="0"/>
+    <cs:fontRef idx="minor">
+      <a:schemeClr val="tx1"/>
     </cs:fontRef>
     <cs:spPr>
-      <a:ln w="31750" cap="rnd">
+      <a:ln w="28575" cap="rnd">
         <a:solidFill>
           <a:schemeClr val="phClr"/>
         </a:solidFill>
@@ -8458,32 +8468,33 @@
     </cs:spPr>
   </cs:dataPointLine>
   <cs:dataPointMarker>
-    <cs:lnRef idx="0"/>
-    <cs:fillRef idx="3">
+    <cs:lnRef idx="0">
+      <cs:styleClr val="auto"/>
+    </cs:lnRef>
+    <cs:fillRef idx="1">
       <cs:styleClr val="auto"/>
     </cs:fillRef>
-    <cs:effectRef idx="2"/>
-    <cs:fontRef idx="minor">
-      <a:schemeClr val="tx2"/>
+    <cs:effectRef idx="0"/>
+    <cs:fontRef idx="minor">
+      <a:schemeClr val="tx1"/>
     </cs:fontRef>
     <cs:spPr>
-      <a:ln w="12700">
+      <a:ln w="9525">
         <a:solidFill>
-          <a:schemeClr val="lt2"/>
+          <a:schemeClr val="phClr"/>
         </a:solidFill>
-        <a:round/>
       </a:ln>
     </cs:spPr>
   </cs:dataPointMarker>
-  <cs:dataPointMarkerLayout symbol="circle" size="6"/>
+  <cs:dataPointMarkerLayout symbol="circle" size="5"/>
   <cs:dataPointWireframe>
     <cs:lnRef idx="0">
       <cs:styleClr val="auto"/>
     </cs:lnRef>
-    <cs:fillRef idx="3"/>
-    <cs:effectRef idx="2"/>
-    <cs:fontRef idx="minor">
-      <a:schemeClr val="tx2"/>
+    <cs:fillRef idx="1"/>
+    <cs:effectRef idx="0"/>
+    <cs:fontRef idx="minor">
+      <a:schemeClr val="tx1"/>
     </cs:fontRef>
     <cs:spPr>
       <a:ln w="9525" cap="rnd">
@@ -8499,16 +8510,21 @@
     <cs:fillRef idx="0"/>
     <cs:effectRef idx="0"/>
     <cs:fontRef idx="minor">
-      <a:schemeClr val="tx2"/>
+      <a:schemeClr val="tx1">
+        <a:lumMod val="65000"/>
+        <a:lumOff val="35000"/>
+      </a:schemeClr>
     </cs:fontRef>
     <cs:spPr>
-      <a:ln w="9525">
+      <a:noFill/>
+      <a:ln w="9525" cap="flat" cmpd="sng" algn="ctr">
         <a:solidFill>
-          <a:schemeClr val="tx2">
+          <a:schemeClr val="tx1">
             <a:lumMod val="15000"/>
             <a:lumOff val="85000"/>
           </a:schemeClr>
         </a:solidFill>
+        <a:round/>
       </a:ln>
     </cs:spPr>
     <cs:defRPr sz="1197" kern="1200"/>
@@ -8542,17 +8558,17 @@
     <cs:fillRef idx="0"/>
     <cs:effectRef idx="0"/>
     <cs:fontRef idx="minor">
-      <a:schemeClr val="tx2"/>
+      <a:schemeClr val="tx1"/>
     </cs:fontRef>
     <cs:spPr>
-      <a:ln w="9525">
+      <a:ln w="9525" cap="flat" cmpd="sng" algn="ctr">
         <a:solidFill>
-          <a:schemeClr val="tx2">
-            <a:lumMod val="60000"/>
-            <a:lumOff val="40000"/>
+          <a:schemeClr val="tx1">
+            <a:lumMod val="35000"/>
+            <a:lumOff val="65000"/>
           </a:schemeClr>
         </a:solidFill>
-        <a:prstDash val="dash"/>
+        <a:round/>
       </a:ln>
     </cs:spPr>
   </cs:dropLine>
@@ -8561,13 +8577,14 @@
     <cs:fillRef idx="0"/>
     <cs:effectRef idx="0"/>
     <cs:fontRef idx="minor">
-      <a:schemeClr val="tx2"/>
+      <a:schemeClr val="tx1"/>
     </cs:fontRef>
     <cs:spPr>
-      <a:ln w="9525">
+      <a:ln w="9525" cap="flat" cmpd="sng" algn="ctr">
         <a:solidFill>
-          <a:schemeClr val="tx2">
-            <a:lumMod val="75000"/>
+          <a:schemeClr val="tx1">
+            <a:lumMod val="65000"/>
+            <a:lumOff val="35000"/>
           </a:schemeClr>
         </a:solidFill>
         <a:round/>
@@ -8579,20 +8596,26 @@
     <cs:fillRef idx="0"/>
     <cs:effectRef idx="0"/>
     <cs:fontRef idx="minor">
-      <a:schemeClr val="tx2"/>
-    </cs:fontRef>
+      <a:schemeClr val="tx1"/>
+    </cs:fontRef>
+    <cs:spPr>
+      <a:noFill/>
+      <a:ln>
+        <a:noFill/>
+      </a:ln>
+    </cs:spPr>
   </cs:floor>
   <cs:gridlineMajor>
     <cs:lnRef idx="0"/>
     <cs:fillRef idx="0"/>
     <cs:effectRef idx="0"/>
     <cs:fontRef idx="minor">
-      <a:schemeClr val="tx2"/>
+      <a:schemeClr val="tx1"/>
     </cs:fontRef>
     <cs:spPr>
       <a:ln w="9525" cap="flat" cmpd="sng" algn="ctr">
         <a:solidFill>
-          <a:schemeClr val="tx2">
+          <a:schemeClr val="tx1">
             <a:lumMod val="15000"/>
             <a:lumOff val="85000"/>
           </a:schemeClr>
@@ -8606,99 +8629,96 @@
     <cs:fillRef idx="0"/>
     <cs:effectRef idx="0"/>
     <cs:fontRef idx="minor">
-      <a:schemeClr val="tx2"/>
-    </cs:fontRef>
-    <cs:spPr>
-      <a:ln>
-        <a:solidFill>
-          <a:schemeClr val="tx2">
-            <a:lumMod val="5000"/>
-            <a:lumOff val="95000"/>
-          </a:schemeClr>
-        </a:solidFill>
-      </a:ln>
-    </cs:spPr>
-  </cs:gridlineMinor>
-  <cs:hiLoLine>
-    <cs:lnRef idx="0"/>
-    <cs:fillRef idx="0"/>
-    <cs:effectRef idx="0"/>
-    <cs:fontRef idx="minor">
-      <a:schemeClr val="tx2"/>
-    </cs:fontRef>
-    <cs:spPr>
-      <a:ln w="9525">
-        <a:solidFill>
-          <a:schemeClr val="tx2">
-            <a:lumMod val="60000"/>
-            <a:lumOff val="40000"/>
-          </a:schemeClr>
-        </a:solidFill>
-        <a:prstDash val="dash"/>
-      </a:ln>
-    </cs:spPr>
-  </cs:hiLoLine>
-  <cs:leaderLine>
-    <cs:lnRef idx="0"/>
-    <cs:fillRef idx="0"/>
-    <cs:effectRef idx="0"/>
-    <cs:fontRef idx="minor">
-      <a:schemeClr val="tx2"/>
-    </cs:fontRef>
-    <cs:spPr>
-      <a:ln w="9525">
-        <a:solidFill>
-          <a:schemeClr val="tx2">
-            <a:lumMod val="35000"/>
-            <a:lumOff val="65000"/>
-          </a:schemeClr>
-        </a:solidFill>
-      </a:ln>
-    </cs:spPr>
-  </cs:leaderLine>
-  <cs:legend>
-    <cs:lnRef idx="0"/>
-    <cs:fillRef idx="0"/>
-    <cs:effectRef idx="0"/>
-    <cs:fontRef idx="minor">
-      <a:schemeClr val="tx2"/>
-    </cs:fontRef>
-    <cs:defRPr sz="1197" kern="1200"/>
-  </cs:legend>
-  <cs:plotArea>
-    <cs:lnRef idx="0"/>
-    <cs:fillRef idx="0"/>
-    <cs:effectRef idx="0"/>
-    <cs:fontRef idx="minor">
-      <a:schemeClr val="tx2"/>
-    </cs:fontRef>
-  </cs:plotArea>
-  <cs:plotArea3D>
-    <cs:lnRef idx="0"/>
-    <cs:fillRef idx="0"/>
-    <cs:effectRef idx="0"/>
-    <cs:fontRef idx="minor">
-      <a:schemeClr val="tx2"/>
-    </cs:fontRef>
-  </cs:plotArea3D>
-  <cs:seriesAxis>
-    <cs:lnRef idx="0"/>
-    <cs:fillRef idx="0"/>
-    <cs:effectRef idx="0"/>
-    <cs:fontRef idx="minor">
-      <a:schemeClr val="tx2"/>
+      <a:schemeClr val="tx1"/>
     </cs:fontRef>
     <cs:spPr>
       <a:ln w="9525" cap="flat" cmpd="sng" algn="ctr">
         <a:solidFill>
-          <a:schemeClr val="tx2">
-            <a:lumMod val="15000"/>
-            <a:lumOff val="85000"/>
+          <a:schemeClr val="tx1">
+            <a:lumMod val="5000"/>
+            <a:lumOff val="95000"/>
           </a:schemeClr>
         </a:solidFill>
         <a:round/>
       </a:ln>
     </cs:spPr>
+  </cs:gridlineMinor>
+  <cs:hiLoLine>
+    <cs:lnRef idx="0"/>
+    <cs:fillRef idx="0"/>
+    <cs:effectRef idx="0"/>
+    <cs:fontRef idx="minor">
+      <a:schemeClr val="tx1"/>
+    </cs:fontRef>
+    <cs:spPr>
+      <a:ln w="9525" cap="flat" cmpd="sng" algn="ctr">
+        <a:solidFill>
+          <a:schemeClr val="tx1">
+            <a:lumMod val="75000"/>
+            <a:lumOff val="25000"/>
+          </a:schemeClr>
+        </a:solidFill>
+        <a:round/>
+      </a:ln>
+    </cs:spPr>
+  </cs:hiLoLine>
+  <cs:leaderLine>
+    <cs:lnRef idx="0"/>
+    <cs:fillRef idx="0"/>
+    <cs:effectRef idx="0"/>
+    <cs:fontRef idx="minor">
+      <a:schemeClr val="tx1"/>
+    </cs:fontRef>
+    <cs:spPr>
+      <a:ln w="9525" cap="flat" cmpd="sng" algn="ctr">
+        <a:solidFill>
+          <a:schemeClr val="tx1">
+            <a:lumMod val="35000"/>
+            <a:lumOff val="65000"/>
+          </a:schemeClr>
+        </a:solidFill>
+        <a:round/>
+      </a:ln>
+    </cs:spPr>
+  </cs:leaderLine>
+  <cs:legend>
+    <cs:lnRef idx="0"/>
+    <cs:fillRef idx="0"/>
+    <cs:effectRef idx="0"/>
+    <cs:fontRef idx="minor">
+      <a:schemeClr val="tx1">
+        <a:lumMod val="65000"/>
+        <a:lumOff val="35000"/>
+      </a:schemeClr>
+    </cs:fontRef>
+    <cs:defRPr sz="1197" kern="1200"/>
+  </cs:legend>
+  <cs:plotArea mods="allowNoFillOverride allowNoLineOverride">
+    <cs:lnRef idx="0"/>
+    <cs:fillRef idx="0"/>
+    <cs:effectRef idx="0"/>
+    <cs:fontRef idx="minor">
+      <a:schemeClr val="tx1"/>
+    </cs:fontRef>
+  </cs:plotArea>
+  <cs:plotArea3D mods="allowNoFillOverride allowNoLineOverride">
+    <cs:lnRef idx="0"/>
+    <cs:fillRef idx="0"/>
+    <cs:effectRef idx="0"/>
+    <cs:fontRef idx="minor">
+      <a:schemeClr val="tx1"/>
+    </cs:fontRef>
+  </cs:plotArea3D>
+  <cs:seriesAxis>
+    <cs:lnRef idx="0"/>
+    <cs:fillRef idx="0"/>
+    <cs:effectRef idx="0"/>
+    <cs:fontRef idx="minor">
+      <a:schemeClr val="tx1">
+        <a:lumMod val="65000"/>
+        <a:lumOff val="35000"/>
+      </a:schemeClr>
+    </cs:fontRef>
     <cs:defRPr sz="1197" kern="1200"/>
   </cs:seriesAxis>
   <cs:seriesLine>
@@ -8706,17 +8726,17 @@
     <cs:fillRef idx="0"/>
     <cs:effectRef idx="0"/>
     <cs:fontRef idx="minor">
-      <a:schemeClr val="tx2"/>
+      <a:schemeClr val="tx1"/>
     </cs:fontRef>
     <cs:spPr>
-      <a:ln w="9525">
+      <a:ln w="9525" cap="flat" cmpd="sng" algn="ctr">
         <a:solidFill>
-          <a:schemeClr val="tx2">
-            <a:lumMod val="60000"/>
-            <a:lumOff val="40000"/>
+          <a:schemeClr val="tx1">
+            <a:lumMod val="35000"/>
+            <a:lumOff val="65000"/>
           </a:schemeClr>
         </a:solidFill>
-        <a:prstDash val="dash"/>
+        <a:round/>
       </a:ln>
     </cs:spPr>
   </cs:seriesLine>
@@ -8725,9 +8745,12 @@
     <cs:fillRef idx="0"/>
     <cs:effectRef idx="0"/>
     <cs:fontRef idx="minor">
-      <a:schemeClr val="tx2"/>
-    </cs:fontRef>
-    <cs:defRPr sz="2128" b="1" kern="1200"/>
+      <a:schemeClr val="tx1">
+        <a:lumMod val="65000"/>
+        <a:lumOff val="35000"/>
+      </a:schemeClr>
+    </cs:fontRef>
+    <cs:defRPr sz="1862" b="0" kern="1200" spc="0" baseline="0"/>
   </cs:title>
   <cs:trendline>
     <cs:lnRef idx="0">
@@ -8736,14 +8759,14 @@
     <cs:fillRef idx="0"/>
     <cs:effectRef idx="0"/>
     <cs:fontRef idx="minor">
-      <a:schemeClr val="tx2"/>
+      <a:schemeClr val="tx1"/>
     </cs:fontRef>
     <cs:spPr>
       <a:ln w="19050" cap="rnd">
         <a:solidFill>
           <a:schemeClr val="phClr"/>
         </a:solidFill>
-        <a:prstDash val="sysDash"/>
+        <a:prstDash val="sysDot"/>
       </a:ln>
     </cs:spPr>
   </cs:trendline>
@@ -8752,7 +8775,10 @@
     <cs:fillRef idx="0"/>
     <cs:effectRef idx="0"/>
     <cs:fontRef idx="minor">
-      <a:schemeClr val="tx2"/>
+      <a:schemeClr val="tx1">
+        <a:lumMod val="65000"/>
+        <a:lumOff val="35000"/>
+      </a:schemeClr>
     </cs:fontRef>
     <cs:defRPr sz="1197" kern="1200"/>
   </cs:trendlineLabel>
@@ -8761,7 +8787,7 @@
     <cs:fillRef idx="0"/>
     <cs:effectRef idx="0"/>
     <cs:fontRef idx="minor">
-      <a:schemeClr val="tx2"/>
+      <a:schemeClr val="dk1"/>
     </cs:fontRef>
     <cs:spPr>
       <a:solidFill>
@@ -8782,7 +8808,10 @@
     <cs:fillRef idx="0"/>
     <cs:effectRef idx="0"/>
     <cs:fontRef idx="minor">
-      <a:schemeClr val="tx2"/>
+      <a:schemeClr val="tx1">
+        <a:lumMod val="65000"/>
+        <a:lumOff val="35000"/>
+      </a:schemeClr>
     </cs:fontRef>
     <cs:defRPr sz="1197" kern="1200"/>
   </cs:valueAxis>
@@ -8791,13 +8820,487 @@
     <cs:fillRef idx="0"/>
     <cs:effectRef idx="0"/>
     <cs:fontRef idx="minor">
-      <a:schemeClr val="tx2"/>
-    </cs:fontRef>
+      <a:schemeClr val="tx1"/>
+    </cs:fontRef>
+    <cs:spPr>
+      <a:noFill/>
+      <a:ln>
+        <a:noFill/>
+      </a:ln>
+    </cs:spPr>
   </cs:wall>
 </cs:chartStyle>
 </file>
 
 <file path=ppt/charts/style3.xml><?xml version="1.0" encoding="utf-8"?>
+<cs:chartStyle xmlns:cs="http://schemas.microsoft.com/office/drawing/2012/chartStyle" xmlns:a="http://schemas.openxmlformats.org/drawingml/2006/main" id="255">
+  <cs:axisTitle>
+    <cs:lnRef idx="0"/>
+    <cs:fillRef idx="0"/>
+    <cs:effectRef idx="0"/>
+    <cs:fontRef idx="minor">
+      <a:schemeClr val="tx2"/>
+    </cs:fontRef>
+    <cs:defRPr sz="1197" b="1" kern="1200"/>
+  </cs:axisTitle>
+  <cs:categoryAxis>
+    <cs:lnRef idx="0"/>
+    <cs:fillRef idx="0"/>
+    <cs:effectRef idx="0"/>
+    <cs:fontRef idx="minor">
+      <a:schemeClr val="tx2"/>
+    </cs:fontRef>
+    <cs:spPr>
+      <a:ln w="9525" cap="flat" cmpd="sng" algn="ctr">
+        <a:solidFill>
+          <a:schemeClr val="tx2">
+            <a:lumMod val="15000"/>
+            <a:lumOff val="85000"/>
+          </a:schemeClr>
+        </a:solidFill>
+        <a:round/>
+      </a:ln>
+    </cs:spPr>
+    <cs:defRPr sz="1197" kern="1200"/>
+  </cs:categoryAxis>
+  <cs:chartArea mods="allowNoFillOverride allowNoLineOverride">
+    <cs:lnRef idx="0"/>
+    <cs:fillRef idx="0"/>
+    <cs:effectRef idx="0"/>
+    <cs:fontRef idx="minor">
+      <a:schemeClr val="tx2"/>
+    </cs:fontRef>
+    <cs:spPr>
+      <a:solidFill>
+        <a:schemeClr val="bg1"/>
+      </a:solidFill>
+      <a:ln w="9525" cap="flat" cmpd="sng" algn="ctr">
+        <a:solidFill>
+          <a:schemeClr val="tx2">
+            <a:lumMod val="15000"/>
+            <a:lumOff val="85000"/>
+          </a:schemeClr>
+        </a:solidFill>
+        <a:round/>
+      </a:ln>
+    </cs:spPr>
+    <cs:defRPr sz="1197" kern="1200"/>
+  </cs:chartArea>
+  <cs:dataLabel>
+    <cs:lnRef idx="0"/>
+    <cs:fillRef idx="0"/>
+    <cs:effectRef idx="0"/>
+    <cs:fontRef idx="minor">
+      <a:schemeClr val="tx2"/>
+    </cs:fontRef>
+    <cs:defRPr sz="1197" kern="1200"/>
+  </cs:dataLabel>
+  <cs:dataLabelCallout>
+    <cs:lnRef idx="0"/>
+    <cs:fillRef idx="0"/>
+    <cs:effectRef idx="0"/>
+    <cs:fontRef idx="minor">
+      <a:schemeClr val="dk2">
+        <a:lumMod val="75000"/>
+      </a:schemeClr>
+    </cs:fontRef>
+    <cs:spPr>
+      <a:solidFill>
+        <a:schemeClr val="lt1"/>
+      </a:solidFill>
+      <a:ln>
+        <a:solidFill>
+          <a:schemeClr val="dk1">
+            <a:lumMod val="25000"/>
+            <a:lumOff val="75000"/>
+          </a:schemeClr>
+        </a:solidFill>
+      </a:ln>
+    </cs:spPr>
+    <cs:defRPr sz="1197" kern="1200"/>
+    <cs:bodyPr rot="0" spcFirstLastPara="1" vertOverflow="clip" horzOverflow="clip" vert="horz" wrap="square" lIns="36576" tIns="18288" rIns="36576" bIns="18288" anchor="ctr" anchorCtr="1">
+      <a:spAutoFit/>
+    </cs:bodyPr>
+  </cs:dataLabelCallout>
+  <cs:dataPoint>
+    <cs:lnRef idx="0"/>
+    <cs:fillRef idx="3">
+      <cs:styleClr val="auto"/>
+    </cs:fillRef>
+    <cs:effectRef idx="2"/>
+    <cs:fontRef idx="minor">
+      <a:schemeClr val="tx2"/>
+    </cs:fontRef>
+  </cs:dataPoint>
+  <cs:dataPoint3D>
+    <cs:lnRef idx="0"/>
+    <cs:fillRef idx="3">
+      <cs:styleClr val="auto"/>
+    </cs:fillRef>
+    <cs:effectRef idx="2"/>
+    <cs:fontRef idx="minor">
+      <a:schemeClr val="tx2"/>
+    </cs:fontRef>
+  </cs:dataPoint3D>
+  <cs:dataPointLine>
+    <cs:lnRef idx="0">
+      <cs:styleClr val="auto"/>
+    </cs:lnRef>
+    <cs:fillRef idx="3"/>
+    <cs:effectRef idx="2"/>
+    <cs:fontRef idx="minor">
+      <a:schemeClr val="tx2"/>
+    </cs:fontRef>
+    <cs:spPr>
+      <a:ln w="31750" cap="rnd">
+        <a:solidFill>
+          <a:schemeClr val="phClr"/>
+        </a:solidFill>
+        <a:round/>
+      </a:ln>
+    </cs:spPr>
+  </cs:dataPointLine>
+  <cs:dataPointMarker>
+    <cs:lnRef idx="0"/>
+    <cs:fillRef idx="3">
+      <cs:styleClr val="auto"/>
+    </cs:fillRef>
+    <cs:effectRef idx="2"/>
+    <cs:fontRef idx="minor">
+      <a:schemeClr val="tx2"/>
+    </cs:fontRef>
+    <cs:spPr>
+      <a:ln w="12700">
+        <a:solidFill>
+          <a:schemeClr val="lt2"/>
+        </a:solidFill>
+        <a:round/>
+      </a:ln>
+    </cs:spPr>
+  </cs:dataPointMarker>
+  <cs:dataPointMarkerLayout symbol="circle" size="6"/>
+  <cs:dataPointWireframe>
+    <cs:lnRef idx="0">
+      <cs:styleClr val="auto"/>
+    </cs:lnRef>
+    <cs:fillRef idx="3"/>
+    <cs:effectRef idx="2"/>
+    <cs:fontRef idx="minor">
+      <a:schemeClr val="tx2"/>
+    </cs:fontRef>
+    <cs:spPr>
+      <a:ln w="9525" cap="rnd">
+        <a:solidFill>
+          <a:schemeClr val="phClr"/>
+        </a:solidFill>
+        <a:round/>
+      </a:ln>
+    </cs:spPr>
+  </cs:dataPointWireframe>
+  <cs:dataTable>
+    <cs:lnRef idx="0"/>
+    <cs:fillRef idx="0"/>
+    <cs:effectRef idx="0"/>
+    <cs:fontRef idx="minor">
+      <a:schemeClr val="tx2"/>
+    </cs:fontRef>
+    <cs:spPr>
+      <a:ln w="9525">
+        <a:solidFill>
+          <a:schemeClr val="tx2">
+            <a:lumMod val="15000"/>
+            <a:lumOff val="85000"/>
+          </a:schemeClr>
+        </a:solidFill>
+      </a:ln>
+    </cs:spPr>
+    <cs:defRPr sz="1197" kern="1200"/>
+  </cs:dataTable>
+  <cs:downBar>
+    <cs:lnRef idx="0"/>
+    <cs:fillRef idx="0"/>
+    <cs:effectRef idx="0"/>
+    <cs:fontRef idx="minor">
+      <a:schemeClr val="dk1"/>
+    </cs:fontRef>
+    <cs:spPr>
+      <a:solidFill>
+        <a:schemeClr val="dk1">
+          <a:lumMod val="65000"/>
+          <a:lumOff val="35000"/>
+        </a:schemeClr>
+      </a:solidFill>
+      <a:ln w="9525">
+        <a:solidFill>
+          <a:schemeClr val="tx1">
+            <a:lumMod val="65000"/>
+            <a:lumOff val="35000"/>
+          </a:schemeClr>
+        </a:solidFill>
+      </a:ln>
+    </cs:spPr>
+  </cs:downBar>
+  <cs:dropLine>
+    <cs:lnRef idx="0"/>
+    <cs:fillRef idx="0"/>
+    <cs:effectRef idx="0"/>
+    <cs:fontRef idx="minor">
+      <a:schemeClr val="tx2"/>
+    </cs:fontRef>
+    <cs:spPr>
+      <a:ln w="9525">
+        <a:solidFill>
+          <a:schemeClr val="tx2">
+            <a:lumMod val="60000"/>
+            <a:lumOff val="40000"/>
+          </a:schemeClr>
+        </a:solidFill>
+        <a:prstDash val="dash"/>
+      </a:ln>
+    </cs:spPr>
+  </cs:dropLine>
+  <cs:errorBar>
+    <cs:lnRef idx="0"/>
+    <cs:fillRef idx="0"/>
+    <cs:effectRef idx="0"/>
+    <cs:fontRef idx="minor">
+      <a:schemeClr val="tx2"/>
+    </cs:fontRef>
+    <cs:spPr>
+      <a:ln w="9525">
+        <a:solidFill>
+          <a:schemeClr val="tx2">
+            <a:lumMod val="75000"/>
+          </a:schemeClr>
+        </a:solidFill>
+        <a:round/>
+      </a:ln>
+    </cs:spPr>
+  </cs:errorBar>
+  <cs:floor>
+    <cs:lnRef idx="0"/>
+    <cs:fillRef idx="0"/>
+    <cs:effectRef idx="0"/>
+    <cs:fontRef idx="minor">
+      <a:schemeClr val="tx2"/>
+    </cs:fontRef>
+  </cs:floor>
+  <cs:gridlineMajor>
+    <cs:lnRef idx="0"/>
+    <cs:fillRef idx="0"/>
+    <cs:effectRef idx="0"/>
+    <cs:fontRef idx="minor">
+      <a:schemeClr val="tx2"/>
+    </cs:fontRef>
+    <cs:spPr>
+      <a:ln w="9525" cap="flat" cmpd="sng" algn="ctr">
+        <a:solidFill>
+          <a:schemeClr val="tx2">
+            <a:lumMod val="15000"/>
+            <a:lumOff val="85000"/>
+          </a:schemeClr>
+        </a:solidFill>
+        <a:round/>
+      </a:ln>
+    </cs:spPr>
+  </cs:gridlineMajor>
+  <cs:gridlineMinor>
+    <cs:lnRef idx="0"/>
+    <cs:fillRef idx="0"/>
+    <cs:effectRef idx="0"/>
+    <cs:fontRef idx="minor">
+      <a:schemeClr val="tx2"/>
+    </cs:fontRef>
+    <cs:spPr>
+      <a:ln>
+        <a:solidFill>
+          <a:schemeClr val="tx2">
+            <a:lumMod val="5000"/>
+            <a:lumOff val="95000"/>
+          </a:schemeClr>
+        </a:solidFill>
+      </a:ln>
+    </cs:spPr>
+  </cs:gridlineMinor>
+  <cs:hiLoLine>
+    <cs:lnRef idx="0"/>
+    <cs:fillRef idx="0"/>
+    <cs:effectRef idx="0"/>
+    <cs:fontRef idx="minor">
+      <a:schemeClr val="tx2"/>
+    </cs:fontRef>
+    <cs:spPr>
+      <a:ln w="9525">
+        <a:solidFill>
+          <a:schemeClr val="tx2">
+            <a:lumMod val="60000"/>
+            <a:lumOff val="40000"/>
+          </a:schemeClr>
+        </a:solidFill>
+        <a:prstDash val="dash"/>
+      </a:ln>
+    </cs:spPr>
+  </cs:hiLoLine>
+  <cs:leaderLine>
+    <cs:lnRef idx="0"/>
+    <cs:fillRef idx="0"/>
+    <cs:effectRef idx="0"/>
+    <cs:fontRef idx="minor">
+      <a:schemeClr val="tx2"/>
+    </cs:fontRef>
+    <cs:spPr>
+      <a:ln w="9525">
+        <a:solidFill>
+          <a:schemeClr val="tx2">
+            <a:lumMod val="35000"/>
+            <a:lumOff val="65000"/>
+          </a:schemeClr>
+        </a:solidFill>
+      </a:ln>
+    </cs:spPr>
+  </cs:leaderLine>
+  <cs:legend>
+    <cs:lnRef idx="0"/>
+    <cs:fillRef idx="0"/>
+    <cs:effectRef idx="0"/>
+    <cs:fontRef idx="minor">
+      <a:schemeClr val="tx2"/>
+    </cs:fontRef>
+    <cs:defRPr sz="1197" kern="1200"/>
+  </cs:legend>
+  <cs:plotArea>
+    <cs:lnRef idx="0"/>
+    <cs:fillRef idx="0"/>
+    <cs:effectRef idx="0"/>
+    <cs:fontRef idx="minor">
+      <a:schemeClr val="tx2"/>
+    </cs:fontRef>
+  </cs:plotArea>
+  <cs:plotArea3D>
+    <cs:lnRef idx="0"/>
+    <cs:fillRef idx="0"/>
+    <cs:effectRef idx="0"/>
+    <cs:fontRef idx="minor">
+      <a:schemeClr val="tx2"/>
+    </cs:fontRef>
+  </cs:plotArea3D>
+  <cs:seriesAxis>
+    <cs:lnRef idx="0"/>
+    <cs:fillRef idx="0"/>
+    <cs:effectRef idx="0"/>
+    <cs:fontRef idx="minor">
+      <a:schemeClr val="tx2"/>
+    </cs:fontRef>
+    <cs:spPr>
+      <a:ln w="9525" cap="flat" cmpd="sng" algn="ctr">
+        <a:solidFill>
+          <a:schemeClr val="tx2">
+            <a:lumMod val="15000"/>
+            <a:lumOff val="85000"/>
+          </a:schemeClr>
+        </a:solidFill>
+        <a:round/>
+      </a:ln>
+    </cs:spPr>
+    <cs:defRPr sz="1197" kern="1200"/>
+  </cs:seriesAxis>
+  <cs:seriesLine>
+    <cs:lnRef idx="0"/>
+    <cs:fillRef idx="0"/>
+    <cs:effectRef idx="0"/>
+    <cs:fontRef idx="minor">
+      <a:schemeClr val="tx2"/>
+    </cs:fontRef>
+    <cs:spPr>
+      <a:ln w="9525">
+        <a:solidFill>
+          <a:schemeClr val="tx2">
+            <a:lumMod val="60000"/>
+            <a:lumOff val="40000"/>
+          </a:schemeClr>
+        </a:solidFill>
+        <a:prstDash val="dash"/>
+      </a:ln>
+    </cs:spPr>
+  </cs:seriesLine>
+  <cs:title>
+    <cs:lnRef idx="0"/>
+    <cs:fillRef idx="0"/>
+    <cs:effectRef idx="0"/>
+    <cs:fontRef idx="minor">
+      <a:schemeClr val="tx2"/>
+    </cs:fontRef>
+    <cs:defRPr sz="2128" b="1" kern="1200"/>
+  </cs:title>
+  <cs:trendline>
+    <cs:lnRef idx="0">
+      <cs:styleClr val="auto"/>
+    </cs:lnRef>
+    <cs:fillRef idx="0"/>
+    <cs:effectRef idx="0"/>
+    <cs:fontRef idx="minor">
+      <a:schemeClr val="tx2"/>
+    </cs:fontRef>
+    <cs:spPr>
+      <a:ln w="19050" cap="rnd">
+        <a:solidFill>
+          <a:schemeClr val="phClr"/>
+        </a:solidFill>
+        <a:prstDash val="sysDash"/>
+      </a:ln>
+    </cs:spPr>
+  </cs:trendline>
+  <cs:trendlineLabel>
+    <cs:lnRef idx="0"/>
+    <cs:fillRef idx="0"/>
+    <cs:effectRef idx="0"/>
+    <cs:fontRef idx="minor">
+      <a:schemeClr val="tx2"/>
+    </cs:fontRef>
+    <cs:defRPr sz="1197" kern="1200"/>
+  </cs:trendlineLabel>
+  <cs:upBar>
+    <cs:lnRef idx="0"/>
+    <cs:fillRef idx="0"/>
+    <cs:effectRef idx="0"/>
+    <cs:fontRef idx="minor">
+      <a:schemeClr val="tx2"/>
+    </cs:fontRef>
+    <cs:spPr>
+      <a:solidFill>
+        <a:schemeClr val="lt1"/>
+      </a:solidFill>
+      <a:ln w="9525">
+        <a:solidFill>
+          <a:schemeClr val="tx1">
+            <a:lumMod val="15000"/>
+            <a:lumOff val="85000"/>
+          </a:schemeClr>
+        </a:solidFill>
+      </a:ln>
+    </cs:spPr>
+  </cs:upBar>
+  <cs:valueAxis>
+    <cs:lnRef idx="0"/>
+    <cs:fillRef idx="0"/>
+    <cs:effectRef idx="0"/>
+    <cs:fontRef idx="minor">
+      <a:schemeClr val="tx2"/>
+    </cs:fontRef>
+    <cs:defRPr sz="1197" kern="1200"/>
+  </cs:valueAxis>
+  <cs:wall>
+    <cs:lnRef idx="0"/>
+    <cs:fillRef idx="0"/>
+    <cs:effectRef idx="0"/>
+    <cs:fontRef idx="minor">
+      <a:schemeClr val="tx2"/>
+    </cs:fontRef>
+  </cs:wall>
+</cs:chartStyle>
+</file>
+
+<file path=ppt/charts/style4.xml><?xml version="1.0" encoding="utf-8"?>
 <cs:chartStyle xmlns:cs="http://schemas.microsoft.com/office/drawing/2012/chartStyle" xmlns:a="http://schemas.openxmlformats.org/drawingml/2006/main" id="284">
   <cs:axisTitle>
     <cs:lnRef idx="0"/>
@@ -9314,7 +9817,7 @@
 </cs:chartStyle>
 </file>
 
-<file path=ppt/charts/style4.xml><?xml version="1.0" encoding="utf-8"?>
+<file path=ppt/charts/style5.xml><?xml version="1.0" encoding="utf-8"?>
 <cs:chartStyle xmlns:cs="http://schemas.microsoft.com/office/drawing/2012/chartStyle" xmlns:a="http://schemas.openxmlformats.org/drawingml/2006/main" id="223">
   <cs:axisTitle>
     <cs:lnRef idx="0"/>
@@ -9905,509 +10408,6 @@
     <cs:fontRef idx="minor">
       <a:schemeClr val="dk1"/>
     </cs:fontRef>
-  </cs:wall>
-</cs:chartStyle>
-</file>
-
-<file path=ppt/charts/style5.xml><?xml version="1.0" encoding="utf-8"?>
-<cs:chartStyle xmlns:cs="http://schemas.microsoft.com/office/drawing/2012/chartStyle" xmlns:a="http://schemas.openxmlformats.org/drawingml/2006/main" id="332">
-  <cs:axisTitle>
-    <cs:lnRef idx="0"/>
-    <cs:fillRef idx="0"/>
-    <cs:effectRef idx="0"/>
-    <cs:fontRef idx="minor">
-      <a:schemeClr val="tx1">
-        <a:lumMod val="65000"/>
-        <a:lumOff val="35000"/>
-      </a:schemeClr>
-    </cs:fontRef>
-    <cs:defRPr sz="1330" kern="1200"/>
-  </cs:axisTitle>
-  <cs:categoryAxis>
-    <cs:lnRef idx="0"/>
-    <cs:fillRef idx="0"/>
-    <cs:effectRef idx="0"/>
-    <cs:fontRef idx="minor">
-      <a:schemeClr val="tx1">
-        <a:lumMod val="65000"/>
-        <a:lumOff val="35000"/>
-      </a:schemeClr>
-    </cs:fontRef>
-    <cs:spPr>
-      <a:ln w="9525" cap="flat" cmpd="sng" algn="ctr">
-        <a:solidFill>
-          <a:schemeClr val="tx1">
-            <a:lumMod val="15000"/>
-            <a:lumOff val="85000"/>
-          </a:schemeClr>
-        </a:solidFill>
-        <a:round/>
-      </a:ln>
-    </cs:spPr>
-    <cs:defRPr sz="1197" kern="1200"/>
-  </cs:categoryAxis>
-  <cs:chartArea mods="allowNoFillOverride allowNoLineOverride">
-    <cs:lnRef idx="0"/>
-    <cs:fillRef idx="0"/>
-    <cs:effectRef idx="0"/>
-    <cs:fontRef idx="minor">
-      <a:schemeClr val="tx1"/>
-    </cs:fontRef>
-    <cs:spPr>
-      <a:solidFill>
-        <a:schemeClr val="bg1"/>
-      </a:solidFill>
-      <a:ln w="9525" cap="flat" cmpd="sng" algn="ctr">
-        <a:solidFill>
-          <a:schemeClr val="tx1">
-            <a:lumMod val="15000"/>
-            <a:lumOff val="85000"/>
-          </a:schemeClr>
-        </a:solidFill>
-        <a:round/>
-      </a:ln>
-    </cs:spPr>
-    <cs:defRPr sz="1330" kern="1200"/>
-  </cs:chartArea>
-  <cs:dataLabel>
-    <cs:lnRef idx="0"/>
-    <cs:fillRef idx="0"/>
-    <cs:effectRef idx="0"/>
-    <cs:fontRef idx="minor">
-      <a:schemeClr val="tx1">
-        <a:lumMod val="75000"/>
-        <a:lumOff val="25000"/>
-      </a:schemeClr>
-    </cs:fontRef>
-    <cs:defRPr sz="1197" kern="1200"/>
-  </cs:dataLabel>
-  <cs:dataLabelCallout>
-    <cs:lnRef idx="0"/>
-    <cs:fillRef idx="0"/>
-    <cs:effectRef idx="0"/>
-    <cs:fontRef idx="minor">
-      <a:schemeClr val="dk1">
-        <a:lumMod val="65000"/>
-        <a:lumOff val="35000"/>
-      </a:schemeClr>
-    </cs:fontRef>
-    <cs:spPr>
-      <a:solidFill>
-        <a:schemeClr val="lt1"/>
-      </a:solidFill>
-      <a:ln>
-        <a:solidFill>
-          <a:schemeClr val="dk1">
-            <a:lumMod val="25000"/>
-            <a:lumOff val="75000"/>
-          </a:schemeClr>
-        </a:solidFill>
-      </a:ln>
-    </cs:spPr>
-    <cs:defRPr sz="1197" kern="1200"/>
-    <cs:bodyPr rot="0" spcFirstLastPara="1" vertOverflow="clip" horzOverflow="clip" vert="horz" wrap="square" lIns="36576" tIns="18288" rIns="36576" bIns="18288" anchor="ctr" anchorCtr="1">
-      <a:spAutoFit/>
-    </cs:bodyPr>
-  </cs:dataLabelCallout>
-  <cs:dataPoint>
-    <cs:lnRef idx="0"/>
-    <cs:fillRef idx="1">
-      <cs:styleClr val="auto"/>
-    </cs:fillRef>
-    <cs:effectRef idx="0"/>
-    <cs:fontRef idx="minor">
-      <a:schemeClr val="tx1"/>
-    </cs:fontRef>
-  </cs:dataPoint>
-  <cs:dataPoint3D>
-    <cs:lnRef idx="0"/>
-    <cs:fillRef idx="1">
-      <cs:styleClr val="auto"/>
-    </cs:fillRef>
-    <cs:effectRef idx="0"/>
-    <cs:fontRef idx="minor">
-      <a:schemeClr val="tx1"/>
-    </cs:fontRef>
-  </cs:dataPoint3D>
-  <cs:dataPointLine>
-    <cs:lnRef idx="0">
-      <cs:styleClr val="auto"/>
-    </cs:lnRef>
-    <cs:fillRef idx="1"/>
-    <cs:effectRef idx="0"/>
-    <cs:fontRef idx="minor">
-      <a:schemeClr val="tx1"/>
-    </cs:fontRef>
-    <cs:spPr>
-      <a:ln w="28575" cap="rnd">
-        <a:solidFill>
-          <a:schemeClr val="phClr"/>
-        </a:solidFill>
-        <a:round/>
-      </a:ln>
-    </cs:spPr>
-  </cs:dataPointLine>
-  <cs:dataPointMarker>
-    <cs:lnRef idx="0">
-      <cs:styleClr val="auto"/>
-    </cs:lnRef>
-    <cs:fillRef idx="1">
-      <cs:styleClr val="auto"/>
-    </cs:fillRef>
-    <cs:effectRef idx="0"/>
-    <cs:fontRef idx="minor">
-      <a:schemeClr val="tx1"/>
-    </cs:fontRef>
-    <cs:spPr>
-      <a:ln w="9525">
-        <a:solidFill>
-          <a:schemeClr val="phClr"/>
-        </a:solidFill>
-      </a:ln>
-    </cs:spPr>
-  </cs:dataPointMarker>
-  <cs:dataPointMarkerLayout symbol="circle" size="5"/>
-  <cs:dataPointWireframe>
-    <cs:lnRef idx="0">
-      <cs:styleClr val="auto"/>
-    </cs:lnRef>
-    <cs:fillRef idx="1"/>
-    <cs:effectRef idx="0"/>
-    <cs:fontRef idx="minor">
-      <a:schemeClr val="tx1"/>
-    </cs:fontRef>
-    <cs:spPr>
-      <a:ln w="9525" cap="rnd">
-        <a:solidFill>
-          <a:schemeClr val="phClr"/>
-        </a:solidFill>
-        <a:round/>
-      </a:ln>
-    </cs:spPr>
-  </cs:dataPointWireframe>
-  <cs:dataTable>
-    <cs:lnRef idx="0"/>
-    <cs:fillRef idx="0"/>
-    <cs:effectRef idx="0"/>
-    <cs:fontRef idx="minor">
-      <a:schemeClr val="tx1">
-        <a:lumMod val="65000"/>
-        <a:lumOff val="35000"/>
-      </a:schemeClr>
-    </cs:fontRef>
-    <cs:spPr>
-      <a:noFill/>
-      <a:ln w="9525" cap="flat" cmpd="sng" algn="ctr">
-        <a:solidFill>
-          <a:schemeClr val="tx1">
-            <a:lumMod val="15000"/>
-            <a:lumOff val="85000"/>
-          </a:schemeClr>
-        </a:solidFill>
-        <a:round/>
-      </a:ln>
-    </cs:spPr>
-    <cs:defRPr sz="1197" kern="1200"/>
-  </cs:dataTable>
-  <cs:downBar>
-    <cs:lnRef idx="0"/>
-    <cs:fillRef idx="0"/>
-    <cs:effectRef idx="0"/>
-    <cs:fontRef idx="minor">
-      <a:schemeClr val="dk1"/>
-    </cs:fontRef>
-    <cs:spPr>
-      <a:solidFill>
-        <a:schemeClr val="dk1">
-          <a:lumMod val="65000"/>
-          <a:lumOff val="35000"/>
-        </a:schemeClr>
-      </a:solidFill>
-      <a:ln w="9525">
-        <a:solidFill>
-          <a:schemeClr val="tx1">
-            <a:lumMod val="65000"/>
-            <a:lumOff val="35000"/>
-          </a:schemeClr>
-        </a:solidFill>
-      </a:ln>
-    </cs:spPr>
-  </cs:downBar>
-  <cs:dropLine>
-    <cs:lnRef idx="0"/>
-    <cs:fillRef idx="0"/>
-    <cs:effectRef idx="0"/>
-    <cs:fontRef idx="minor">
-      <a:schemeClr val="tx1"/>
-    </cs:fontRef>
-    <cs:spPr>
-      <a:ln w="9525" cap="flat" cmpd="sng" algn="ctr">
-        <a:solidFill>
-          <a:schemeClr val="tx1">
-            <a:lumMod val="35000"/>
-            <a:lumOff val="65000"/>
-          </a:schemeClr>
-        </a:solidFill>
-        <a:round/>
-      </a:ln>
-    </cs:spPr>
-  </cs:dropLine>
-  <cs:errorBar>
-    <cs:lnRef idx="0"/>
-    <cs:fillRef idx="0"/>
-    <cs:effectRef idx="0"/>
-    <cs:fontRef idx="minor">
-      <a:schemeClr val="tx1"/>
-    </cs:fontRef>
-    <cs:spPr>
-      <a:ln w="9525" cap="flat" cmpd="sng" algn="ctr">
-        <a:solidFill>
-          <a:schemeClr val="tx1">
-            <a:lumMod val="65000"/>
-            <a:lumOff val="35000"/>
-          </a:schemeClr>
-        </a:solidFill>
-        <a:round/>
-      </a:ln>
-    </cs:spPr>
-  </cs:errorBar>
-  <cs:floor>
-    <cs:lnRef idx="0"/>
-    <cs:fillRef idx="0"/>
-    <cs:effectRef idx="0"/>
-    <cs:fontRef idx="minor">
-      <a:schemeClr val="tx1"/>
-    </cs:fontRef>
-    <cs:spPr>
-      <a:noFill/>
-      <a:ln>
-        <a:noFill/>
-      </a:ln>
-    </cs:spPr>
-  </cs:floor>
-  <cs:gridlineMajor>
-    <cs:lnRef idx="0"/>
-    <cs:fillRef idx="0"/>
-    <cs:effectRef idx="0"/>
-    <cs:fontRef idx="minor">
-      <a:schemeClr val="tx1"/>
-    </cs:fontRef>
-    <cs:spPr>
-      <a:ln w="9525" cap="flat" cmpd="sng" algn="ctr">
-        <a:solidFill>
-          <a:schemeClr val="tx1">
-            <a:lumMod val="15000"/>
-            <a:lumOff val="85000"/>
-          </a:schemeClr>
-        </a:solidFill>
-        <a:round/>
-      </a:ln>
-    </cs:spPr>
-  </cs:gridlineMajor>
-  <cs:gridlineMinor>
-    <cs:lnRef idx="0"/>
-    <cs:fillRef idx="0"/>
-    <cs:effectRef idx="0"/>
-    <cs:fontRef idx="minor">
-      <a:schemeClr val="tx1"/>
-    </cs:fontRef>
-    <cs:spPr>
-      <a:ln w="9525" cap="flat" cmpd="sng" algn="ctr">
-        <a:solidFill>
-          <a:schemeClr val="tx1">
-            <a:lumMod val="5000"/>
-            <a:lumOff val="95000"/>
-          </a:schemeClr>
-        </a:solidFill>
-        <a:round/>
-      </a:ln>
-    </cs:spPr>
-  </cs:gridlineMinor>
-  <cs:hiLoLine>
-    <cs:lnRef idx="0"/>
-    <cs:fillRef idx="0"/>
-    <cs:effectRef idx="0"/>
-    <cs:fontRef idx="minor">
-      <a:schemeClr val="tx1"/>
-    </cs:fontRef>
-    <cs:spPr>
-      <a:ln w="9525" cap="flat" cmpd="sng" algn="ctr">
-        <a:solidFill>
-          <a:schemeClr val="tx1">
-            <a:lumMod val="75000"/>
-            <a:lumOff val="25000"/>
-          </a:schemeClr>
-        </a:solidFill>
-        <a:round/>
-      </a:ln>
-    </cs:spPr>
-  </cs:hiLoLine>
-  <cs:leaderLine>
-    <cs:lnRef idx="0"/>
-    <cs:fillRef idx="0"/>
-    <cs:effectRef idx="0"/>
-    <cs:fontRef idx="minor">
-      <a:schemeClr val="tx1"/>
-    </cs:fontRef>
-    <cs:spPr>
-      <a:ln w="9525" cap="flat" cmpd="sng" algn="ctr">
-        <a:solidFill>
-          <a:schemeClr val="tx1">
-            <a:lumMod val="35000"/>
-            <a:lumOff val="65000"/>
-          </a:schemeClr>
-        </a:solidFill>
-        <a:round/>
-      </a:ln>
-    </cs:spPr>
-  </cs:leaderLine>
-  <cs:legend>
-    <cs:lnRef idx="0"/>
-    <cs:fillRef idx="0"/>
-    <cs:effectRef idx="0"/>
-    <cs:fontRef idx="minor">
-      <a:schemeClr val="tx1">
-        <a:lumMod val="65000"/>
-        <a:lumOff val="35000"/>
-      </a:schemeClr>
-    </cs:fontRef>
-    <cs:defRPr sz="1197" kern="1200"/>
-  </cs:legend>
-  <cs:plotArea mods="allowNoFillOverride allowNoLineOverride">
-    <cs:lnRef idx="0"/>
-    <cs:fillRef idx="0"/>
-    <cs:effectRef idx="0"/>
-    <cs:fontRef idx="minor">
-      <a:schemeClr val="tx1"/>
-    </cs:fontRef>
-  </cs:plotArea>
-  <cs:plotArea3D mods="allowNoFillOverride allowNoLineOverride">
-    <cs:lnRef idx="0"/>
-    <cs:fillRef idx="0"/>
-    <cs:effectRef idx="0"/>
-    <cs:fontRef idx="minor">
-      <a:schemeClr val="tx1"/>
-    </cs:fontRef>
-  </cs:plotArea3D>
-  <cs:seriesAxis>
-    <cs:lnRef idx="0"/>
-    <cs:fillRef idx="0"/>
-    <cs:effectRef idx="0"/>
-    <cs:fontRef idx="minor">
-      <a:schemeClr val="tx1">
-        <a:lumMod val="65000"/>
-        <a:lumOff val="35000"/>
-      </a:schemeClr>
-    </cs:fontRef>
-    <cs:defRPr sz="1197" kern="1200"/>
-  </cs:seriesAxis>
-  <cs:seriesLine>
-    <cs:lnRef idx="0"/>
-    <cs:fillRef idx="0"/>
-    <cs:effectRef idx="0"/>
-    <cs:fontRef idx="minor">
-      <a:schemeClr val="tx1"/>
-    </cs:fontRef>
-    <cs:spPr>
-      <a:ln w="9525" cap="flat" cmpd="sng" algn="ctr">
-        <a:solidFill>
-          <a:schemeClr val="tx1">
-            <a:lumMod val="35000"/>
-            <a:lumOff val="65000"/>
-          </a:schemeClr>
-        </a:solidFill>
-        <a:round/>
-      </a:ln>
-    </cs:spPr>
-  </cs:seriesLine>
-  <cs:title>
-    <cs:lnRef idx="0"/>
-    <cs:fillRef idx="0"/>
-    <cs:effectRef idx="0"/>
-    <cs:fontRef idx="minor">
-      <a:schemeClr val="tx1">
-        <a:lumMod val="65000"/>
-        <a:lumOff val="35000"/>
-      </a:schemeClr>
-    </cs:fontRef>
-    <cs:defRPr sz="1862" b="0" kern="1200" spc="0" baseline="0"/>
-  </cs:title>
-  <cs:trendline>
-    <cs:lnRef idx="0">
-      <cs:styleClr val="auto"/>
-    </cs:lnRef>
-    <cs:fillRef idx="0"/>
-    <cs:effectRef idx="0"/>
-    <cs:fontRef idx="minor">
-      <a:schemeClr val="tx1"/>
-    </cs:fontRef>
-    <cs:spPr>
-      <a:ln w="19050" cap="rnd">
-        <a:solidFill>
-          <a:schemeClr val="phClr"/>
-        </a:solidFill>
-        <a:prstDash val="sysDot"/>
-      </a:ln>
-    </cs:spPr>
-  </cs:trendline>
-  <cs:trendlineLabel>
-    <cs:lnRef idx="0"/>
-    <cs:fillRef idx="0"/>
-    <cs:effectRef idx="0"/>
-    <cs:fontRef idx="minor">
-      <a:schemeClr val="tx1">
-        <a:lumMod val="65000"/>
-        <a:lumOff val="35000"/>
-      </a:schemeClr>
-    </cs:fontRef>
-    <cs:defRPr sz="1197" kern="1200"/>
-  </cs:trendlineLabel>
-  <cs:upBar>
-    <cs:lnRef idx="0"/>
-    <cs:fillRef idx="0"/>
-    <cs:effectRef idx="0"/>
-    <cs:fontRef idx="minor">
-      <a:schemeClr val="dk1"/>
-    </cs:fontRef>
-    <cs:spPr>
-      <a:solidFill>
-        <a:schemeClr val="lt1"/>
-      </a:solidFill>
-      <a:ln w="9525">
-        <a:solidFill>
-          <a:schemeClr val="tx1">
-            <a:lumMod val="15000"/>
-            <a:lumOff val="85000"/>
-          </a:schemeClr>
-        </a:solidFill>
-      </a:ln>
-    </cs:spPr>
-  </cs:upBar>
-  <cs:valueAxis>
-    <cs:lnRef idx="0"/>
-    <cs:fillRef idx="0"/>
-    <cs:effectRef idx="0"/>
-    <cs:fontRef idx="minor">
-      <a:schemeClr val="tx1">
-        <a:lumMod val="65000"/>
-        <a:lumOff val="35000"/>
-      </a:schemeClr>
-    </cs:fontRef>
-    <cs:defRPr sz="1197" kern="1200"/>
-  </cs:valueAxis>
-  <cs:wall>
-    <cs:lnRef idx="0"/>
-    <cs:fillRef idx="0"/>
-    <cs:effectRef idx="0"/>
-    <cs:fontRef idx="minor">
-      <a:schemeClr val="tx1"/>
-    </cs:fontRef>
-    <cs:spPr>
-      <a:noFill/>
-      <a:ln>
-        <a:noFill/>
-      </a:ln>
-    </cs:spPr>
   </cs:wall>
 </cs:chartStyle>
 </file>
@@ -12050,7 +12050,7 @@
           <a:p>
             <a:fld id="{DE71268B-8AC2-4239-8FAF-7C144C210720}" type="datetimeFigureOut">
               <a:rPr lang="en-US"/>
-              <a:t>7/26/2021</a:t>
+              <a:t>7/28/2021</a:t>
             </a:fld>
             <a:endParaRPr/>
           </a:p>
@@ -12215,7 +12215,7 @@
           <a:p>
             <a:fld id="{F5AD8362-6D63-40AC-BAA9-90C3AE6D5875}" type="datetimeFigureOut">
               <a:rPr lang="en-US"/>
-              <a:t>7/26/2021</a:t>
+              <a:t>7/28/2021</a:t>
             </a:fld>
             <a:endParaRPr/>
           </a:p>
@@ -13022,7 +13022,7 @@
           <a:p>
             <a:fld id="{5F4E5243-F52A-4D37-9694-EB26C6C31910}" type="datetime1">
               <a:rPr lang="en-US"/>
-              <a:t>7/26/2021</a:t>
+              <a:t>7/28/2021</a:t>
             </a:fld>
             <a:endParaRPr/>
           </a:p>
@@ -13218,7 +13218,7 @@
           <a:p>
             <a:fld id="{3A77B6E1-634A-48DC-9E8B-D894023267EF}" type="datetime1">
               <a:rPr lang="en-US"/>
-              <a:t>7/26/2021</a:t>
+              <a:t>7/28/2021</a:t>
             </a:fld>
             <a:endParaRPr/>
           </a:p>
@@ -13408,7 +13408,7 @@
           <a:p>
             <a:fld id="{7B2D3E9E-A95C-48F2-B4BF-A71542E0BE9A}" type="datetime1">
               <a:rPr lang="en-US"/>
-              <a:t>7/26/2021</a:t>
+              <a:t>7/28/2021</a:t>
             </a:fld>
             <a:endParaRPr/>
           </a:p>
@@ -13739,7 +13739,7 @@
           <a:p>
             <a:fld id="{A50F84E2-2D7A-43CF-AC90-352A289A783A}" type="datetime1">
               <a:rPr lang="en-US"/>
-              <a:t>7/26/2021</a:t>
+              <a:t>7/28/2021</a:t>
             </a:fld>
             <a:endParaRPr/>
           </a:p>
@@ -14047,7 +14047,7 @@
           <a:p>
             <a:fld id="{F12952B5-7A2F-4CC8-B7CE-9234E21C2837}" type="datetime1">
               <a:rPr lang="en-US"/>
-              <a:t>7/26/2021</a:t>
+              <a:t>7/28/2021</a:t>
             </a:fld>
             <a:endParaRPr/>
           </a:p>
@@ -14495,7 +14495,7 @@
           <a:p>
             <a:fld id="{CE1DA07A-9201-4B4B-BAF2-015AFA30F520}" type="datetime1">
               <a:rPr lang="en-US"/>
-              <a:t>7/26/2021</a:t>
+              <a:t>7/28/2021</a:t>
             </a:fld>
             <a:endParaRPr/>
           </a:p>
@@ -14629,7 +14629,7 @@
           <a:p>
             <a:fld id="{73D7E00A-486F-4252-8B1D-E32645521F49}" type="datetime1">
               <a:rPr lang="en-US"/>
-              <a:t>7/26/2021</a:t>
+              <a:t>7/28/2021</a:t>
             </a:fld>
             <a:endParaRPr/>
           </a:p>
@@ -14802,7 +14802,7 @@
           <a:p>
             <a:fld id="{8DDF5F92-E675-4B36-9A60-69A962A68675}" type="datetime1">
               <a:rPr lang="en-US"/>
-              <a:t>7/26/2021</a:t>
+              <a:t>7/28/2021</a:t>
             </a:fld>
             <a:endParaRPr/>
           </a:p>
@@ -15107,7 +15107,7 @@
           <a:p>
             <a:fld id="{AF6E2C9B-5FA2-460D-9BE7-B0812FC2A6FF}" type="datetime1">
               <a:rPr lang="en-US"/>
-              <a:t>7/26/2021</a:t>
+              <a:t>7/28/2021</a:t>
             </a:fld>
             <a:endParaRPr/>
           </a:p>
@@ -15397,7 +15397,7 @@
           <a:p>
             <a:fld id="{1D374940-A916-4C8B-9648-02A2D3898F9E}" type="datetime1">
               <a:rPr lang="en-US"/>
-              <a:t>7/26/2021</a:t>
+              <a:t>7/28/2021</a:t>
             </a:fld>
             <a:endParaRPr/>
           </a:p>
@@ -15844,7 +15844,7 @@
             <a:fld id="{5586B75A-687E-405C-8A0B-8D00578BA2C3}" type="datetime1">
               <a:rPr lang="en-US" smtClean="0"/>
               <a:pPr/>
-              <a:t>7/26/2021</a:t>
+              <a:t>7/28/2021</a:t>
             </a:fld>
             <a:endParaRPr lang="en-US"/>
           </a:p>
@@ -16410,14 +16410,14 @@
             <p:ph idx="1"/>
             <p:extLst>
               <p:ext uri="{D42A27DB-BD31-4B8C-83A1-F6EECF244321}">
-                <p14:modId xmlns:p14="http://schemas.microsoft.com/office/powerpoint/2010/main" val="4238955104"/>
+                <p14:modId xmlns:p14="http://schemas.microsoft.com/office/powerpoint/2010/main" val="3583332074"/>
               </p:ext>
             </p:extLst>
           </p:nvPr>
         </p:nvGraphicFramePr>
         <p:xfrm>
-          <a:off x="637674" y="563527"/>
-          <a:ext cx="10212889" cy="5151474"/>
+          <a:off x="637674" y="160421"/>
+          <a:ext cx="10212889" cy="5554580"/>
         </p:xfrm>
         <a:graphic>
           <a:graphicData uri="http://schemas.openxmlformats.org/drawingml/2006/chart">
@@ -16485,8 +16485,8 @@
         </p:nvSpPr>
         <p:spPr>
           <a:xfrm>
-            <a:off x="4685088" y="350874"/>
-            <a:ext cx="2821822" cy="864315"/>
+            <a:off x="4732817" y="304800"/>
+            <a:ext cx="2726364" cy="461210"/>
           </a:xfrm>
         </p:spPr>
         <p:txBody>
@@ -16595,13 +16595,13 @@
         </p:nvSpPr>
         <p:spPr>
           <a:xfrm>
-            <a:off x="2612857" y="379235"/>
-            <a:ext cx="6966285" cy="763765"/>
+            <a:off x="2927684" y="112295"/>
+            <a:ext cx="6444916" cy="501316"/>
           </a:xfrm>
         </p:spPr>
         <p:txBody>
           <a:bodyPr>
-            <a:normAutofit/>
+            <a:normAutofit fontScale="90000"/>
           </a:bodyPr>
           <a:lstStyle/>
           <a:p>
@@ -16609,6 +16609,18 @@
             <a:r>
               <a:rPr lang="en-US" dirty="0"/>
               <a:t>         </a:t>
+            </a:r>
+            <a:r>
+              <a:rPr lang="en-US" sz="2700" b="1" dirty="0">
+                <a:effectLst>
+                  <a:outerShdw blurRad="38100" dist="38100" dir="2700000" algn="tl">
+                    <a:srgbClr val="000000">
+                      <a:alpha val="43137"/>
+                    </a:srgbClr>
+                  </a:outerShdw>
+                </a:effectLst>
+              </a:rPr>
+              <a:t>Refugees</a:t>
             </a:r>
             <a:r>
               <a:rPr lang="en-US" sz="2400" b="1" dirty="0">
@@ -16620,7 +16632,7 @@
                   </a:outerShdw>
                 </a:effectLst>
               </a:rPr>
-              <a:t>Refugees/IDPs Struggles/Resilience</a:t>
+              <a:t>/IDPs Struggles/Resilience</a:t>
             </a:r>
             <a:endParaRPr lang="en-US" b="1" dirty="0">
               <a:effectLst>
@@ -16836,7 +16848,7 @@
         </p:nvSpPr>
         <p:spPr>
           <a:xfrm>
-            <a:off x="2970028" y="613610"/>
+            <a:off x="2729396" y="108083"/>
             <a:ext cx="6251944" cy="529389"/>
           </a:xfrm>
         </p:spPr>
@@ -16900,7 +16912,7 @@
                   </a:outerShdw>
                 </a:effectLst>
               </a:rPr>
-              <a:t>The count of Refugees, IDPS etc. is going up.</a:t>
+              <a:t>The counts of Refugees, IDPS keeps going up.</a:t>
             </a:r>
           </a:p>
           <a:p>
@@ -16914,7 +16926,31 @@
                   </a:outerShdw>
                 </a:effectLst>
               </a:rPr>
-              <a:t>U.S was at top of Countries that gives most funding &amp; to Resettle more Refugees overall.</a:t>
+              <a:t>U.S was for long time 1</a:t>
+            </a:r>
+            <a:r>
+              <a:rPr lang="en-US" baseline="30000" dirty="0">
+                <a:effectLst>
+                  <a:outerShdw blurRad="38100" dist="38100" dir="2700000" algn="tl">
+                    <a:srgbClr val="000000">
+                      <a:alpha val="43137"/>
+                    </a:srgbClr>
+                  </a:outerShdw>
+                </a:effectLst>
+              </a:rPr>
+              <a:t>st</a:t>
+            </a:r>
+            <a:r>
+              <a:rPr lang="en-US" dirty="0">
+                <a:effectLst>
+                  <a:outerShdw blurRad="38100" dist="38100" dir="2700000" algn="tl">
+                    <a:srgbClr val="000000">
+                      <a:alpha val="43137"/>
+                    </a:srgbClr>
+                  </a:outerShdw>
+                </a:effectLst>
+              </a:rPr>
+              <a:t>  when it comes to funding &amp; Resettling more Refugees overall.</a:t>
             </a:r>
           </a:p>
           <a:p>
@@ -17013,41 +17049,56 @@
         </p:blipFill>
         <p:spPr>
           <a:xfrm>
-            <a:off x="7160828" y="1353311"/>
-            <a:ext cx="4237273" cy="2484763"/>
+            <a:off x="7102542" y="1353311"/>
+            <a:ext cx="4772626" cy="3615731"/>
           </a:xfrm>
+          <a:effectLst>
+            <a:glow rad="127000">
+              <a:schemeClr val="bg1">
+                <a:alpha val="99000"/>
+              </a:schemeClr>
+            </a:glow>
+          </a:effectLst>
         </p:spPr>
       </p:pic>
-      <p:pic>
-        <p:nvPicPr>
-          <p:cNvPr id="4" name="Picture 3">
+      <p:sp>
+        <p:nvSpPr>
+          <p:cNvPr id="7" name="TextBox 6">
             <a:extLst>
               <a:ext uri="{FF2B5EF4-FFF2-40B4-BE49-F238E27FC236}">
-                <a16:creationId xmlns:a16="http://schemas.microsoft.com/office/drawing/2014/main" id="{5898747F-9BF3-4FFF-9E59-435B848F1B6C}"/>
+                <a16:creationId xmlns:a16="http://schemas.microsoft.com/office/drawing/2014/main" id="{D64AC31D-5075-4C9E-95DA-EE2C4C029051}"/>
               </a:ext>
             </a:extLst>
           </p:cNvPr>
-          <p:cNvPicPr>
-            <a:picLocks noChangeAspect="1"/>
-          </p:cNvPicPr>
+          <p:cNvSpPr txBox="1"/>
           <p:nvPr/>
-        </p:nvPicPr>
-        <p:blipFill>
-          <a:blip r:embed="rId3"/>
-          <a:stretch>
-            <a:fillRect/>
-          </a:stretch>
-        </p:blipFill>
+        </p:nvSpPr>
         <p:spPr>
           <a:xfrm>
-            <a:off x="7160829" y="3753293"/>
-            <a:ext cx="4237272" cy="2107756"/>
+            <a:off x="7521692" y="5068669"/>
+            <a:ext cx="3934326" cy="646331"/>
           </a:xfrm>
           <a:prstGeom prst="rect">
             <a:avLst/>
           </a:prstGeom>
+          <a:noFill/>
         </p:spPr>
-      </p:pic>
+        <p:txBody>
+          <a:bodyPr wrap="square">
+            <a:spAutoFit/>
+          </a:bodyPr>
+          <a:lstStyle/>
+          <a:p>
+            <a:r>
+              <a:rPr lang="en-US" dirty="0">
+                <a:hlinkClick r:id="rId3"/>
+              </a:rPr>
+              <a:t>https://www.unhcr.org/609553414/world-refugee-day-2021-toolkit-pdf</a:t>
+            </a:r>
+            <a:endParaRPr lang="en-US" dirty="0"/>
+          </a:p>
+        </p:txBody>
+      </p:sp>
     </p:spTree>
     <p:extLst>
       <p:ext uri="{BB962C8B-B14F-4D97-AF65-F5344CB8AC3E}">
@@ -17102,13 +17153,13 @@
         </p:nvSpPr>
         <p:spPr>
           <a:xfrm>
-            <a:off x="2222232" y="220097"/>
-            <a:ext cx="7381775" cy="679544"/>
+            <a:off x="2222232" y="128337"/>
+            <a:ext cx="7381775" cy="466504"/>
           </a:xfrm>
         </p:spPr>
         <p:txBody>
           <a:bodyPr>
-            <a:normAutofit/>
+            <a:normAutofit fontScale="90000"/>
           </a:bodyPr>
           <a:lstStyle/>
           <a:p>
@@ -17127,7 +17178,31 @@
                   </a:outerShdw>
                 </a:effectLst>
               </a:rPr>
-              <a:t>Local and International Refugee Agencies</a:t>
+              <a:t>Local and </a:t>
+            </a:r>
+            <a:r>
+              <a:rPr lang="en-US" sz="2700" b="1" dirty="0">
+                <a:effectLst>
+                  <a:outerShdw blurRad="38100" dist="38100" dir="2700000" algn="tl">
+                    <a:srgbClr val="000000">
+                      <a:alpha val="43137"/>
+                    </a:srgbClr>
+                  </a:outerShdw>
+                </a:effectLst>
+              </a:rPr>
+              <a:t>International</a:t>
+            </a:r>
+            <a:r>
+              <a:rPr lang="en-US" sz="2400" b="1" dirty="0">
+                <a:effectLst>
+                  <a:outerShdw blurRad="38100" dist="38100" dir="2700000" algn="tl">
+                    <a:srgbClr val="000000">
+                      <a:alpha val="43137"/>
+                    </a:srgbClr>
+                  </a:outerShdw>
+                </a:effectLst>
+              </a:rPr>
+              <a:t> Refugee Agencies</a:t>
             </a:r>
             <a:endParaRPr lang="en-US" b="1" dirty="0">
               <a:effectLst>
@@ -17157,9 +17232,16 @@
             <p:ph sz="half" idx="2"/>
           </p:nvPr>
         </p:nvSpPr>
-        <p:spPr/>
+        <p:spPr>
+          <a:xfrm>
+            <a:off x="6096000" y="1165709"/>
+            <a:ext cx="4572000" cy="349819"/>
+          </a:xfrm>
+        </p:spPr>
         <p:txBody>
-          <a:bodyPr/>
+          <a:bodyPr>
+            <a:normAutofit lnSpcReduction="10000"/>
+          </a:bodyPr>
           <a:lstStyle/>
           <a:p>
             <a:pPr marL="45720" indent="0">
@@ -17196,9 +17278,16 @@
             <p:ph sz="half" idx="1"/>
           </p:nvPr>
         </p:nvSpPr>
-        <p:spPr/>
+        <p:spPr>
+          <a:xfrm>
+            <a:off x="1341120" y="1207810"/>
+            <a:ext cx="4572000" cy="349819"/>
+          </a:xfrm>
+        </p:spPr>
         <p:txBody>
-          <a:bodyPr/>
+          <a:bodyPr>
+            <a:normAutofit lnSpcReduction="10000"/>
+          </a:bodyPr>
           <a:lstStyle/>
           <a:p>
             <a:pPr marL="45720" indent="0">
@@ -17241,12 +17330,22 @@
         </p:blipFill>
         <p:spPr>
           <a:xfrm>
-            <a:off x="894910" y="3428999"/>
-            <a:ext cx="5201090" cy="2286001"/>
+            <a:off x="891540" y="3166700"/>
+            <a:ext cx="5295900" cy="2175772"/>
           </a:xfrm>
           <a:prstGeom prst="rect">
             <a:avLst/>
           </a:prstGeom>
+          <a:effectLst>
+            <a:glow rad="127000">
+              <a:schemeClr val="bg1">
+                <a:alpha val="99000"/>
+              </a:schemeClr>
+            </a:glow>
+            <a:outerShdw blurRad="50800" dist="50800" dir="5400000" algn="ctr" rotWithShape="0">
+              <a:schemeClr val="bg1"/>
+            </a:outerShdw>
+          </a:effectLst>
         </p:spPr>
       </p:pic>
       <p:pic>
@@ -17271,12 +17370,25 @@
         </p:blipFill>
         <p:spPr>
           <a:xfrm>
-            <a:off x="894910" y="1922586"/>
-            <a:ext cx="5201090" cy="1506413"/>
+            <a:off x="891540" y="1572768"/>
+            <a:ext cx="5295900" cy="1506413"/>
           </a:xfrm>
           <a:prstGeom prst="rect">
             <a:avLst/>
           </a:prstGeom>
+          <a:solidFill>
+            <a:schemeClr val="bg1"/>
+          </a:solidFill>
+          <a:effectLst>
+            <a:glow rad="127000">
+              <a:schemeClr val="bg1">
+                <a:alpha val="99000"/>
+              </a:schemeClr>
+            </a:glow>
+            <a:outerShdw blurRad="50800" dist="50800" dir="5400000" algn="ctr" rotWithShape="0">
+              <a:schemeClr val="bg1"/>
+            </a:outerShdw>
+          </a:effectLst>
         </p:spPr>
       </p:pic>
       <p:pic>
@@ -17301,12 +17413,17 @@
         </p:blipFill>
         <p:spPr>
           <a:xfrm>
-            <a:off x="6278880" y="1922587"/>
-            <a:ext cx="5295900" cy="1506412"/>
+            <a:off x="6282248" y="1515528"/>
+            <a:ext cx="5201091" cy="1578792"/>
           </a:xfrm>
           <a:prstGeom prst="rect">
             <a:avLst/>
           </a:prstGeom>
+          <a:effectLst>
+            <a:glow>
+              <a:schemeClr val="bg1"/>
+            </a:glow>
+          </a:effectLst>
         </p:spPr>
       </p:pic>
       <p:pic>
@@ -17337,6 +17454,11 @@
           <a:prstGeom prst="rect">
             <a:avLst/>
           </a:prstGeom>
+          <a:effectLst>
+            <a:glow rad="63500">
+              <a:schemeClr val="tx2"/>
+            </a:glow>
+          </a:effectLst>
         </p:spPr>
       </p:pic>
     </p:spTree>
@@ -17393,13 +17515,13 @@
         </p:nvSpPr>
         <p:spPr>
           <a:xfrm>
-            <a:off x="4283242" y="360806"/>
-            <a:ext cx="4991967" cy="1087437"/>
+            <a:off x="4026569" y="719143"/>
+            <a:ext cx="3882188" cy="445753"/>
           </a:xfrm>
         </p:spPr>
         <p:txBody>
           <a:bodyPr>
-            <a:normAutofit/>
+            <a:normAutofit fontScale="90000"/>
           </a:bodyPr>
           <a:lstStyle/>
           <a:p>
@@ -17418,7 +17540,7 @@
                   </a:outerShdw>
                 </a:effectLst>
               </a:rPr>
-              <a:t>Reference &amp; Articles </a:t>
+              <a:t>References &amp; Articles </a:t>
             </a:r>
             <a:endParaRPr lang="en-US" b="1" dirty="0">
               <a:effectLst>
@@ -17447,7 +17569,7 @@
         <p:spPr>
           <a:xfrm>
             <a:off x="2404153" y="1945662"/>
-            <a:ext cx="7561780" cy="3970318"/>
+            <a:ext cx="7561780" cy="3416320"/>
           </a:xfrm>
           <a:prstGeom prst="rect">
             <a:avLst/>
@@ -17533,13 +17655,9 @@
           </a:p>
           <a:p>
             <a:pPr algn="ctr"/>
-            <a:endParaRPr lang="en-US" sz="3600" dirty="0"/>
-          </a:p>
-          <a:p>
-            <a:pPr algn="ctr"/>
             <a:r>
               <a:rPr lang="en-US" sz="3600" dirty="0"/>
-              <a:t>Thank you!</a:t>
+              <a:t>Thanks for your time!</a:t>
             </a:r>
           </a:p>
         </p:txBody>
@@ -17688,8 +17806,8 @@
         </p:nvSpPr>
         <p:spPr>
           <a:xfrm>
-            <a:off x="1341119" y="1829351"/>
-            <a:ext cx="9509760" cy="3019376"/>
+            <a:off x="1341119" y="1829350"/>
+            <a:ext cx="9509760" cy="3400375"/>
           </a:xfrm>
         </p:spPr>
         <p:txBody>
@@ -17739,7 +17857,7 @@
                   </a:outerShdw>
                 </a:effectLst>
               </a:rPr>
-              <a:t>We’ll be looking at trends of Refugee families that resettled in the U.S overtime.</a:t>
+              <a:t>We’ll be looking at trends of Refugees before/after they resettle in United States.</a:t>
             </a:r>
           </a:p>
           <a:p>
@@ -17754,7 +17872,7 @@
                   </a:outerShdw>
                 </a:effectLst>
               </a:rPr>
-              <a:t>This is my passionate story since I came to U.S as a Somali Refugee in 2004.</a:t>
+              <a:t>This is my very own story since I came to U.S as a Somali Refugee back in 2004.</a:t>
             </a:r>
           </a:p>
           <a:p>
@@ -17784,7 +17902,7 @@
                   </a:outerShdw>
                 </a:effectLst>
               </a:rPr>
-              <a:t>Data Sources include Department of State, UNHCR, Migration Policy Institute.</a:t>
+              <a:t>Data sources include UNHCR, Migration Policy Institute, Department of State.</a:t>
             </a:r>
           </a:p>
           <a:p>
@@ -17873,8 +17991,8 @@
         </p:nvSpPr>
         <p:spPr>
           <a:xfrm>
-            <a:off x="4773132" y="457200"/>
-            <a:ext cx="2645736" cy="871869"/>
+            <a:off x="4857353" y="204537"/>
+            <a:ext cx="2193152" cy="553453"/>
           </a:xfrm>
         </p:spPr>
         <p:txBody>
@@ -17907,9 +18025,6 @@
               </a:rPr>
               <a:t>Terminology</a:t>
             </a:r>
-            <a:br>
-              <a:rPr lang="en-US" dirty="0"/>
-            </a:br>
             <a:endParaRPr lang="en-US" dirty="0"/>
           </a:p>
         </p:txBody>
@@ -17932,13 +18047,13 @@
         </p:nvSpPr>
         <p:spPr>
           <a:xfrm>
-            <a:off x="1341120" y="1461551"/>
-            <a:ext cx="9509760" cy="3934897"/>
+            <a:off x="1341120" y="950495"/>
+            <a:ext cx="9509760" cy="4445953"/>
           </a:xfrm>
         </p:spPr>
         <p:txBody>
           <a:bodyPr>
-            <a:normAutofit lnSpcReduction="10000"/>
+            <a:normAutofit fontScale="92500" lnSpcReduction="10000"/>
           </a:bodyPr>
           <a:lstStyle/>
           <a:p>
@@ -17953,6 +18068,20 @@
                 </a:effectLst>
               </a:rPr>
               <a:t>A refugee is a person who has fled their own country for safety and security due to being at risk of serious human rights violations and persecution if they stay.</a:t>
+            </a:r>
+          </a:p>
+          <a:p>
+            <a:r>
+              <a:rPr lang="en-US" dirty="0">
+                <a:effectLst>
+                  <a:outerShdw blurRad="38100" dist="38100" dir="2700000" algn="tl">
+                    <a:srgbClr val="000000">
+                      <a:alpha val="43137"/>
+                    </a:srgbClr>
+                  </a:outerShdw>
+                </a:effectLst>
+              </a:rPr>
+              <a:t>Refugee Camp-temporary facilities built to respond to specific emergencies. However, as these situations prolong, refugee stay for years or even decades. </a:t>
             </a:r>
           </a:p>
           <a:p>
@@ -17994,21 +18123,7 @@
                   </a:outerShdw>
                 </a:effectLst>
               </a:rPr>
-              <a:t>Internally displaced persons(IDPs) due to conflict and violence in a country.</a:t>
-            </a:r>
-          </a:p>
-          <a:p>
-            <a:r>
-              <a:rPr lang="en-US" dirty="0">
-                <a:effectLst>
-                  <a:outerShdw blurRad="38100" dist="38100" dir="2700000" algn="tl">
-                    <a:srgbClr val="000000">
-                      <a:alpha val="43137"/>
-                    </a:srgbClr>
-                  </a:outerShdw>
-                </a:effectLst>
-              </a:rPr>
-              <a:t>IDPs stay with their countries &amp; likely to get less international attention/help.</a:t>
+              <a:t>Internally displaced persons(IDPs) due to conflict and violence in a country. IDPs mostly stay with their countries &amp; likely to get less international attention/help.</a:t>
             </a:r>
           </a:p>
           <a:p>
@@ -18172,7 +18287,7 @@
                   </a:outerShdw>
                 </a:effectLst>
               </a:rPr>
-              <a:t>Most end up in a refugee Camp.</a:t>
+              <a:t>Most end up in a Refugee Camp.</a:t>
             </a:r>
           </a:p>
           <a:p>
@@ -18339,14 +18454,14 @@
             <p:ph idx="1"/>
             <p:extLst>
               <p:ext uri="{D42A27DB-BD31-4B8C-83A1-F6EECF244321}">
-                <p14:modId xmlns:p14="http://schemas.microsoft.com/office/powerpoint/2010/main" val="3077365671"/>
+                <p14:modId xmlns:p14="http://schemas.microsoft.com/office/powerpoint/2010/main" val="2813757779"/>
               </p:ext>
             </p:extLst>
           </p:nvPr>
         </p:nvGraphicFramePr>
         <p:xfrm>
-          <a:off x="397042" y="425302"/>
-          <a:ext cx="11107386" cy="5443869"/>
+          <a:off x="397042" y="144380"/>
+          <a:ext cx="11107386" cy="5724792"/>
         </p:xfrm>
         <a:graphic>
           <a:graphicData uri="http://schemas.openxmlformats.org/drawingml/2006/chart">
@@ -18380,6 +18495,317 @@
 </file>
 
 <file path=ppt/slides/slide6.xml><?xml version="1.0" encoding="utf-8"?>
+<p:sld xmlns:a="http://schemas.openxmlformats.org/drawingml/2006/main" xmlns:r="http://schemas.openxmlformats.org/officeDocument/2006/relationships" xmlns:p="http://schemas.openxmlformats.org/presentationml/2006/main">
+  <p:cSld>
+    <p:spTree>
+      <p:nvGrpSpPr>
+        <p:cNvPr id="1" name=""/>
+        <p:cNvGrpSpPr/>
+        <p:nvPr/>
+      </p:nvGrpSpPr>
+      <p:grpSpPr>
+        <a:xfrm>
+          <a:off x="0" y="0"/>
+          <a:ext cx="0" cy="0"/>
+          <a:chOff x="0" y="0"/>
+          <a:chExt cx="0" cy="0"/>
+        </a:xfrm>
+      </p:grpSpPr>
+      <p:sp>
+        <p:nvSpPr>
+          <p:cNvPr id="5" name="Title 4">
+            <a:extLst>
+              <a:ext uri="{FF2B5EF4-FFF2-40B4-BE49-F238E27FC236}">
+                <a16:creationId xmlns:a16="http://schemas.microsoft.com/office/drawing/2014/main" id="{0DC127F0-5BDF-421E-AF13-E91608DAAFD7}"/>
+              </a:ext>
+            </a:extLst>
+          </p:cNvPr>
+          <p:cNvSpPr>
+            <a:spLocks noGrp="1"/>
+          </p:cNvSpPr>
+          <p:nvPr>
+            <p:ph type="title"/>
+          </p:nvPr>
+        </p:nvSpPr>
+        <p:spPr>
+          <a:xfrm>
+            <a:off x="2698580" y="297901"/>
+            <a:ext cx="6794205" cy="583291"/>
+          </a:xfrm>
+        </p:spPr>
+        <p:txBody>
+          <a:bodyPr>
+            <a:noAutofit/>
+          </a:bodyPr>
+          <a:lstStyle/>
+          <a:p>
+            <a:r>
+              <a:rPr lang="en-US" sz="4000" b="1" dirty="0"/>
+              <a:t>       </a:t>
+            </a:r>
+            <a:r>
+              <a:rPr lang="en-US" sz="2400" b="1" dirty="0">
+                <a:effectLst>
+                  <a:outerShdw blurRad="38100" dist="38100" dir="2700000" algn="tl">
+                    <a:srgbClr val="000000">
+                      <a:alpha val="43137"/>
+                    </a:srgbClr>
+                  </a:outerShdw>
+                </a:effectLst>
+              </a:rPr>
+              <a:t>U.S. Refugee Ceiling &amp; Resettlement</a:t>
+            </a:r>
+            <a:endParaRPr lang="en-US" sz="4000" b="1" dirty="0">
+              <a:effectLst>
+                <a:outerShdw blurRad="38100" dist="38100" dir="2700000" algn="tl">
+                  <a:srgbClr val="000000">
+                    <a:alpha val="43137"/>
+                  </a:srgbClr>
+                </a:outerShdw>
+              </a:effectLst>
+            </a:endParaRPr>
+          </a:p>
+        </p:txBody>
+      </p:sp>
+      <p:graphicFrame>
+        <p:nvGraphicFramePr>
+          <p:cNvPr id="4" name="Content Placeholder 3">
+            <a:extLst>
+              <a:ext uri="{FF2B5EF4-FFF2-40B4-BE49-F238E27FC236}">
+                <a16:creationId xmlns:a16="http://schemas.microsoft.com/office/drawing/2014/main" id="{BA18CD26-1727-425A-BDA6-3E5D9713E536}"/>
+              </a:ext>
+            </a:extLst>
+          </p:cNvPr>
+          <p:cNvGraphicFramePr>
+            <a:graphicFrameLocks noGrp="1"/>
+          </p:cNvGraphicFramePr>
+          <p:nvPr>
+            <p:ph idx="1"/>
+            <p:extLst>
+              <p:ext uri="{D42A27DB-BD31-4B8C-83A1-F6EECF244321}">
+                <p14:modId xmlns:p14="http://schemas.microsoft.com/office/powerpoint/2010/main" val="2219716374"/>
+              </p:ext>
+            </p:extLst>
+          </p:nvPr>
+        </p:nvGraphicFramePr>
+        <p:xfrm>
+          <a:off x="1340804" y="1573213"/>
+          <a:ext cx="9509759" cy="4141787"/>
+        </p:xfrm>
+        <a:graphic>
+          <a:graphicData uri="http://schemas.openxmlformats.org/drawingml/2006/chart">
+            <c:chart xmlns:c="http://schemas.openxmlformats.org/drawingml/2006/chart" xmlns:r="http://schemas.openxmlformats.org/officeDocument/2006/relationships" r:id="rId2"/>
+          </a:graphicData>
+        </a:graphic>
+      </p:graphicFrame>
+    </p:spTree>
+    <p:extLst>
+      <p:ext uri="{BB962C8B-B14F-4D97-AF65-F5344CB8AC3E}">
+        <p14:creationId xmlns:p14="http://schemas.microsoft.com/office/powerpoint/2010/main" val="1519208042"/>
+      </p:ext>
+    </p:extLst>
+  </p:cSld>
+  <p:clrMapOvr>
+    <a:masterClrMapping/>
+  </p:clrMapOvr>
+  <mc:AlternateContent xmlns:mc="http://schemas.openxmlformats.org/markup-compatibility/2006" xmlns:p14="http://schemas.microsoft.com/office/powerpoint/2010/main">
+    <mc:Choice Requires="p14">
+      <p:transition spd="med" p14:dur="700">
+        <p:fade/>
+      </p:transition>
+    </mc:Choice>
+    <mc:Fallback xmlns="">
+      <p:transition spd="med">
+        <p:fade/>
+      </p:transition>
+    </mc:Fallback>
+  </mc:AlternateContent>
+</p:sld>
+</file>
+
+<file path=ppt/slides/slide7.xml><?xml version="1.0" encoding="utf-8"?>
+<p:sld xmlns:a="http://schemas.openxmlformats.org/drawingml/2006/main" xmlns:r="http://schemas.openxmlformats.org/officeDocument/2006/relationships" xmlns:p="http://schemas.openxmlformats.org/presentationml/2006/main">
+  <p:cSld>
+    <p:spTree>
+      <p:nvGrpSpPr>
+        <p:cNvPr id="1" name=""/>
+        <p:cNvGrpSpPr/>
+        <p:nvPr/>
+      </p:nvGrpSpPr>
+      <p:grpSpPr>
+        <a:xfrm>
+          <a:off x="0" y="0"/>
+          <a:ext cx="0" cy="0"/>
+          <a:chOff x="0" y="0"/>
+          <a:chExt cx="0" cy="0"/>
+        </a:xfrm>
+      </p:grpSpPr>
+      <p:sp>
+        <p:nvSpPr>
+          <p:cNvPr id="2" name="Title 1">
+            <a:extLst>
+              <a:ext uri="{FF2B5EF4-FFF2-40B4-BE49-F238E27FC236}">
+                <a16:creationId xmlns:a16="http://schemas.microsoft.com/office/drawing/2014/main" id="{613D1C54-6CBD-4CCD-9E82-897265F1535E}"/>
+              </a:ext>
+            </a:extLst>
+          </p:cNvPr>
+          <p:cNvSpPr>
+            <a:spLocks noGrp="1"/>
+          </p:cNvSpPr>
+          <p:nvPr>
+            <p:ph type="title"/>
+          </p:nvPr>
+        </p:nvSpPr>
+        <p:spPr>
+          <a:xfrm>
+            <a:off x="2967193" y="252663"/>
+            <a:ext cx="6257613" cy="502808"/>
+          </a:xfrm>
+        </p:spPr>
+        <p:txBody>
+          <a:bodyPr>
+            <a:normAutofit/>
+          </a:bodyPr>
+          <a:lstStyle/>
+          <a:p>
+            <a:pPr algn="ctr"/>
+            <a:r>
+              <a:rPr lang="en-US" sz="2400" b="1" dirty="0">
+                <a:effectLst>
+                  <a:outerShdw blurRad="38100" dist="38100" dir="2700000" algn="tl">
+                    <a:srgbClr val="000000">
+                      <a:alpha val="43137"/>
+                    </a:srgbClr>
+                  </a:outerShdw>
+                </a:effectLst>
+              </a:rPr>
+              <a:t>U.S. refugee resettlement drop</a:t>
+            </a:r>
+            <a:endParaRPr lang="en-US" sz="3600" b="1" dirty="0">
+              <a:effectLst>
+                <a:outerShdw blurRad="38100" dist="38100" dir="2700000" algn="tl">
+                  <a:srgbClr val="000000">
+                    <a:alpha val="43137"/>
+                  </a:srgbClr>
+                </a:outerShdw>
+              </a:effectLst>
+            </a:endParaRPr>
+          </a:p>
+        </p:txBody>
+      </p:sp>
+      <p:pic>
+        <p:nvPicPr>
+          <p:cNvPr id="7" name="Content Placeholder 6" descr="Chart, line chart&#10;&#10;Description automatically generated">
+            <a:extLst>
+              <a:ext uri="{FF2B5EF4-FFF2-40B4-BE49-F238E27FC236}">
+                <a16:creationId xmlns:a16="http://schemas.microsoft.com/office/drawing/2014/main" id="{D17B57ED-AD99-4E1A-8B00-D6ADDD1722B7}"/>
+              </a:ext>
+            </a:extLst>
+          </p:cNvPr>
+          <p:cNvPicPr>
+            <a:picLocks noGrp="1" noChangeAspect="1"/>
+          </p:cNvPicPr>
+          <p:nvPr>
+            <p:ph idx="1"/>
+          </p:nvPr>
+        </p:nvPicPr>
+        <p:blipFill>
+          <a:blip r:embed="rId2"/>
+          <a:stretch>
+            <a:fillRect/>
+          </a:stretch>
+        </p:blipFill>
+        <p:spPr>
+          <a:xfrm>
+            <a:off x="1118937" y="896187"/>
+            <a:ext cx="9731941" cy="4419296"/>
+          </a:xfrm>
+        </p:spPr>
+      </p:pic>
+      <p:sp>
+        <p:nvSpPr>
+          <p:cNvPr id="3" name="Rectangle 2">
+            <a:extLst>
+              <a:ext uri="{FF2B5EF4-FFF2-40B4-BE49-F238E27FC236}">
+                <a16:creationId xmlns:a16="http://schemas.microsoft.com/office/drawing/2014/main" id="{5EC127B8-8DE9-4A8C-8A3F-A58A5527875D}"/>
+              </a:ext>
+            </a:extLst>
+          </p:cNvPr>
+          <p:cNvSpPr/>
+          <p:nvPr/>
+        </p:nvSpPr>
+        <p:spPr>
+          <a:xfrm>
+            <a:off x="2674834" y="5315483"/>
+            <a:ext cx="6580262" cy="646331"/>
+          </a:xfrm>
+          <a:prstGeom prst="rect">
+            <a:avLst/>
+          </a:prstGeom>
+        </p:spPr>
+        <p:txBody>
+          <a:bodyPr wrap="square">
+            <a:spAutoFit/>
+          </a:bodyPr>
+          <a:lstStyle/>
+          <a:p>
+            <a:pPr lvl="0"/>
+            <a:r>
+              <a:rPr lang="en-US" dirty="0">
+                <a:solidFill>
+                  <a:prstClr val="black"/>
+                </a:solidFill>
+                <a:hlinkClick r:id="rId3">
+                  <a:extLst>
+                    <a:ext uri="{A12FA001-AC4F-418D-AE19-62706E023703}">
+                      <ahyp:hlinkClr xmlns:ahyp="http://schemas.microsoft.com/office/drawing/2018/hyperlinkcolor" val="tx"/>
+                    </a:ext>
+                  </a:extLst>
+                </a:hlinkClick>
+              </a:rPr>
+              <a:t>https://www.weforum.org/agenda/2019/06/canada-now-leads-the-world-in-refugee-resettlement-surpassing-the-u-s/</a:t>
+            </a:r>
+            <a:endParaRPr lang="en-US" dirty="0">
+              <a:solidFill>
+                <a:prstClr val="black"/>
+              </a:solidFill>
+              <a:hlinkClick r:id="rId4">
+                <a:extLst>
+                  <a:ext uri="{A12FA001-AC4F-418D-AE19-62706E023703}">
+                    <ahyp:hlinkClr xmlns:ahyp="http://schemas.microsoft.com/office/drawing/2018/hyperlinkcolor" val="tx"/>
+                  </a:ext>
+                </a:extLst>
+              </a:hlinkClick>
+            </a:endParaRPr>
+          </a:p>
+        </p:txBody>
+      </p:sp>
+    </p:spTree>
+    <p:extLst>
+      <p:ext uri="{BB962C8B-B14F-4D97-AF65-F5344CB8AC3E}">
+        <p14:creationId xmlns:p14="http://schemas.microsoft.com/office/powerpoint/2010/main" val="1561186117"/>
+      </p:ext>
+    </p:extLst>
+  </p:cSld>
+  <p:clrMapOvr>
+    <a:masterClrMapping/>
+  </p:clrMapOvr>
+  <mc:AlternateContent xmlns:mc="http://schemas.openxmlformats.org/markup-compatibility/2006" xmlns:p14="http://schemas.microsoft.com/office/powerpoint/2010/main">
+    <mc:Choice Requires="p14">
+      <p:transition spd="med" p14:dur="700">
+        <p:fade/>
+      </p:transition>
+    </mc:Choice>
+    <mc:Fallback xmlns="">
+      <p:transition spd="med">
+        <p:fade/>
+      </p:transition>
+    </mc:Fallback>
+  </mc:AlternateContent>
+</p:sld>
+</file>
+
+<file path=ppt/slides/slide8.xml><?xml version="1.0" encoding="utf-8"?>
 <p:sld xmlns:a="http://schemas.openxmlformats.org/drawingml/2006/main" xmlns:r="http://schemas.openxmlformats.org/officeDocument/2006/relationships" xmlns:p="http://schemas.openxmlformats.org/presentationml/2006/main">
   <p:cSld>
     <p:spTree>
@@ -18513,317 +18939,6 @@
 </p:sld>
 </file>
 
-<file path=ppt/slides/slide7.xml><?xml version="1.0" encoding="utf-8"?>
-<p:sld xmlns:a="http://schemas.openxmlformats.org/drawingml/2006/main" xmlns:r="http://schemas.openxmlformats.org/officeDocument/2006/relationships" xmlns:p="http://schemas.openxmlformats.org/presentationml/2006/main">
-  <p:cSld>
-    <p:spTree>
-      <p:nvGrpSpPr>
-        <p:cNvPr id="1" name=""/>
-        <p:cNvGrpSpPr/>
-        <p:nvPr/>
-      </p:nvGrpSpPr>
-      <p:grpSpPr>
-        <a:xfrm>
-          <a:off x="0" y="0"/>
-          <a:ext cx="0" cy="0"/>
-          <a:chOff x="0" y="0"/>
-          <a:chExt cx="0" cy="0"/>
-        </a:xfrm>
-      </p:grpSpPr>
-      <p:sp>
-        <p:nvSpPr>
-          <p:cNvPr id="5" name="Title 4">
-            <a:extLst>
-              <a:ext uri="{FF2B5EF4-FFF2-40B4-BE49-F238E27FC236}">
-                <a16:creationId xmlns:a16="http://schemas.microsoft.com/office/drawing/2014/main" id="{0DC127F0-5BDF-421E-AF13-E91608DAAFD7}"/>
-              </a:ext>
-            </a:extLst>
-          </p:cNvPr>
-          <p:cNvSpPr>
-            <a:spLocks noGrp="1"/>
-          </p:cNvSpPr>
-          <p:nvPr>
-            <p:ph type="title"/>
-          </p:nvPr>
-        </p:nvSpPr>
-        <p:spPr>
-          <a:xfrm>
-            <a:off x="2615609" y="851354"/>
-            <a:ext cx="6794205" cy="583291"/>
-          </a:xfrm>
-        </p:spPr>
-        <p:txBody>
-          <a:bodyPr>
-            <a:noAutofit/>
-          </a:bodyPr>
-          <a:lstStyle/>
-          <a:p>
-            <a:r>
-              <a:rPr lang="en-US" sz="4000" b="1" dirty="0"/>
-              <a:t>       </a:t>
-            </a:r>
-            <a:r>
-              <a:rPr lang="en-US" sz="2400" b="1" dirty="0">
-                <a:effectLst>
-                  <a:outerShdw blurRad="38100" dist="38100" dir="2700000" algn="tl">
-                    <a:srgbClr val="000000">
-                      <a:alpha val="43137"/>
-                    </a:srgbClr>
-                  </a:outerShdw>
-                </a:effectLst>
-              </a:rPr>
-              <a:t>U.S. Refugee Ceiling &amp; Resettlement</a:t>
-            </a:r>
-            <a:endParaRPr lang="en-US" sz="4000" b="1" dirty="0">
-              <a:effectLst>
-                <a:outerShdw blurRad="38100" dist="38100" dir="2700000" algn="tl">
-                  <a:srgbClr val="000000">
-                    <a:alpha val="43137"/>
-                  </a:srgbClr>
-                </a:outerShdw>
-              </a:effectLst>
-            </a:endParaRPr>
-          </a:p>
-        </p:txBody>
-      </p:sp>
-      <p:graphicFrame>
-        <p:nvGraphicFramePr>
-          <p:cNvPr id="4" name="Content Placeholder 3">
-            <a:extLst>
-              <a:ext uri="{FF2B5EF4-FFF2-40B4-BE49-F238E27FC236}">
-                <a16:creationId xmlns:a16="http://schemas.microsoft.com/office/drawing/2014/main" id="{BA18CD26-1727-425A-BDA6-3E5D9713E536}"/>
-              </a:ext>
-            </a:extLst>
-          </p:cNvPr>
-          <p:cNvGraphicFramePr>
-            <a:graphicFrameLocks noGrp="1"/>
-          </p:cNvGraphicFramePr>
-          <p:nvPr>
-            <p:ph idx="1"/>
-            <p:extLst>
-              <p:ext uri="{D42A27DB-BD31-4B8C-83A1-F6EECF244321}">
-                <p14:modId xmlns:p14="http://schemas.microsoft.com/office/powerpoint/2010/main" val="2219716374"/>
-              </p:ext>
-            </p:extLst>
-          </p:nvPr>
-        </p:nvGraphicFramePr>
-        <p:xfrm>
-          <a:off x="1340804" y="1573213"/>
-          <a:ext cx="9509759" cy="4141787"/>
-        </p:xfrm>
-        <a:graphic>
-          <a:graphicData uri="http://schemas.openxmlformats.org/drawingml/2006/chart">
-            <c:chart xmlns:c="http://schemas.openxmlformats.org/drawingml/2006/chart" xmlns:r="http://schemas.openxmlformats.org/officeDocument/2006/relationships" r:id="rId2"/>
-          </a:graphicData>
-        </a:graphic>
-      </p:graphicFrame>
-    </p:spTree>
-    <p:extLst>
-      <p:ext uri="{BB962C8B-B14F-4D97-AF65-F5344CB8AC3E}">
-        <p14:creationId xmlns:p14="http://schemas.microsoft.com/office/powerpoint/2010/main" val="1519208042"/>
-      </p:ext>
-    </p:extLst>
-  </p:cSld>
-  <p:clrMapOvr>
-    <a:masterClrMapping/>
-  </p:clrMapOvr>
-  <mc:AlternateContent xmlns:mc="http://schemas.openxmlformats.org/markup-compatibility/2006" xmlns:p14="http://schemas.microsoft.com/office/powerpoint/2010/main">
-    <mc:Choice Requires="p14">
-      <p:transition spd="med" p14:dur="700">
-        <p:fade/>
-      </p:transition>
-    </mc:Choice>
-    <mc:Fallback xmlns="">
-      <p:transition spd="med">
-        <p:fade/>
-      </p:transition>
-    </mc:Fallback>
-  </mc:AlternateContent>
-</p:sld>
-</file>
-
-<file path=ppt/slides/slide8.xml><?xml version="1.0" encoding="utf-8"?>
-<p:sld xmlns:a="http://schemas.openxmlformats.org/drawingml/2006/main" xmlns:r="http://schemas.openxmlformats.org/officeDocument/2006/relationships" xmlns:p="http://schemas.openxmlformats.org/presentationml/2006/main">
-  <p:cSld>
-    <p:spTree>
-      <p:nvGrpSpPr>
-        <p:cNvPr id="1" name=""/>
-        <p:cNvGrpSpPr/>
-        <p:nvPr/>
-      </p:nvGrpSpPr>
-      <p:grpSpPr>
-        <a:xfrm>
-          <a:off x="0" y="0"/>
-          <a:ext cx="0" cy="0"/>
-          <a:chOff x="0" y="0"/>
-          <a:chExt cx="0" cy="0"/>
-        </a:xfrm>
-      </p:grpSpPr>
-      <p:sp>
-        <p:nvSpPr>
-          <p:cNvPr id="2" name="Title 1">
-            <a:extLst>
-              <a:ext uri="{FF2B5EF4-FFF2-40B4-BE49-F238E27FC236}">
-                <a16:creationId xmlns:a16="http://schemas.microsoft.com/office/drawing/2014/main" id="{613D1C54-6CBD-4CCD-9E82-897265F1535E}"/>
-              </a:ext>
-            </a:extLst>
-          </p:cNvPr>
-          <p:cNvSpPr>
-            <a:spLocks noGrp="1"/>
-          </p:cNvSpPr>
-          <p:nvPr>
-            <p:ph type="title"/>
-          </p:nvPr>
-        </p:nvSpPr>
-        <p:spPr>
-          <a:xfrm>
-            <a:off x="2967191" y="265176"/>
-            <a:ext cx="6257613" cy="851243"/>
-          </a:xfrm>
-        </p:spPr>
-        <p:txBody>
-          <a:bodyPr>
-            <a:normAutofit/>
-          </a:bodyPr>
-          <a:lstStyle/>
-          <a:p>
-            <a:pPr algn="ctr"/>
-            <a:r>
-              <a:rPr lang="en-US" sz="2400" b="1" dirty="0">
-                <a:effectLst>
-                  <a:outerShdw blurRad="38100" dist="38100" dir="2700000" algn="tl">
-                    <a:srgbClr val="000000">
-                      <a:alpha val="43137"/>
-                    </a:srgbClr>
-                  </a:outerShdw>
-                </a:effectLst>
-              </a:rPr>
-              <a:t>U.S. refugee resettlement drop</a:t>
-            </a:r>
-            <a:endParaRPr lang="en-US" sz="3600" b="1" dirty="0">
-              <a:effectLst>
-                <a:outerShdw blurRad="38100" dist="38100" dir="2700000" algn="tl">
-                  <a:srgbClr val="000000">
-                    <a:alpha val="43137"/>
-                  </a:srgbClr>
-                </a:outerShdw>
-              </a:effectLst>
-            </a:endParaRPr>
-          </a:p>
-        </p:txBody>
-      </p:sp>
-      <p:pic>
-        <p:nvPicPr>
-          <p:cNvPr id="7" name="Content Placeholder 6" descr="Chart, line chart&#10;&#10;Description automatically generated">
-            <a:extLst>
-              <a:ext uri="{FF2B5EF4-FFF2-40B4-BE49-F238E27FC236}">
-                <a16:creationId xmlns:a16="http://schemas.microsoft.com/office/drawing/2014/main" id="{D17B57ED-AD99-4E1A-8B00-D6ADDD1722B7}"/>
-              </a:ext>
-            </a:extLst>
-          </p:cNvPr>
-          <p:cNvPicPr>
-            <a:picLocks noGrp="1" noChangeAspect="1"/>
-          </p:cNvPicPr>
-          <p:nvPr>
-            <p:ph idx="1"/>
-          </p:nvPr>
-        </p:nvPicPr>
-        <p:blipFill>
-          <a:blip r:embed="rId2"/>
-          <a:stretch>
-            <a:fillRect/>
-          </a:stretch>
-        </p:blipFill>
-        <p:spPr>
-          <a:xfrm>
-            <a:off x="1341119" y="1353311"/>
-            <a:ext cx="9509759" cy="3962171"/>
-          </a:xfrm>
-        </p:spPr>
-      </p:pic>
-      <p:sp>
-        <p:nvSpPr>
-          <p:cNvPr id="3" name="Rectangle 2">
-            <a:extLst>
-              <a:ext uri="{FF2B5EF4-FFF2-40B4-BE49-F238E27FC236}">
-                <a16:creationId xmlns:a16="http://schemas.microsoft.com/office/drawing/2014/main" id="{5EC127B8-8DE9-4A8C-8A3F-A58A5527875D}"/>
-              </a:ext>
-            </a:extLst>
-          </p:cNvPr>
-          <p:cNvSpPr/>
-          <p:nvPr/>
-        </p:nvSpPr>
-        <p:spPr>
-          <a:xfrm>
-            <a:off x="2674834" y="5315483"/>
-            <a:ext cx="6580262" cy="646331"/>
-          </a:xfrm>
-          <a:prstGeom prst="rect">
-            <a:avLst/>
-          </a:prstGeom>
-        </p:spPr>
-        <p:txBody>
-          <a:bodyPr wrap="square">
-            <a:spAutoFit/>
-          </a:bodyPr>
-          <a:lstStyle/>
-          <a:p>
-            <a:pPr lvl="0"/>
-            <a:r>
-              <a:rPr lang="en-US" dirty="0">
-                <a:solidFill>
-                  <a:prstClr val="black"/>
-                </a:solidFill>
-                <a:hlinkClick r:id="rId3">
-                  <a:extLst>
-                    <a:ext uri="{A12FA001-AC4F-418D-AE19-62706E023703}">
-                      <ahyp:hlinkClr xmlns:ahyp="http://schemas.microsoft.com/office/drawing/2018/hyperlinkcolor" val="tx"/>
-                    </a:ext>
-                  </a:extLst>
-                </a:hlinkClick>
-              </a:rPr>
-              <a:t>https://www.weforum.org/agenda/2019/06/canada-now-leads-the-world-in-refugee-resettlement-surpassing-the-u-s/</a:t>
-            </a:r>
-            <a:endParaRPr lang="en-US" dirty="0">
-              <a:solidFill>
-                <a:prstClr val="black"/>
-              </a:solidFill>
-              <a:hlinkClick r:id="rId4">
-                <a:extLst>
-                  <a:ext uri="{A12FA001-AC4F-418D-AE19-62706E023703}">
-                    <ahyp:hlinkClr xmlns:ahyp="http://schemas.microsoft.com/office/drawing/2018/hyperlinkcolor" val="tx"/>
-                  </a:ext>
-                </a:extLst>
-              </a:hlinkClick>
-            </a:endParaRPr>
-          </a:p>
-        </p:txBody>
-      </p:sp>
-    </p:spTree>
-    <p:extLst>
-      <p:ext uri="{BB962C8B-B14F-4D97-AF65-F5344CB8AC3E}">
-        <p14:creationId xmlns:p14="http://schemas.microsoft.com/office/powerpoint/2010/main" val="1561186117"/>
-      </p:ext>
-    </p:extLst>
-  </p:cSld>
-  <p:clrMapOvr>
-    <a:masterClrMapping/>
-  </p:clrMapOvr>
-  <mc:AlternateContent xmlns:mc="http://schemas.openxmlformats.org/markup-compatibility/2006" xmlns:p14="http://schemas.microsoft.com/office/powerpoint/2010/main">
-    <mc:Choice Requires="p14">
-      <p:transition spd="med" p14:dur="700">
-        <p:fade/>
-      </p:transition>
-    </mc:Choice>
-    <mc:Fallback xmlns="">
-      <p:transition spd="med">
-        <p:fade/>
-      </p:transition>
-    </mc:Fallback>
-  </mc:AlternateContent>
-</p:sld>
-</file>
-
 <file path=ppt/slides/slide9.xml><?xml version="1.0" encoding="utf-8"?>
 <p:sld xmlns:a="http://schemas.openxmlformats.org/drawingml/2006/main" xmlns:r="http://schemas.openxmlformats.org/officeDocument/2006/relationships" xmlns:p="http://schemas.openxmlformats.org/presentationml/2006/main">
   <p:cSld>
@@ -18851,7 +18966,12 @@
             <p:ph type="title"/>
           </p:nvPr>
         </p:nvSpPr>
-        <p:spPr/>
+        <p:spPr>
+          <a:xfrm>
+            <a:off x="2999873" y="368969"/>
+            <a:ext cx="6192253" cy="519122"/>
+          </a:xfrm>
+        </p:spPr>
         <p:txBody>
           <a:bodyPr>
             <a:normAutofit/>
@@ -18869,7 +18989,7 @@
                   </a:outerShdw>
                 </a:effectLst>
               </a:rPr>
-              <a:t>Top 10 Countries-2004</a:t>
+              <a:t>Resettlement to U.S  by country-2004</a:t>
             </a:r>
           </a:p>
         </p:txBody>
@@ -18890,14 +19010,14 @@
             <p:ph idx="1"/>
             <p:extLst>
               <p:ext uri="{D42A27DB-BD31-4B8C-83A1-F6EECF244321}">
-                <p14:modId xmlns:p14="http://schemas.microsoft.com/office/powerpoint/2010/main" val="3071049708"/>
+                <p14:modId xmlns:p14="http://schemas.microsoft.com/office/powerpoint/2010/main" val="538534282"/>
               </p:ext>
             </p:extLst>
           </p:nvPr>
         </p:nvGraphicFramePr>
         <p:xfrm>
-          <a:off x="1341438" y="1573213"/>
-          <a:ext cx="9739646" cy="4141787"/>
+          <a:off x="1155032" y="1034717"/>
+          <a:ext cx="9926052" cy="4680284"/>
         </p:xfrm>
         <a:graphic>
           <a:graphicData uri="http://schemas.openxmlformats.org/drawingml/2006/chart">

--- a/Capstone/Refugee_Immigrants overtime.pptx
+++ b/Capstone/Refugee_Immigrants overtime.pptx
@@ -12050,7 +12050,7 @@
           <a:p>
             <a:fld id="{DE71268B-8AC2-4239-8FAF-7C144C210720}" type="datetimeFigureOut">
               <a:rPr lang="en-US"/>
-              <a:t>7/28/2021</a:t>
+              <a:t>7/30/2021</a:t>
             </a:fld>
             <a:endParaRPr/>
           </a:p>
@@ -12215,7 +12215,7 @@
           <a:p>
             <a:fld id="{F5AD8362-6D63-40AC-BAA9-90C3AE6D5875}" type="datetimeFigureOut">
               <a:rPr lang="en-US"/>
-              <a:t>7/28/2021</a:t>
+              <a:t>7/30/2021</a:t>
             </a:fld>
             <a:endParaRPr/>
           </a:p>
@@ -13022,7 +13022,7 @@
           <a:p>
             <a:fld id="{5F4E5243-F52A-4D37-9694-EB26C6C31910}" type="datetime1">
               <a:rPr lang="en-US"/>
-              <a:t>7/28/2021</a:t>
+              <a:t>7/30/2021</a:t>
             </a:fld>
             <a:endParaRPr/>
           </a:p>
@@ -13218,7 +13218,7 @@
           <a:p>
             <a:fld id="{3A77B6E1-634A-48DC-9E8B-D894023267EF}" type="datetime1">
               <a:rPr lang="en-US"/>
-              <a:t>7/28/2021</a:t>
+              <a:t>7/30/2021</a:t>
             </a:fld>
             <a:endParaRPr/>
           </a:p>
@@ -13408,7 +13408,7 @@
           <a:p>
             <a:fld id="{7B2D3E9E-A95C-48F2-B4BF-A71542E0BE9A}" type="datetime1">
               <a:rPr lang="en-US"/>
-              <a:t>7/28/2021</a:t>
+              <a:t>7/30/2021</a:t>
             </a:fld>
             <a:endParaRPr/>
           </a:p>
@@ -13739,7 +13739,7 @@
           <a:p>
             <a:fld id="{A50F84E2-2D7A-43CF-AC90-352A289A783A}" type="datetime1">
               <a:rPr lang="en-US"/>
-              <a:t>7/28/2021</a:t>
+              <a:t>7/30/2021</a:t>
             </a:fld>
             <a:endParaRPr/>
           </a:p>
@@ -14047,7 +14047,7 @@
           <a:p>
             <a:fld id="{F12952B5-7A2F-4CC8-B7CE-9234E21C2837}" type="datetime1">
               <a:rPr lang="en-US"/>
-              <a:t>7/28/2021</a:t>
+              <a:t>7/30/2021</a:t>
             </a:fld>
             <a:endParaRPr/>
           </a:p>
@@ -14495,7 +14495,7 @@
           <a:p>
             <a:fld id="{CE1DA07A-9201-4B4B-BAF2-015AFA30F520}" type="datetime1">
               <a:rPr lang="en-US"/>
-              <a:t>7/28/2021</a:t>
+              <a:t>7/30/2021</a:t>
             </a:fld>
             <a:endParaRPr/>
           </a:p>
@@ -14629,7 +14629,7 @@
           <a:p>
             <a:fld id="{73D7E00A-486F-4252-8B1D-E32645521F49}" type="datetime1">
               <a:rPr lang="en-US"/>
-              <a:t>7/28/2021</a:t>
+              <a:t>7/30/2021</a:t>
             </a:fld>
             <a:endParaRPr/>
           </a:p>
@@ -14802,7 +14802,7 @@
           <a:p>
             <a:fld id="{8DDF5F92-E675-4B36-9A60-69A962A68675}" type="datetime1">
               <a:rPr lang="en-US"/>
-              <a:t>7/28/2021</a:t>
+              <a:t>7/30/2021</a:t>
             </a:fld>
             <a:endParaRPr/>
           </a:p>
@@ -15107,7 +15107,7 @@
           <a:p>
             <a:fld id="{AF6E2C9B-5FA2-460D-9BE7-B0812FC2A6FF}" type="datetime1">
               <a:rPr lang="en-US"/>
-              <a:t>7/28/2021</a:t>
+              <a:t>7/30/2021</a:t>
             </a:fld>
             <a:endParaRPr/>
           </a:p>
@@ -15397,7 +15397,7 @@
           <a:p>
             <a:fld id="{1D374940-A916-4C8B-9648-02A2D3898F9E}" type="datetime1">
               <a:rPr lang="en-US"/>
-              <a:t>7/28/2021</a:t>
+              <a:t>7/30/2021</a:t>
             </a:fld>
             <a:endParaRPr/>
           </a:p>
@@ -15844,7 +15844,7 @@
             <a:fld id="{5586B75A-687E-405C-8A0B-8D00578BA2C3}" type="datetime1">
               <a:rPr lang="en-US" smtClean="0"/>
               <a:pPr/>
-              <a:t>7/28/2021</a:t>
+              <a:t>7/30/2021</a:t>
             </a:fld>
             <a:endParaRPr lang="en-US"/>
           </a:p>
@@ -16301,7 +16301,7 @@
                   </a:outerShdw>
                 </a:effectLst>
               </a:rPr>
-              <a:t>Refugees/Immigrants</a:t>
+              <a:t>Refugees/Immigrant Families</a:t>
             </a:r>
           </a:p>
         </p:txBody>
@@ -16595,8 +16595,8 @@
         </p:nvSpPr>
         <p:spPr>
           <a:xfrm>
-            <a:off x="2927684" y="112295"/>
-            <a:ext cx="6444916" cy="501316"/>
+            <a:off x="2828260" y="112295"/>
+            <a:ext cx="6432698" cy="501316"/>
           </a:xfrm>
         </p:spPr>
         <p:txBody>
@@ -16658,8 +16658,8 @@
         </p:nvSpPr>
         <p:spPr>
           <a:xfrm>
-            <a:off x="1084522" y="1572768"/>
-            <a:ext cx="5773478" cy="4142232"/>
+            <a:off x="1084522" y="1084521"/>
+            <a:ext cx="5773478" cy="4630479"/>
           </a:xfrm>
         </p:spPr>
         <p:txBody>
@@ -16676,7 +16676,21 @@
                   </a:outerShdw>
                 </a:effectLst>
               </a:rPr>
-              <a:t>Refugees face challenges fleeing their home.</a:t>
+              <a:t>While rate of Refugees, IDPS keeps going up.</a:t>
+            </a:r>
+          </a:p>
+          <a:p>
+            <a:r>
+              <a:rPr lang="en-US" dirty="0">
+                <a:effectLst>
+                  <a:outerShdw blurRad="38100" dist="38100" dir="2700000" algn="tl">
+                    <a:srgbClr val="000000">
+                      <a:alpha val="43137"/>
+                    </a:srgbClr>
+                  </a:outerShdw>
+                </a:effectLst>
+              </a:rPr>
+              <a:t>Displaced face challenges fleeing their home.</a:t>
             </a:r>
           </a:p>
           <a:p>
@@ -16718,7 +16732,7 @@
                   </a:outerShdw>
                 </a:effectLst>
               </a:rPr>
-              <a:t>Refugees suffer from (PTSD) especially kids.</a:t>
+              <a:t>Refugees/IDPs etc. likely suffer from P.T.S.D.</a:t>
             </a:r>
           </a:p>
           <a:p>
@@ -16733,20 +16747,6 @@
                 </a:effectLst>
               </a:rPr>
               <a:t>All got stories of their struggles and resilience.</a:t>
-            </a:r>
-          </a:p>
-          <a:p>
-            <a:r>
-              <a:rPr lang="en-US" dirty="0">
-                <a:effectLst>
-                  <a:outerShdw blurRad="38100" dist="38100" dir="2700000" algn="tl">
-                    <a:srgbClr val="000000">
-                      <a:alpha val="43137"/>
-                    </a:srgbClr>
-                  </a:outerShdw>
-                </a:effectLst>
-              </a:rPr>
-              <a:t>They still strive to carry on with their lives.</a:t>
             </a:r>
           </a:p>
           <a:p>
@@ -16869,7 +16869,7 @@
                   </a:outerShdw>
                 </a:effectLst>
               </a:rPr>
-              <a:t>    Finding/Recommendations </a:t>
+              <a:t>    More Finding/Recommendations </a:t>
             </a:r>
           </a:p>
         </p:txBody>
@@ -16892,8 +16892,8 @@
         </p:nvSpPr>
         <p:spPr>
           <a:xfrm>
-            <a:off x="1341120" y="1572768"/>
-            <a:ext cx="5637196" cy="4142232"/>
+            <a:off x="1341120" y="871870"/>
+            <a:ext cx="5637196" cy="5411972"/>
           </a:xfrm>
         </p:spPr>
         <p:txBody>
@@ -16902,18 +16902,18 @@
           </a:bodyPr>
           <a:lstStyle/>
           <a:p>
-            <a:r>
-              <a:rPr lang="en-US" dirty="0">
-                <a:effectLst>
-                  <a:outerShdw blurRad="38100" dist="38100" dir="2700000" algn="tl">
-                    <a:srgbClr val="000000">
-                      <a:alpha val="43137"/>
-                    </a:srgbClr>
-                  </a:outerShdw>
-                </a:effectLst>
-              </a:rPr>
-              <a:t>The counts of Refugees, IDPS keeps going up.</a:t>
-            </a:r>
+            <a:pPr marL="45720" indent="0">
+              <a:buNone/>
+            </a:pPr>
+            <a:endParaRPr lang="en-US" dirty="0">
+              <a:effectLst>
+                <a:outerShdw blurRad="38100" dist="38100" dir="2700000" algn="tl">
+                  <a:srgbClr val="000000">
+                    <a:alpha val="43137"/>
+                  </a:srgbClr>
+                </a:outerShdw>
+              </a:effectLst>
+            </a:endParaRPr>
           </a:p>
           <a:p>
             <a:r>
@@ -17007,6 +17007,20 @@
                 </a:effectLst>
               </a:rPr>
               <a:t>More options for Voluntary Return for refugees that can rebuild their countries.</a:t>
+            </a:r>
+          </a:p>
+          <a:p>
+            <a:r>
+              <a:rPr lang="en-US" dirty="0">
+                <a:effectLst>
+                  <a:outerShdw blurRad="38100" dist="38100" dir="2700000" algn="tl">
+                    <a:srgbClr val="000000">
+                      <a:alpha val="43137"/>
+                    </a:srgbClr>
+                  </a:outerShdw>
+                </a:effectLst>
+              </a:rPr>
+              <a:t>Refugee, IDPs etc. is homelessness on global scale; we must start locally to find solutions.</a:t>
             </a:r>
           </a:p>
           <a:p>
@@ -18123,7 +18137,7 @@
                   </a:outerShdw>
                 </a:effectLst>
               </a:rPr>
-              <a:t>Internally displaced persons(IDPs) due to conflict and violence in a country. IDPs mostly stay with their countries &amp; likely to get less international attention/help.</a:t>
+              <a:t>Internally displaced persons(IDPs) due to conflict and violence in a country. IDPs mostly stay with their own countries &amp; likely to get less international attention/help.</a:t>
             </a:r>
           </a:p>
           <a:p>
@@ -18259,7 +18273,7 @@
         </p:spPr>
         <p:txBody>
           <a:bodyPr>
-            <a:normAutofit/>
+            <a:normAutofit lnSpcReduction="10000"/>
           </a:bodyPr>
           <a:lstStyle/>
           <a:p>
@@ -18274,6 +18288,20 @@
                 </a:effectLst>
               </a:rPr>
               <a:t>Refugee will first likely Flee to neighboring host Countries.</a:t>
+            </a:r>
+          </a:p>
+          <a:p>
+            <a:r>
+              <a:rPr lang="en-US" dirty="0">
+                <a:effectLst>
+                  <a:outerShdw blurRad="38100" dist="38100" dir="2700000" algn="tl">
+                    <a:srgbClr val="000000">
+                      <a:alpha val="43137"/>
+                    </a:srgbClr>
+                  </a:outerShdw>
+                </a:effectLst>
+              </a:rPr>
+              <a:t>These unable stay behind as IDPs. </a:t>
             </a:r>
           </a:p>
           <a:p>
